--- a/docs/数据结构报告.pptx
+++ b/docs/数据结构报告.pptx
@@ -131,6 +131,11 @@
       </a:defRPr>
     </a:lvl9pPr>
   </p:defaultTextStyle>
+  <p:extLst>
+    <p:ext uri="{EFAFB233-063F-42B5-8137-9DF3F51BA10A}">
+      <p15:sldGuideLst xmlns:p15="http://schemas.microsoft.com/office/powerpoint/2012/main"/>
+    </p:ext>
+  </p:extLst>
 </p:presentation>
 </file>
 
@@ -5069,6 +5074,7 @@
             <a:chOff x="1826912" y="109855"/>
             <a:chExt cx="8639175" cy="6483350"/>
           </a:xfrm>
+          <a:noFill/>
         </p:grpSpPr>
         <p:sp>
           <p:nvSpPr>
@@ -5084,6 +5090,7 @@
             <a:prstGeom prst="flowChartProcess">
               <a:avLst/>
             </a:prstGeom>
+            <a:grpFill/>
           </p:spPr>
           <p:style>
             <a:lnRef idx="2">
@@ -5105,7 +5112,7 @@
             <a:p>
               <a:pPr algn="ctr"/>
               <a:r>
-                <a:rPr lang="zh-CN" altLang="en-US">
+                <a:rPr lang="zh-CN" altLang="en-US" dirty="0">
                   <a:latin typeface="+mn-ea"/>
                 </a:rPr>
                 <a:t>字符序列</a:t>
@@ -5127,6 +5134,7 @@
             <a:prstGeom prst="flowChartProcess">
               <a:avLst/>
             </a:prstGeom>
+            <a:grpFill/>
           </p:spPr>
           <p:style>
             <a:lnRef idx="2">
@@ -5170,6 +5178,7 @@
             <a:prstGeom prst="flowChartProcess">
               <a:avLst/>
             </a:prstGeom>
+            <a:grpFill/>
           </p:spPr>
           <p:style>
             <a:lnRef idx="2">
@@ -5213,6 +5222,7 @@
             <a:prstGeom prst="flowChartDecision">
               <a:avLst/>
             </a:prstGeom>
+            <a:grpFill/>
           </p:spPr>
           <p:style>
             <a:lnRef idx="2">
@@ -5256,6 +5266,7 @@
             <a:prstGeom prst="flowChartProcess">
               <a:avLst/>
             </a:prstGeom>
+            <a:grpFill/>
           </p:spPr>
           <p:style>
             <a:lnRef idx="2">
@@ -5299,6 +5310,7 @@
             <a:prstGeom prst="flowChartProcess">
               <a:avLst/>
             </a:prstGeom>
+            <a:grpFill/>
           </p:spPr>
           <p:style>
             <a:lnRef idx="2">
@@ -5357,6 +5369,7 @@
             <a:prstGeom prst="flowChartDecision">
               <a:avLst/>
             </a:prstGeom>
+            <a:grpFill/>
           </p:spPr>
           <p:style>
             <a:lnRef idx="2">
@@ -5400,6 +5413,7 @@
             <a:prstGeom prst="flowChartProcess">
               <a:avLst/>
             </a:prstGeom>
+            <a:grpFill/>
           </p:spPr>
           <p:style>
             <a:lnRef idx="2">
@@ -5443,6 +5457,7 @@
             <a:prstGeom prst="flowChartTerminator">
               <a:avLst/>
             </a:prstGeom>
+            <a:grpFill/>
           </p:spPr>
           <p:style>
             <a:lnRef idx="2">
@@ -5486,6 +5501,7 @@
             <a:prstGeom prst="flowChartDecision">
               <a:avLst/>
             </a:prstGeom>
+            <a:grpFill/>
           </p:spPr>
           <p:style>
             <a:lnRef idx="2">
@@ -5532,6 +5548,7 @@
             <a:prstGeom prst="straightConnector1">
               <a:avLst/>
             </a:prstGeom>
+            <a:grpFill/>
             <a:ln>
               <a:tailEnd type="arrow" w="med" len="med"/>
             </a:ln>
@@ -5568,6 +5585,7 @@
             <a:prstGeom prst="straightConnector1">
               <a:avLst/>
             </a:prstGeom>
+            <a:grpFill/>
             <a:ln>
               <a:tailEnd type="arrow" w="med" len="med"/>
             </a:ln>
@@ -5608,6 +5626,7 @@
                 <a:gd name="adj3" fmla="val 104793"/>
               </a:avLst>
             </a:prstGeom>
+            <a:grpFill/>
             <a:ln>
               <a:tailEnd type="arrow" w="med" len="med"/>
             </a:ln>
@@ -5644,6 +5663,7 @@
             <a:prstGeom prst="straightConnector1">
               <a:avLst/>
             </a:prstGeom>
+            <a:grpFill/>
             <a:ln>
               <a:tailEnd type="arrow" w="med" len="med"/>
             </a:ln>
@@ -5680,6 +5700,7 @@
             <a:prstGeom prst="straightConnector1">
               <a:avLst/>
             </a:prstGeom>
+            <a:grpFill/>
             <a:ln>
               <a:tailEnd type="arrow" w="med" len="med"/>
             </a:ln>
@@ -5716,6 +5737,7 @@
             <a:prstGeom prst="straightConnector1">
               <a:avLst/>
             </a:prstGeom>
+            <a:grpFill/>
             <a:ln>
               <a:tailEnd type="arrow" w="med" len="med"/>
             </a:ln>
@@ -5752,6 +5774,7 @@
             <a:prstGeom prst="straightConnector1">
               <a:avLst/>
             </a:prstGeom>
+            <a:grpFill/>
             <a:ln>
               <a:tailEnd type="arrow" w="med" len="med"/>
             </a:ln>
@@ -5788,6 +5811,7 @@
             <a:prstGeom prst="straightConnector1">
               <a:avLst/>
             </a:prstGeom>
+            <a:grpFill/>
             <a:ln>
               <a:tailEnd type="arrow" w="med" len="med"/>
             </a:ln>
@@ -5824,6 +5848,7 @@
             <a:prstGeom prst="bentConnector2">
               <a:avLst/>
             </a:prstGeom>
+            <a:grpFill/>
             <a:ln>
               <a:tailEnd type="arrow" w="med" len="med"/>
             </a:ln>
@@ -5860,6 +5885,7 @@
             <a:prstGeom prst="bentConnector2">
               <a:avLst/>
             </a:prstGeom>
+            <a:grpFill/>
             <a:ln>
               <a:tailEnd type="arrow" w="med" len="med"/>
             </a:ln>
@@ -5898,6 +5924,7 @@
                 <a:gd name="adj1" fmla="val 50000"/>
               </a:avLst>
             </a:prstGeom>
+            <a:grpFill/>
           </p:spPr>
           <p:style>
             <a:lnRef idx="1">
@@ -5933,6 +5960,7 @@
                 <a:gd name="adj1" fmla="val -75167"/>
               </a:avLst>
             </a:prstGeom>
+            <a:grpFill/>
           </p:spPr>
           <p:style>
             <a:lnRef idx="1">
@@ -5963,7 +5991,7 @@
             <a:prstGeom prst="rect">
               <a:avLst/>
             </a:prstGeom>
-            <a:noFill/>
+            <a:grpFill/>
           </p:spPr>
           <p:txBody>
             <a:bodyPr wrap="square" rtlCol="0">
@@ -5994,7 +6022,7 @@
             <a:prstGeom prst="rect">
               <a:avLst/>
             </a:prstGeom>
-            <a:noFill/>
+            <a:grpFill/>
           </p:spPr>
           <p:txBody>
             <a:bodyPr wrap="none" rtlCol="0">
@@ -6025,7 +6053,7 @@
             <a:prstGeom prst="rect">
               <a:avLst/>
             </a:prstGeom>
-            <a:noFill/>
+            <a:grpFill/>
           </p:spPr>
           <p:txBody>
             <a:bodyPr wrap="none" rtlCol="0">
@@ -6056,7 +6084,7 @@
             <a:prstGeom prst="rect">
               <a:avLst/>
             </a:prstGeom>
-            <a:noFill/>
+            <a:grpFill/>
           </p:spPr>
           <p:txBody>
             <a:bodyPr wrap="none" rtlCol="0">
@@ -6087,7 +6115,7 @@
             <a:prstGeom prst="rect">
               <a:avLst/>
             </a:prstGeom>
-            <a:noFill/>
+            <a:grpFill/>
           </p:spPr>
           <p:txBody>
             <a:bodyPr wrap="none" rtlCol="0">
@@ -6118,7 +6146,7 @@
             <a:prstGeom prst="rect">
               <a:avLst/>
             </a:prstGeom>
-            <a:noFill/>
+            <a:grpFill/>
           </p:spPr>
           <p:txBody>
             <a:bodyPr wrap="none" rtlCol="0">
@@ -7021,6 +7049,7 @@
             <a:chOff x="4027805" y="178435"/>
             <a:chExt cx="8021320" cy="6247130"/>
           </a:xfrm>
+          <a:noFill/>
         </p:grpSpPr>
         <p:sp>
           <p:nvSpPr>
@@ -7036,6 +7065,7 @@
             <a:prstGeom prst="flowChartProcess">
               <a:avLst/>
             </a:prstGeom>
+            <a:grpFill/>
           </p:spPr>
           <p:style>
             <a:lnRef idx="2">
@@ -7058,8 +7088,7 @@
               <a:pPr algn="ctr"/>
               <a:r>
                 <a:rPr lang="zh-CN" altLang="en-US" dirty="0">
-                  <a:latin typeface="微软雅黑 Light" panose="020B0502040204020203" charset="-122"/>
-                  <a:ea typeface="微软雅黑 Light" panose="020B0502040204020203" charset="-122"/>
+                  <a:latin typeface="+mn-ea"/>
                 </a:rPr>
                 <a:t>遍历每个关键词、文章信息列表的键值对</a:t>
               </a:r>
@@ -7080,6 +7109,7 @@
             <a:prstGeom prst="flowChartProcess">
               <a:avLst/>
             </a:prstGeom>
+            <a:grpFill/>
           </p:spPr>
           <p:style>
             <a:lnRef idx="2">
@@ -7102,8 +7132,7 @@
               <a:pPr algn="ctr"/>
               <a:r>
                 <a:rPr lang="zh-CN" altLang="en-US">
-                  <a:latin typeface="微软雅黑 Light" panose="020B0502040204020203" charset="-122"/>
-                  <a:ea typeface="微软雅黑 Light" panose="020B0502040204020203" charset="-122"/>
+                  <a:latin typeface="+mn-ea"/>
                 </a:rPr>
                 <a:t>遍历每个文章信息</a:t>
               </a:r>
@@ -7124,6 +7153,7 @@
             <a:prstGeom prst="flowChartDecision">
               <a:avLst/>
             </a:prstGeom>
+            <a:grpFill/>
           </p:spPr>
           <p:style>
             <a:lnRef idx="2">
@@ -7146,8 +7176,7 @@
               <a:pPr algn="ctr"/>
               <a:r>
                 <a:rPr lang="zh-CN" altLang="en-US">
-                  <a:latin typeface="微软雅黑 Light" panose="020B0502040204020203" charset="-122"/>
-                  <a:ea typeface="微软雅黑 Light" panose="020B0502040204020203" charset="-122"/>
+                  <a:latin typeface="+mn-ea"/>
                 </a:rPr>
                 <a:t>关键词是否在标题中出现</a:t>
               </a:r>
@@ -7168,6 +7197,7 @@
             <a:prstGeom prst="flowChartProcess">
               <a:avLst/>
             </a:prstGeom>
+            <a:grpFill/>
           </p:spPr>
           <p:style>
             <a:lnRef idx="2">
@@ -7190,24 +7220,21 @@
               <a:pPr algn="ctr"/>
               <a:r>
                 <a:rPr lang="zh-CN" altLang="en-US">
-                  <a:latin typeface="微软雅黑 Light" panose="020B0502040204020203" charset="-122"/>
-                  <a:ea typeface="微软雅黑 Light" panose="020B0502040204020203" charset="-122"/>
+                  <a:latin typeface="+mn-ea"/>
                   <a:cs typeface="微软雅黑 Light" panose="020B0502040204020203" charset="-122"/>
                 </a:rPr>
                 <a:t>文章得分增加</a:t>
               </a:r>
               <a:r>
                 <a:rPr lang="en-US" altLang="zh-CN">
-                  <a:latin typeface="微软雅黑 Light" panose="020B0502040204020203" charset="-122"/>
-                  <a:ea typeface="微软雅黑 Light" panose="020B0502040204020203" charset="-122"/>
+                  <a:latin typeface="+mn-ea"/>
                   <a:cs typeface="微软雅黑 Light" panose="020B0502040204020203" charset="-122"/>
                 </a:rPr>
                 <a:t>1000</a:t>
               </a:r>
               <a:r>
                 <a:rPr lang="zh-CN" altLang="en-US">
-                  <a:latin typeface="微软雅黑 Light" panose="020B0502040204020203" charset="-122"/>
-                  <a:ea typeface="微软雅黑 Light" panose="020B0502040204020203" charset="-122"/>
+                  <a:latin typeface="+mn-ea"/>
                   <a:cs typeface="微软雅黑 Light" panose="020B0502040204020203" charset="-122"/>
                 </a:rPr>
                 <a:t>，标记主概念文章章节</a:t>
@@ -7229,6 +7256,7 @@
             <a:prstGeom prst="flowChartDecision">
               <a:avLst/>
             </a:prstGeom>
+            <a:grpFill/>
           </p:spPr>
           <p:style>
             <a:lnRef idx="2">
@@ -7251,8 +7279,7 @@
               <a:pPr algn="ctr"/>
               <a:r>
                 <a:rPr lang="zh-CN" altLang="en-US">
-                  <a:latin typeface="微软雅黑 Light" panose="020B0502040204020203" charset="-122"/>
-                  <a:ea typeface="微软雅黑 Light" panose="020B0502040204020203" charset="-122"/>
+                  <a:latin typeface="+mn-ea"/>
                 </a:rPr>
                 <a:t>是否标记过主概念文章章节？</a:t>
               </a:r>
@@ -7273,6 +7300,7 @@
             <a:prstGeom prst="flowChartProcess">
               <a:avLst/>
             </a:prstGeom>
+            <a:grpFill/>
           </p:spPr>
           <p:style>
             <a:lnRef idx="2">
@@ -7295,16 +7323,14 @@
               <a:pPr algn="ctr"/>
               <a:r>
                 <a:rPr lang="zh-CN" altLang="en-US">
-                  <a:latin typeface="微软雅黑 Light" panose="020B0502040204020203" charset="-122"/>
-                  <a:ea typeface="微软雅黑 Light" panose="020B0502040204020203" charset="-122"/>
+                  <a:latin typeface="+mn-ea"/>
                   <a:cs typeface="微软雅黑 Light" panose="020B0502040204020203" charset="-122"/>
                 </a:rPr>
                 <a:t>文章得分减少其与主概念文章章节距离 </a:t>
               </a:r>
               <a:r>
                 <a:rPr lang="en-US" altLang="zh-CN">
-                  <a:latin typeface="微软雅黑 Light" panose="020B0502040204020203" charset="-122"/>
-                  <a:ea typeface="微软雅黑 Light" panose="020B0502040204020203" charset="-122"/>
+                  <a:latin typeface="+mn-ea"/>
                   <a:cs typeface="微软雅黑 Light" panose="020B0502040204020203" charset="-122"/>
                 </a:rPr>
                 <a:t>* 100</a:t>
@@ -7326,6 +7352,7 @@
             <a:prstGeom prst="flowChartProcess">
               <a:avLst/>
             </a:prstGeom>
+            <a:grpFill/>
           </p:spPr>
           <p:style>
             <a:lnRef idx="2">
@@ -7348,24 +7375,21 @@
               <a:pPr algn="ctr"/>
               <a:r>
                 <a:rPr lang="zh-CN" altLang="en-US">
-                  <a:latin typeface="微软雅黑 Light" panose="020B0502040204020203" charset="-122"/>
-                  <a:ea typeface="微软雅黑 Light" panose="020B0502040204020203" charset="-122"/>
+                  <a:latin typeface="+mn-ea"/>
                   <a:cs typeface="微软雅黑 Light" panose="020B0502040204020203" charset="-122"/>
                 </a:rPr>
                 <a:t>文章得分增加该关键词出现的次数 </a:t>
               </a:r>
               <a:r>
                 <a:rPr lang="en-US" altLang="zh-CN">
-                  <a:latin typeface="微软雅黑 Light" panose="020B0502040204020203" charset="-122"/>
-                  <a:ea typeface="微软雅黑 Light" panose="020B0502040204020203" charset="-122"/>
+                  <a:latin typeface="+mn-ea"/>
                   <a:cs typeface="微软雅黑 Light" panose="020B0502040204020203" charset="-122"/>
                 </a:rPr>
                 <a:t>* </a:t>
               </a:r>
               <a:r>
                 <a:rPr lang="zh-CN" altLang="en-US">
-                  <a:latin typeface="微软雅黑 Light" panose="020B0502040204020203" charset="-122"/>
-                  <a:ea typeface="微软雅黑 Light" panose="020B0502040204020203" charset="-122"/>
+                  <a:latin typeface="+mn-ea"/>
                   <a:cs typeface="微软雅黑 Light" panose="020B0502040204020203" charset="-122"/>
                 </a:rPr>
                 <a:t>其信息量</a:t>
@@ -7390,6 +7414,7 @@
             <a:prstGeom prst="straightConnector1">
               <a:avLst/>
             </a:prstGeom>
+            <a:grpFill/>
             <a:ln>
               <a:tailEnd type="arrow" w="med" len="med"/>
             </a:ln>
@@ -7426,6 +7451,7 @@
             <a:prstGeom prst="straightConnector1">
               <a:avLst/>
             </a:prstGeom>
+            <a:grpFill/>
             <a:ln>
               <a:tailEnd type="arrow" w="med" len="med"/>
             </a:ln>
@@ -7462,6 +7488,7 @@
             <a:prstGeom prst="straightConnector1">
               <a:avLst/>
             </a:prstGeom>
+            <a:grpFill/>
             <a:ln>
               <a:tailEnd type="arrow" w="med" len="med"/>
             </a:ln>
@@ -7500,6 +7527,7 @@
                 <a:gd name="adj1" fmla="val 50000"/>
               </a:avLst>
             </a:prstGeom>
+            <a:grpFill/>
             <a:ln>
               <a:tailEnd type="arrow" w="med" len="med"/>
             </a:ln>
@@ -7536,6 +7564,7 @@
             <a:prstGeom prst="straightConnector1">
               <a:avLst/>
             </a:prstGeom>
+            <a:grpFill/>
             <a:ln>
               <a:tailEnd type="arrow" w="med" len="med"/>
             </a:ln>
@@ -7569,6 +7598,7 @@
             <a:prstGeom prst="flowChartDecision">
               <a:avLst/>
             </a:prstGeom>
+            <a:grpFill/>
           </p:spPr>
           <p:style>
             <a:lnRef idx="2">
@@ -7591,8 +7621,7 @@
               <a:pPr algn="ctr"/>
               <a:r>
                 <a:rPr lang="zh-CN" altLang="en-US">
-                  <a:latin typeface="微软雅黑 Light" panose="020B0502040204020203" charset="-122"/>
-                  <a:ea typeface="微软雅黑 Light" panose="020B0502040204020203" charset="-122"/>
+                  <a:latin typeface="+mn-ea"/>
                 </a:rPr>
                 <a:t>遍历结束？</a:t>
               </a:r>
@@ -7616,6 +7645,7 @@
             <a:prstGeom prst="straightConnector1">
               <a:avLst/>
             </a:prstGeom>
+            <a:grpFill/>
             <a:ln>
               <a:tailEnd type="arrow" w="med" len="med"/>
             </a:ln>
@@ -7654,6 +7684,7 @@
                 <a:gd name="adj1" fmla="val -3488636"/>
               </a:avLst>
             </a:prstGeom>
+            <a:grpFill/>
             <a:ln>
               <a:tailEnd type="arrow" w="med" len="med"/>
             </a:ln>
@@ -7687,6 +7718,7 @@
             <a:prstGeom prst="flowChartDecision">
               <a:avLst/>
             </a:prstGeom>
+            <a:grpFill/>
           </p:spPr>
           <p:style>
             <a:lnRef idx="2">
@@ -7709,8 +7741,7 @@
               <a:pPr algn="ctr"/>
               <a:r>
                 <a:rPr lang="zh-CN" altLang="en-US">
-                  <a:latin typeface="微软雅黑 Light" panose="020B0502040204020203" charset="-122"/>
-                  <a:ea typeface="微软雅黑 Light" panose="020B0502040204020203" charset="-122"/>
+                  <a:latin typeface="+mn-ea"/>
                 </a:rPr>
                 <a:t>遍历结束？</a:t>
               </a:r>
@@ -7734,6 +7765,7 @@
             <a:prstGeom prst="straightConnector1">
               <a:avLst/>
             </a:prstGeom>
+            <a:grpFill/>
             <a:ln>
               <a:tailEnd type="arrow" w="med" len="med"/>
             </a:ln>
@@ -7767,6 +7799,7 @@
             <a:prstGeom prst="flowChartTerminator">
               <a:avLst/>
             </a:prstGeom>
+            <a:grpFill/>
           </p:spPr>
           <p:style>
             <a:lnRef idx="2">
@@ -7789,8 +7822,7 @@
               <a:pPr algn="ctr"/>
               <a:r>
                 <a:rPr lang="zh-CN" altLang="en-US">
-                  <a:latin typeface="微软雅黑 Light" panose="020B0502040204020203" charset="-122"/>
-                  <a:ea typeface="微软雅黑 Light" panose="020B0502040204020203" charset="-122"/>
+                  <a:latin typeface="+mn-ea"/>
                 </a:rPr>
                 <a:t>打分结束</a:t>
               </a:r>
@@ -7816,6 +7848,7 @@
                 <a:gd name="adj1" fmla="val 50000"/>
               </a:avLst>
             </a:prstGeom>
+            <a:grpFill/>
             <a:ln>
               <a:tailEnd type="arrow" w="med" len="med"/>
             </a:ln>
@@ -7852,6 +7885,7 @@
             <a:prstGeom prst="straightConnector1">
               <a:avLst/>
             </a:prstGeom>
+            <a:grpFill/>
             <a:ln>
               <a:tailEnd type="arrow" w="med" len="med"/>
             </a:ln>
@@ -7890,6 +7924,7 @@
                 <a:gd name="adj1" fmla="val -8149"/>
               </a:avLst>
             </a:prstGeom>
+            <a:grpFill/>
             <a:ln>
               <a:tailEnd type="arrow" w="med" len="med"/>
             </a:ln>
@@ -7929,6 +7964,7 @@
                 <a:gd name="adj2" fmla="val 182578"/>
               </a:avLst>
             </a:prstGeom>
+            <a:grpFill/>
             <a:ln>
               <a:tailEnd type="arrow" w="med" len="med"/>
             </a:ln>
@@ -7965,6 +8001,7 @@
             <a:prstGeom prst="bentConnector2">
               <a:avLst/>
             </a:prstGeom>
+            <a:grpFill/>
             <a:ln>
               <a:tailEnd type="arrow" w="med" len="med"/>
             </a:ln>
@@ -7998,7 +8035,7 @@
             <a:prstGeom prst="rect">
               <a:avLst/>
             </a:prstGeom>
-            <a:noFill/>
+            <a:grpFill/>
           </p:spPr>
           <p:txBody>
             <a:bodyPr wrap="none" rtlCol="0">
@@ -8008,8 +8045,7 @@
             <a:p>
               <a:r>
                 <a:rPr lang="zh-CN" altLang="en-US">
-                  <a:latin typeface="微软雅黑 Light" panose="020B0502040204020203" charset="-122"/>
-                  <a:ea typeface="微软雅黑 Light" panose="020B0502040204020203" charset="-122"/>
+                  <a:latin typeface="+mn-ea"/>
                 </a:rPr>
                 <a:t>否</a:t>
               </a:r>
@@ -8030,7 +8066,7 @@
             <a:prstGeom prst="rect">
               <a:avLst/>
             </a:prstGeom>
-            <a:noFill/>
+            <a:grpFill/>
           </p:spPr>
           <p:txBody>
             <a:bodyPr wrap="none" rtlCol="0">
@@ -8040,8 +8076,7 @@
             <a:p>
               <a:r>
                 <a:rPr lang="zh-CN" altLang="en-US">
-                  <a:latin typeface="微软雅黑 Light" panose="020B0502040204020203" charset="-122"/>
-                  <a:ea typeface="微软雅黑 Light" panose="020B0502040204020203" charset="-122"/>
+                  <a:latin typeface="+mn-ea"/>
                 </a:rPr>
                 <a:t>是</a:t>
               </a:r>
@@ -8062,7 +8097,7 @@
             <a:prstGeom prst="rect">
               <a:avLst/>
             </a:prstGeom>
-            <a:noFill/>
+            <a:grpFill/>
           </p:spPr>
           <p:txBody>
             <a:bodyPr wrap="none" rtlCol="0">
@@ -8072,8 +8107,7 @@
             <a:p>
               <a:r>
                 <a:rPr lang="zh-CN" altLang="en-US">
-                  <a:latin typeface="微软雅黑 Light" panose="020B0502040204020203" charset="-122"/>
-                  <a:ea typeface="微软雅黑 Light" panose="020B0502040204020203" charset="-122"/>
+                  <a:latin typeface="+mn-ea"/>
                 </a:rPr>
                 <a:t>否</a:t>
               </a:r>
@@ -8094,7 +8128,7 @@
             <a:prstGeom prst="rect">
               <a:avLst/>
             </a:prstGeom>
-            <a:noFill/>
+            <a:grpFill/>
           </p:spPr>
           <p:txBody>
             <a:bodyPr wrap="none" rtlCol="0">
@@ -8104,8 +8138,7 @@
             <a:p>
               <a:r>
                 <a:rPr lang="zh-CN" altLang="en-US">
-                  <a:latin typeface="微软雅黑 Light" panose="020B0502040204020203" charset="-122"/>
-                  <a:ea typeface="微软雅黑 Light" panose="020B0502040204020203" charset="-122"/>
+                  <a:latin typeface="+mn-ea"/>
                 </a:rPr>
                 <a:t>是</a:t>
               </a:r>
@@ -8126,7 +8159,7 @@
             <a:prstGeom prst="rect">
               <a:avLst/>
             </a:prstGeom>
-            <a:noFill/>
+            <a:grpFill/>
           </p:spPr>
           <p:txBody>
             <a:bodyPr wrap="none" rtlCol="0">
@@ -8136,8 +8169,7 @@
             <a:p>
               <a:r>
                 <a:rPr lang="zh-CN" altLang="en-US">
-                  <a:latin typeface="微软雅黑 Light" panose="020B0502040204020203" charset="-122"/>
-                  <a:ea typeface="微软雅黑 Light" panose="020B0502040204020203" charset="-122"/>
+                  <a:latin typeface="+mn-ea"/>
                 </a:rPr>
                 <a:t>是</a:t>
               </a:r>
@@ -8158,7 +8190,7 @@
             <a:prstGeom prst="rect">
               <a:avLst/>
             </a:prstGeom>
-            <a:noFill/>
+            <a:grpFill/>
           </p:spPr>
           <p:txBody>
             <a:bodyPr wrap="none" rtlCol="0">
@@ -8168,8 +8200,7 @@
             <a:p>
               <a:r>
                 <a:rPr lang="zh-CN" altLang="en-US">
-                  <a:latin typeface="微软雅黑 Light" panose="020B0502040204020203" charset="-122"/>
-                  <a:ea typeface="微软雅黑 Light" panose="020B0502040204020203" charset="-122"/>
+                  <a:latin typeface="+mn-ea"/>
                 </a:rPr>
                 <a:t>否</a:t>
               </a:r>
@@ -8190,7 +8221,7 @@
             <a:prstGeom prst="rect">
               <a:avLst/>
             </a:prstGeom>
-            <a:noFill/>
+            <a:grpFill/>
           </p:spPr>
           <p:txBody>
             <a:bodyPr wrap="none" rtlCol="0">
@@ -8200,8 +8231,7 @@
             <a:p>
               <a:r>
                 <a:rPr lang="zh-CN" altLang="en-US">
-                  <a:latin typeface="微软雅黑 Light" panose="020B0502040204020203" charset="-122"/>
-                  <a:ea typeface="微软雅黑 Light" panose="020B0502040204020203" charset="-122"/>
+                  <a:latin typeface="+mn-ea"/>
                 </a:rPr>
                 <a:t>是</a:t>
               </a:r>
@@ -8222,7 +8252,7 @@
             <a:prstGeom prst="rect">
               <a:avLst/>
             </a:prstGeom>
-            <a:noFill/>
+            <a:grpFill/>
           </p:spPr>
           <p:txBody>
             <a:bodyPr wrap="none" rtlCol="0">
@@ -8232,8 +8262,7 @@
             <a:p>
               <a:r>
                 <a:rPr lang="zh-CN" altLang="en-US">
-                  <a:latin typeface="微软雅黑 Light" panose="020B0502040204020203" charset="-122"/>
-                  <a:ea typeface="微软雅黑 Light" panose="020B0502040204020203" charset="-122"/>
+                  <a:latin typeface="+mn-ea"/>
                 </a:rPr>
                 <a:t>否</a:t>
               </a:r>
@@ -8789,6 +8818,7 @@
             <a:chOff x="5483" y="2216"/>
             <a:chExt cx="8651" cy="6848"/>
           </a:xfrm>
+          <a:noFill/>
         </p:grpSpPr>
         <p:sp>
           <p:nvSpPr>
@@ -8804,6 +8834,12 @@
             <a:prstGeom prst="rect">
               <a:avLst/>
             </a:prstGeom>
+            <a:grpFill/>
+            <a:ln>
+              <a:solidFill>
+                <a:schemeClr val="dk1"/>
+              </a:solidFill>
+            </a:ln>
           </p:spPr>
           <p:style>
             <a:lnRef idx="2">
@@ -8825,7 +8861,9 @@
             <a:p>
               <a:pPr algn="ctr"/>
               <a:r>
-                <a:rPr lang="zh-CN" altLang="en-US"/>
+                <a:rPr lang="zh-CN" altLang="en-US">
+                  <a:latin typeface="+mn-ea"/>
+                </a:rPr>
                 <a:t>检索服务器</a:t>
               </a:r>
             </a:p>
@@ -8845,6 +8883,12 @@
             <a:prstGeom prst="rect">
               <a:avLst/>
             </a:prstGeom>
+            <a:grpFill/>
+            <a:ln>
+              <a:solidFill>
+                <a:schemeClr val="dk1"/>
+              </a:solidFill>
+            </a:ln>
           </p:spPr>
           <p:style>
             <a:lnRef idx="2">
@@ -8866,7 +8910,9 @@
             <a:p>
               <a:pPr algn="ctr"/>
               <a:r>
-                <a:rPr lang="zh-CN" altLang="en-US"/>
+                <a:rPr lang="zh-CN" altLang="en-US">
+                  <a:latin typeface="+mn-ea"/>
+                </a:rPr>
                 <a:t>初始化</a:t>
               </a:r>
             </a:p>
@@ -8886,6 +8932,12 @@
             <a:prstGeom prst="rect">
               <a:avLst/>
             </a:prstGeom>
+            <a:grpFill/>
+            <a:ln>
+              <a:solidFill>
+                <a:schemeClr val="dk1"/>
+              </a:solidFill>
+            </a:ln>
           </p:spPr>
           <p:style>
             <a:lnRef idx="2">
@@ -8907,7 +8959,9 @@
             <a:p>
               <a:pPr algn="ctr"/>
               <a:r>
-                <a:rPr lang="zh-CN" altLang="en-US"/>
+                <a:rPr lang="zh-CN" altLang="en-US">
+                  <a:latin typeface="+mn-ea"/>
+                </a:rPr>
                 <a:t>监听</a:t>
               </a:r>
             </a:p>
@@ -8927,6 +8981,12 @@
             <a:prstGeom prst="rect">
               <a:avLst/>
             </a:prstGeom>
+            <a:grpFill/>
+            <a:ln>
+              <a:solidFill>
+                <a:schemeClr val="dk1"/>
+              </a:solidFill>
+            </a:ln>
           </p:spPr>
           <p:style>
             <a:lnRef idx="2">
@@ -8949,19 +9009,19 @@
               <a:pPr algn="ctr"/>
               <a:r>
                 <a:rPr lang="zh-CN" altLang="en-US">
-                  <a:ea typeface="宋体" panose="02010600030101010101" pitchFamily="2" charset="-122"/>
+                  <a:latin typeface="+mn-ea"/>
                 </a:rPr>
                 <a:t>接收到</a:t>
               </a:r>
               <a:r>
                 <a:rPr lang="en-US" altLang="zh-CN">
-                  <a:ea typeface="宋体" panose="02010600030101010101" pitchFamily="2" charset="-122"/>
+                  <a:latin typeface="+mn-ea"/>
                 </a:rPr>
                 <a:t>PHP</a:t>
               </a:r>
               <a:r>
                 <a:rPr lang="zh-CN" altLang="en-US">
-                  <a:ea typeface="宋体" panose="02010600030101010101" pitchFamily="2" charset="-122"/>
+                  <a:latin typeface="+mn-ea"/>
                 </a:rPr>
                 <a:t>进程的请求</a:t>
               </a:r>
@@ -8982,6 +9042,12 @@
             <a:prstGeom prst="rect">
               <a:avLst/>
             </a:prstGeom>
+            <a:grpFill/>
+            <a:ln>
+              <a:solidFill>
+                <a:schemeClr val="dk1"/>
+              </a:solidFill>
+            </a:ln>
           </p:spPr>
           <p:style>
             <a:lnRef idx="2">
@@ -9003,7 +9069,9 @@
             <a:p>
               <a:pPr algn="ctr"/>
               <a:r>
-                <a:rPr lang="zh-CN" altLang="en-US"/>
+                <a:rPr lang="zh-CN" altLang="en-US">
+                  <a:latin typeface="+mn-ea"/>
+                </a:rPr>
                 <a:t>创建一个新线程</a:t>
               </a:r>
             </a:p>
@@ -9023,6 +9091,12 @@
             <a:prstGeom prst="rect">
               <a:avLst/>
             </a:prstGeom>
+            <a:grpFill/>
+            <a:ln>
+              <a:solidFill>
+                <a:schemeClr val="dk1"/>
+              </a:solidFill>
+            </a:ln>
           </p:spPr>
           <p:style>
             <a:lnRef idx="2">
@@ -9044,7 +9118,9 @@
             <a:p>
               <a:pPr algn="ctr"/>
               <a:r>
-                <a:rPr lang="zh-CN" altLang="en-US"/>
+                <a:rPr lang="zh-CN" altLang="en-US">
+                  <a:latin typeface="+mn-ea"/>
+                </a:rPr>
                 <a:t>解析请求</a:t>
               </a:r>
             </a:p>
@@ -9064,6 +9140,12 @@
             <a:prstGeom prst="rect">
               <a:avLst/>
             </a:prstGeom>
+            <a:grpFill/>
+            <a:ln>
+              <a:solidFill>
+                <a:schemeClr val="dk1"/>
+              </a:solidFill>
+            </a:ln>
           </p:spPr>
           <p:style>
             <a:lnRef idx="2">
@@ -9085,7 +9167,9 @@
             <a:p>
               <a:pPr algn="ctr"/>
               <a:r>
-                <a:rPr lang="zh-CN" altLang="en-US"/>
+                <a:rPr lang="zh-CN" altLang="en-US">
+                  <a:latin typeface="+mn-ea"/>
+                </a:rPr>
                 <a:t>进行检索获取结果</a:t>
               </a:r>
             </a:p>
@@ -9105,6 +9189,12 @@
             <a:prstGeom prst="rect">
               <a:avLst/>
             </a:prstGeom>
+            <a:grpFill/>
+            <a:ln>
+              <a:solidFill>
+                <a:schemeClr val="dk1"/>
+              </a:solidFill>
+            </a:ln>
           </p:spPr>
           <p:style>
             <a:lnRef idx="2">
@@ -9126,16 +9216,20 @@
             <a:p>
               <a:pPr algn="ctr"/>
               <a:r>
-                <a:rPr lang="zh-CN" altLang="en-US"/>
+                <a:rPr lang="zh-CN" altLang="en-US">
+                  <a:latin typeface="+mn-ea"/>
+                </a:rPr>
                 <a:t>将结果返回给</a:t>
               </a:r>
               <a:r>
-                <a:rPr lang="en-US" altLang="zh-CN"/>
+                <a:rPr lang="en-US" altLang="zh-CN">
+                  <a:latin typeface="+mn-ea"/>
+                </a:rPr>
                 <a:t>PHP</a:t>
               </a:r>
               <a:r>
                 <a:rPr lang="zh-CN" altLang="en-US">
-                  <a:ea typeface="宋体" panose="02010600030101010101" pitchFamily="2" charset="-122"/>
+                  <a:latin typeface="+mn-ea"/>
                 </a:rPr>
                 <a:t>进程</a:t>
               </a:r>
@@ -9156,6 +9250,12 @@
             <a:prstGeom prst="rect">
               <a:avLst/>
             </a:prstGeom>
+            <a:grpFill/>
+            <a:ln>
+              <a:solidFill>
+                <a:schemeClr val="dk1"/>
+              </a:solidFill>
+            </a:ln>
           </p:spPr>
           <p:style>
             <a:lnRef idx="2">
@@ -9177,7 +9277,9 @@
             <a:p>
               <a:pPr algn="ctr"/>
               <a:r>
-                <a:rPr lang="zh-CN" altLang="en-US"/>
+                <a:rPr lang="zh-CN" altLang="en-US">
+                  <a:latin typeface="+mn-ea"/>
+                </a:rPr>
                 <a:t>线程结束</a:t>
               </a:r>
             </a:p>
@@ -9200,7 +9302,11 @@
             <a:prstGeom prst="straightConnector1">
               <a:avLst/>
             </a:prstGeom>
+            <a:grpFill/>
             <a:ln>
+              <a:solidFill>
+                <a:schemeClr val="dk1"/>
+              </a:solidFill>
               <a:tailEnd type="arrow" w="med" len="med"/>
             </a:ln>
           </p:spPr>
@@ -9236,7 +9342,11 @@
             <a:prstGeom prst="straightConnector1">
               <a:avLst/>
             </a:prstGeom>
+            <a:grpFill/>
             <a:ln>
+              <a:solidFill>
+                <a:schemeClr val="dk1"/>
+              </a:solidFill>
               <a:tailEnd type="arrow" w="med" len="med"/>
             </a:ln>
           </p:spPr>
@@ -9272,7 +9382,11 @@
             <a:prstGeom prst="straightConnector1">
               <a:avLst/>
             </a:prstGeom>
+            <a:grpFill/>
             <a:ln>
+              <a:solidFill>
+                <a:schemeClr val="dk1"/>
+              </a:solidFill>
               <a:tailEnd type="arrow" w="med" len="med"/>
             </a:ln>
           </p:spPr>
@@ -9310,7 +9424,11 @@
                 <a:gd name="adj1" fmla="val 7500000"/>
               </a:avLst>
             </a:prstGeom>
+            <a:grpFill/>
             <a:ln>
+              <a:solidFill>
+                <a:schemeClr val="dk1"/>
+              </a:solidFill>
               <a:tailEnd type="arrow" w="med" len="med"/>
             </a:ln>
           </p:spPr>
@@ -9346,7 +9464,11 @@
             <a:prstGeom prst="straightConnector1">
               <a:avLst/>
             </a:prstGeom>
+            <a:grpFill/>
             <a:ln>
+              <a:solidFill>
+                <a:schemeClr val="dk1"/>
+              </a:solidFill>
               <a:tailEnd type="arrow" w="med" len="med"/>
             </a:ln>
           </p:spPr>
@@ -9382,7 +9504,11 @@
             <a:prstGeom prst="straightConnector1">
               <a:avLst/>
             </a:prstGeom>
+            <a:grpFill/>
             <a:ln>
+              <a:solidFill>
+                <a:schemeClr val="dk1"/>
+              </a:solidFill>
               <a:tailEnd type="arrow" w="med" len="med"/>
             </a:ln>
           </p:spPr>
@@ -9418,7 +9544,11 @@
             <a:prstGeom prst="straightConnector1">
               <a:avLst/>
             </a:prstGeom>
+            <a:grpFill/>
             <a:ln>
+              <a:solidFill>
+                <a:schemeClr val="dk1"/>
+              </a:solidFill>
               <a:tailEnd type="arrow" w="med" len="med"/>
             </a:ln>
           </p:spPr>
@@ -9454,7 +9584,11 @@
             <a:prstGeom prst="straightConnector1">
               <a:avLst/>
             </a:prstGeom>
+            <a:grpFill/>
             <a:ln>
+              <a:solidFill>
+                <a:schemeClr val="dk1"/>
+              </a:solidFill>
               <a:tailEnd type="arrow" w="med" len="med"/>
             </a:ln>
           </p:spPr>
@@ -9494,7 +9628,11 @@
                 <a:gd name="adj3" fmla="val 106523"/>
               </a:avLst>
             </a:prstGeom>
+            <a:grpFill/>
             <a:ln>
+              <a:solidFill>
+                <a:schemeClr val="dk1"/>
+              </a:solidFill>
               <a:tailEnd type="arrow" w="med" len="med"/>
             </a:ln>
           </p:spPr>

--- a/docs/数据结构报告.pptx
+++ b/docs/数据结构报告.pptx
@@ -1,6 +1,6 @@
 
 <file path=ppt/presentation.xml><?xml version="1.0" encoding="utf-8"?>
-<p:presentation xmlns:a="http://schemas.openxmlformats.org/drawingml/2006/main" xmlns:r="http://schemas.openxmlformats.org/officeDocument/2006/relationships" xmlns:p="http://schemas.openxmlformats.org/presentationml/2006/main" autoCompressPictures="0">
+<p:presentation xmlns:a="http://schemas.openxmlformats.org/drawingml/2006/main" xmlns:r="http://schemas.openxmlformats.org/officeDocument/2006/relationships" xmlns:p="http://schemas.openxmlformats.org/presentationml/2006/main" embedTrueTypeFonts="1" saveSubsetFonts="1" autoCompressPictures="0">
   <p:sldMasterIdLst>
     <p:sldMasterId id="2147483648" r:id="rId1"/>
   </p:sldMasterIdLst>
@@ -33,9 +33,70 @@
     <p:sldId id="283" r:id="rId27"/>
     <p:sldId id="284" r:id="rId28"/>
     <p:sldId id="285" r:id="rId29"/>
+    <p:sldId id="286" r:id="rId30"/>
+    <p:sldId id="287" r:id="rId31"/>
+    <p:sldId id="288" r:id="rId32"/>
+    <p:sldId id="289" r:id="rId33"/>
+    <p:sldId id="290" r:id="rId34"/>
+    <p:sldId id="291" r:id="rId35"/>
+    <p:sldId id="292" r:id="rId36"/>
+    <p:sldId id="293" r:id="rId37"/>
+    <p:sldId id="294" r:id="rId38"/>
+    <p:sldId id="295" r:id="rId39"/>
+    <p:sldId id="296" r:id="rId40"/>
+    <p:sldId id="297" r:id="rId41"/>
+    <p:sldId id="298" r:id="rId42"/>
+    <p:sldId id="299" r:id="rId43"/>
+    <p:sldId id="305" r:id="rId44"/>
+    <p:sldId id="301" r:id="rId45"/>
+    <p:sldId id="306" r:id="rId46"/>
+    <p:sldId id="303" r:id="rId47"/>
+    <p:sldId id="307" r:id="rId48"/>
+    <p:sldId id="308" r:id="rId49"/>
+    <p:sldId id="309" r:id="rId50"/>
+    <p:sldId id="310" r:id="rId51"/>
+    <p:sldId id="311" r:id="rId52"/>
+    <p:sldId id="312" r:id="rId53"/>
+    <p:sldId id="313" r:id="rId54"/>
   </p:sldIdLst>
   <p:sldSz cx="12192000" cy="6858000"/>
   <p:notesSz cx="6858000" cy="9144000"/>
+  <p:embeddedFontLst>
+    <p:embeddedFont>
+      <p:font typeface="等线" panose="02010600030101010101" pitchFamily="2" charset="-122"/>
+      <p:regular r:id="rId55"/>
+      <p:bold r:id="rId56"/>
+    </p:embeddedFont>
+    <p:embeddedFont>
+      <p:font typeface="Calibri" panose="020F0502020204030204" pitchFamily="34" charset="0"/>
+      <p:regular r:id="rId57"/>
+      <p:bold r:id="rId58"/>
+      <p:italic r:id="rId59"/>
+      <p:boldItalic r:id="rId60"/>
+    </p:embeddedFont>
+    <p:embeddedFont>
+      <p:font typeface="Candara Light" panose="020E0502030303020204" pitchFamily="34" charset="0"/>
+      <p:regular r:id="rId61"/>
+      <p:italic r:id="rId62"/>
+    </p:embeddedFont>
+    <p:embeddedFont>
+      <p:font typeface="微软雅黑 Light" panose="020B0502040204020203" pitchFamily="34" charset="-122"/>
+      <p:regular r:id="rId63"/>
+    </p:embeddedFont>
+    <p:embeddedFont>
+      <p:font typeface="Franklin Gothic Book" panose="020B0503020102020204" pitchFamily="34" charset="0"/>
+      <p:regular r:id="rId64"/>
+      <p:italic r:id="rId65"/>
+    </p:embeddedFont>
+    <p:embeddedFont>
+      <p:font typeface="华文楷体" panose="02010600040101010101" pitchFamily="2" charset="-122"/>
+      <p:regular r:id="rId66"/>
+    </p:embeddedFont>
+    <p:embeddedFont>
+      <p:font typeface="Algerian" panose="04020705040A02060702" pitchFamily="82" charset="0"/>
+      <p:regular r:id="rId67"/>
+    </p:embeddedFont>
+  </p:embeddedFontLst>
   <p:defaultTextStyle>
     <a:defPPr>
       <a:defRPr lang="en-US"/>
@@ -309,7 +370,7 @@
             <a:fld id="{87DE6118-2437-4B30-8E3C-4D2BE6020583}" type="datetimeFigureOut">
               <a:rPr lang="en-US" dirty="0"/>
               <a:pPr/>
-              <a:t>7/2/2019</a:t>
+              <a:t>7/5/2019</a:t>
             </a:fld>
             <a:endParaRPr lang="en-US" dirty="0"/>
           </a:p>
@@ -635,7 +696,7 @@
           <a:p>
             <a:fld id="{87DE6118-2437-4B30-8E3C-4D2BE6020583}" type="datetimeFigureOut">
               <a:rPr lang="en-US" dirty="0"/>
-              <a:t>7/2/2019</a:t>
+              <a:t>7/5/2019</a:t>
             </a:fld>
             <a:endParaRPr lang="en-US" dirty="0"/>
           </a:p>
@@ -810,7 +871,7 @@
           <a:p>
             <a:fld id="{87DE6118-2437-4B30-8E3C-4D2BE6020583}" type="datetimeFigureOut">
               <a:rPr lang="en-US" dirty="0"/>
-              <a:t>7/2/2019</a:t>
+              <a:t>7/5/2019</a:t>
             </a:fld>
             <a:endParaRPr lang="en-US" dirty="0"/>
           </a:p>
@@ -975,7 +1036,7 @@
           <a:p>
             <a:fld id="{87DE6118-2437-4B30-8E3C-4D2BE6020583}" type="datetimeFigureOut">
               <a:rPr lang="en-US" dirty="0"/>
-              <a:t>7/2/2019</a:t>
+              <a:t>7/5/2019</a:t>
             </a:fld>
             <a:endParaRPr lang="en-US" dirty="0"/>
           </a:p>
@@ -1248,7 +1309,7 @@
             <a:fld id="{87DE6118-2437-4B30-8E3C-4D2BE6020583}" type="datetimeFigureOut">
               <a:rPr lang="en-US" dirty="0"/>
               <a:pPr/>
-              <a:t>7/2/2019</a:t>
+              <a:t>7/5/2019</a:t>
             </a:fld>
             <a:endParaRPr lang="en-US" dirty="0"/>
           </a:p>
@@ -1638,7 +1699,7 @@
           <a:p>
             <a:fld id="{87DE6118-2437-4B30-8E3C-4D2BE6020583}" type="datetimeFigureOut">
               <a:rPr lang="en-US" dirty="0"/>
-              <a:t>7/2/2019</a:t>
+              <a:t>7/5/2019</a:t>
             </a:fld>
             <a:endParaRPr lang="en-US" dirty="0"/>
           </a:p>
@@ -2110,7 +2171,7 @@
           <a:p>
             <a:fld id="{87DE6118-2437-4B30-8E3C-4D2BE6020583}" type="datetimeFigureOut">
               <a:rPr lang="en-US" dirty="0"/>
-              <a:t>7/2/2019</a:t>
+              <a:t>7/5/2019</a:t>
             </a:fld>
             <a:endParaRPr lang="en-US" dirty="0"/>
           </a:p>
@@ -2223,7 +2284,7 @@
           <a:p>
             <a:fld id="{87DE6118-2437-4B30-8E3C-4D2BE6020583}" type="datetimeFigureOut">
               <a:rPr lang="en-US" dirty="0"/>
-              <a:t>7/2/2019</a:t>
+              <a:t>7/5/2019</a:t>
             </a:fld>
             <a:endParaRPr lang="en-US" dirty="0"/>
           </a:p>
@@ -2313,7 +2374,7 @@
           <a:p>
             <a:fld id="{87DE6118-2437-4B30-8E3C-4D2BE6020583}" type="datetimeFigureOut">
               <a:rPr lang="en-US" dirty="0"/>
-              <a:t>7/2/2019</a:t>
+              <a:t>7/5/2019</a:t>
             </a:fld>
             <a:endParaRPr lang="en-US" dirty="0"/>
           </a:p>
@@ -2655,7 +2716,7 @@
             <a:fld id="{87DE6118-2437-4B30-8E3C-4D2BE6020583}" type="datetimeFigureOut">
               <a:rPr lang="en-US" dirty="0"/>
               <a:pPr/>
-              <a:t>7/2/2019</a:t>
+              <a:t>7/5/2019</a:t>
             </a:fld>
             <a:endParaRPr lang="en-US" dirty="0"/>
           </a:p>
@@ -3040,7 +3101,7 @@
             <a:fld id="{87DE6118-2437-4B30-8E3C-4D2BE6020583}" type="datetimeFigureOut">
               <a:rPr lang="en-US" dirty="0"/>
               <a:pPr/>
-              <a:t>7/2/2019</a:t>
+              <a:t>7/5/2019</a:t>
             </a:fld>
             <a:endParaRPr lang="en-US" dirty="0"/>
           </a:p>
@@ -3315,7 +3376,7 @@
             <a:fld id="{87DE6118-2437-4B30-8E3C-4D2BE6020583}" type="datetimeFigureOut">
               <a:rPr lang="en-US" dirty="0"/>
               <a:pPr/>
-              <a:t>7/2/2019</a:t>
+              <a:t>7/5/2019</a:t>
             </a:fld>
             <a:endParaRPr lang="en-US" dirty="0"/>
           </a:p>
@@ -9759,6 +9820,120 @@
 </p:sld>
 </file>
 
+<file path=ppt/slides/slide29.xml><?xml version="1.0" encoding="utf-8"?>
+<p:sld xmlns:a="http://schemas.openxmlformats.org/drawingml/2006/main" xmlns:r="http://schemas.openxmlformats.org/officeDocument/2006/relationships" xmlns:p="http://schemas.openxmlformats.org/presentationml/2006/main">
+  <p:cSld>
+    <p:spTree>
+      <p:nvGrpSpPr>
+        <p:cNvPr id="1" name=""/>
+        <p:cNvGrpSpPr/>
+        <p:nvPr/>
+      </p:nvGrpSpPr>
+      <p:grpSpPr>
+        <a:xfrm>
+          <a:off x="0" y="0"/>
+          <a:ext cx="0" cy="0"/>
+          <a:chOff x="0" y="0"/>
+          <a:chExt cx="0" cy="0"/>
+        </a:xfrm>
+      </p:grpSpPr>
+      <p:sp>
+        <p:nvSpPr>
+          <p:cNvPr id="2" name="竖排标题 1"/>
+          <p:cNvSpPr>
+            <a:spLocks noGrp="1"/>
+          </p:cNvSpPr>
+          <p:nvPr>
+            <p:ph type="title" orient="vert"/>
+          </p:nvPr>
+        </p:nvSpPr>
+        <p:spPr/>
+        <p:txBody>
+          <a:bodyPr/>
+          <a:lstStyle/>
+          <a:p>
+            <a:r>
+              <a:rPr lang="zh-CN" altLang="en-US" dirty="0" smtClean="0"/>
+              <a:t>将原始文本整理</a:t>
+            </a:r>
+            <a:endParaRPr lang="zh-CN" altLang="en-US" dirty="0"/>
+          </a:p>
+        </p:txBody>
+      </p:sp>
+      <p:pic>
+        <p:nvPicPr>
+          <p:cNvPr id="4" name="Picture 4"/>
+          <p:cNvPicPr>
+            <a:picLocks noChangeAspect="1" noChangeArrowheads="1"/>
+          </p:cNvPicPr>
+          <p:nvPr/>
+        </p:nvPicPr>
+        <p:blipFill>
+          <a:blip r:embed="rId2">
+            <a:extLst>
+              <a:ext uri="{28A0092B-C50C-407E-A947-70E740481C1C}">
+                <a14:useLocalDpi xmlns:a14="http://schemas.microsoft.com/office/drawing/2010/main" val="0"/>
+              </a:ext>
+            </a:extLst>
+          </a:blip>
+          <a:srcRect/>
+          <a:stretch>
+            <a:fillRect/>
+          </a:stretch>
+        </p:blipFill>
+        <p:spPr bwMode="auto">
+          <a:xfrm>
+            <a:off x="3658018" y="88601"/>
+            <a:ext cx="4451190" cy="6689081"/>
+          </a:xfrm>
+          <a:prstGeom prst="rect">
+            <a:avLst/>
+          </a:prstGeom>
+          <a:noFill/>
+          <a:ln>
+            <a:noFill/>
+          </a:ln>
+          <a:extLst>
+            <a:ext uri="{909E8E84-426E-40DD-AFC4-6F175D3DCCD1}">
+              <a14:hiddenFill xmlns:a14="http://schemas.microsoft.com/office/drawing/2010/main">
+                <a:solidFill>
+                  <a:schemeClr val="accent1"/>
+                </a:solidFill>
+              </a14:hiddenFill>
+            </a:ext>
+            <a:ext uri="{91240B29-F687-4F45-9708-019B960494DF}">
+              <a14:hiddenLine xmlns:a14="http://schemas.microsoft.com/office/drawing/2010/main" w="9525">
+                <a:solidFill>
+                  <a:schemeClr val="tx1"/>
+                </a:solidFill>
+                <a:miter lim="800000"/>
+                <a:headEnd/>
+                <a:tailEnd/>
+              </a14:hiddenLine>
+            </a:ext>
+          </a:extLst>
+        </p:spPr>
+      </p:pic>
+    </p:spTree>
+    <p:extLst>
+      <p:ext uri="{BB962C8B-B14F-4D97-AF65-F5344CB8AC3E}">
+        <p14:creationId xmlns:p14="http://schemas.microsoft.com/office/powerpoint/2010/main" val="3878618708"/>
+      </p:ext>
+    </p:extLst>
+  </p:cSld>
+  <p:clrMapOvr>
+    <a:masterClrMapping/>
+  </p:clrMapOvr>
+  <p:timing>
+    <p:tnLst>
+      <p:par>
+        <p:cTn id="1" dur="indefinite" restart="never" nodeType="tmRoot"/>
+      </p:par>
+    </p:tnLst>
+  </p:timing>
+</p:sld>
+</file>
+
 <file path=ppt/slides/slide3.xml><?xml version="1.0" encoding="utf-8"?>
 <p:sld xmlns:a="http://schemas.openxmlformats.org/drawingml/2006/main" xmlns:r="http://schemas.openxmlformats.org/officeDocument/2006/relationships" xmlns:p="http://schemas.openxmlformats.org/presentationml/2006/main">
   <p:cSld>
@@ -9842,6 +10017,1415 @@
     <p:extLst>
       <p:ext uri="{BB962C8B-B14F-4D97-AF65-F5344CB8AC3E}">
         <p14:creationId xmlns:p14="http://schemas.microsoft.com/office/powerpoint/2010/main" val="1124776893"/>
+      </p:ext>
+    </p:extLst>
+  </p:cSld>
+  <p:clrMapOvr>
+    <a:masterClrMapping/>
+  </p:clrMapOvr>
+  <p:timing>
+    <p:tnLst>
+      <p:par>
+        <p:cTn id="1" dur="indefinite" restart="never" nodeType="tmRoot"/>
+      </p:par>
+    </p:tnLst>
+  </p:timing>
+</p:sld>
+</file>
+
+<file path=ppt/slides/slide30.xml><?xml version="1.0" encoding="utf-8"?>
+<p:sld xmlns:a="http://schemas.openxmlformats.org/drawingml/2006/main" xmlns:r="http://schemas.openxmlformats.org/officeDocument/2006/relationships" xmlns:p="http://schemas.openxmlformats.org/presentationml/2006/main">
+  <p:cSld>
+    <p:spTree>
+      <p:nvGrpSpPr>
+        <p:cNvPr id="1" name=""/>
+        <p:cNvGrpSpPr/>
+        <p:nvPr/>
+      </p:nvGrpSpPr>
+      <p:grpSpPr>
+        <a:xfrm>
+          <a:off x="0" y="0"/>
+          <a:ext cx="0" cy="0"/>
+          <a:chOff x="0" y="0"/>
+          <a:chExt cx="0" cy="0"/>
+        </a:xfrm>
+      </p:grpSpPr>
+      <p:sp>
+        <p:nvSpPr>
+          <p:cNvPr id="2" name="标题 1"/>
+          <p:cNvSpPr>
+            <a:spLocks noGrp="1"/>
+          </p:cNvSpPr>
+          <p:nvPr>
+            <p:ph type="title"/>
+          </p:nvPr>
+        </p:nvSpPr>
+        <p:spPr/>
+        <p:txBody>
+          <a:bodyPr/>
+          <a:lstStyle/>
+          <a:p>
+            <a:r>
+              <a:rPr lang="zh-CN" altLang="en-US" dirty="0" smtClean="0"/>
+              <a:t>标准化公式解析</a:t>
+            </a:r>
+            <a:endParaRPr lang="zh-CN" altLang="en-US" dirty="0"/>
+          </a:p>
+        </p:txBody>
+      </p:sp>
+    </p:spTree>
+    <p:extLst>
+      <p:ext uri="{BB962C8B-B14F-4D97-AF65-F5344CB8AC3E}">
+        <p14:creationId xmlns:p14="http://schemas.microsoft.com/office/powerpoint/2010/main" val="4238997881"/>
+      </p:ext>
+    </p:extLst>
+  </p:cSld>
+  <p:clrMapOvr>
+    <a:masterClrMapping/>
+  </p:clrMapOvr>
+  <p:timing>
+    <p:tnLst>
+      <p:par>
+        <p:cTn id="1" dur="indefinite" restart="never" nodeType="tmRoot"/>
+      </p:par>
+    </p:tnLst>
+  </p:timing>
+</p:sld>
+</file>
+
+<file path=ppt/slides/slide31.xml><?xml version="1.0" encoding="utf-8"?>
+<p:sld xmlns:a="http://schemas.openxmlformats.org/drawingml/2006/main" xmlns:r="http://schemas.openxmlformats.org/officeDocument/2006/relationships" xmlns:p="http://schemas.openxmlformats.org/presentationml/2006/main">
+  <p:cSld>
+    <p:spTree>
+      <p:nvGrpSpPr>
+        <p:cNvPr id="1" name=""/>
+        <p:cNvGrpSpPr/>
+        <p:nvPr/>
+      </p:nvGrpSpPr>
+      <p:grpSpPr>
+        <a:xfrm>
+          <a:off x="0" y="0"/>
+          <a:ext cx="0" cy="0"/>
+          <a:chOff x="0" y="0"/>
+          <a:chExt cx="0" cy="0"/>
+        </a:xfrm>
+      </p:grpSpPr>
+      <p:sp>
+        <p:nvSpPr>
+          <p:cNvPr id="2" name="标题 1"/>
+          <p:cNvSpPr>
+            <a:spLocks noGrp="1"/>
+          </p:cNvSpPr>
+          <p:nvPr>
+            <p:ph type="title"/>
+          </p:nvPr>
+        </p:nvSpPr>
+        <p:spPr/>
+        <p:txBody>
+          <a:bodyPr/>
+          <a:lstStyle/>
+          <a:p>
+            <a:r>
+              <a:rPr lang="zh-CN" altLang="en-US" dirty="0" smtClean="0"/>
+              <a:t>两个部分</a:t>
+            </a:r>
+            <a:endParaRPr lang="zh-CN" altLang="en-US" dirty="0"/>
+          </a:p>
+        </p:txBody>
+      </p:sp>
+      <p:sp>
+        <p:nvSpPr>
+          <p:cNvPr id="3" name="内容占位符 2"/>
+          <p:cNvSpPr>
+            <a:spLocks noGrp="1"/>
+          </p:cNvSpPr>
+          <p:nvPr>
+            <p:ph idx="1"/>
+          </p:nvPr>
+        </p:nvSpPr>
+        <p:spPr/>
+        <p:txBody>
+          <a:bodyPr/>
+          <a:lstStyle/>
+          <a:p>
+            <a:r>
+              <a:rPr lang="zh-CN" altLang="en-US" dirty="0" smtClean="0"/>
+              <a:t>文本中的</a:t>
+            </a:r>
+            <a:r>
+              <a:rPr lang="en-US" altLang="zh-CN" dirty="0" err="1" smtClean="0"/>
+              <a:t>LaTex</a:t>
+            </a:r>
+            <a:r>
+              <a:rPr lang="zh-CN" altLang="en-US" dirty="0"/>
+              <a:t>表达式（两个‘</a:t>
+            </a:r>
+            <a:r>
+              <a:rPr lang="en-US" altLang="zh-CN" dirty="0"/>
+              <a:t>$’</a:t>
+            </a:r>
+            <a:r>
+              <a:rPr lang="zh-CN" altLang="en-US" dirty="0"/>
+              <a:t>内 </a:t>
+            </a:r>
+            <a:r>
+              <a:rPr lang="zh-CN" altLang="en-US" dirty="0" smtClean="0"/>
+              <a:t>）</a:t>
+            </a:r>
+            <a:endParaRPr lang="en-US" altLang="zh-CN" dirty="0" smtClean="0"/>
+          </a:p>
+          <a:p>
+            <a:pPr lvl="1"/>
+            <a:r>
+              <a:rPr lang="zh-CN" altLang="en-US" i="0" dirty="0" smtClean="0"/>
+              <a:t>提取处理，并分解其所有的子式</a:t>
+            </a:r>
+            <a:endParaRPr lang="en-US" altLang="zh-CN" i="0" dirty="0" smtClean="0"/>
+          </a:p>
+          <a:p>
+            <a:r>
+              <a:rPr lang="zh-CN" altLang="en-US" dirty="0" smtClean="0"/>
+              <a:t>用户在搜索框输入的表达式</a:t>
+            </a:r>
+            <a:endParaRPr lang="en-US" altLang="zh-CN" dirty="0" smtClean="0"/>
+          </a:p>
+        </p:txBody>
+      </p:sp>
+    </p:spTree>
+    <p:extLst>
+      <p:ext uri="{BB962C8B-B14F-4D97-AF65-F5344CB8AC3E}">
+        <p14:creationId xmlns:p14="http://schemas.microsoft.com/office/powerpoint/2010/main" val="2963454126"/>
+      </p:ext>
+    </p:extLst>
+  </p:cSld>
+  <p:clrMapOvr>
+    <a:masterClrMapping/>
+  </p:clrMapOvr>
+  <p:timing>
+    <p:tnLst>
+      <p:par>
+        <p:cTn id="1" dur="indefinite" restart="never" nodeType="tmRoot"/>
+      </p:par>
+    </p:tnLst>
+  </p:timing>
+</p:sld>
+</file>
+
+<file path=ppt/slides/slide32.xml><?xml version="1.0" encoding="utf-8"?>
+<p:sld xmlns:a="http://schemas.openxmlformats.org/drawingml/2006/main" xmlns:r="http://schemas.openxmlformats.org/officeDocument/2006/relationships" xmlns:p="http://schemas.openxmlformats.org/presentationml/2006/main">
+  <p:cSld>
+    <p:spTree>
+      <p:nvGrpSpPr>
+        <p:cNvPr id="1" name=""/>
+        <p:cNvGrpSpPr/>
+        <p:nvPr/>
+      </p:nvGrpSpPr>
+      <p:grpSpPr>
+        <a:xfrm>
+          <a:off x="0" y="0"/>
+          <a:ext cx="0" cy="0"/>
+          <a:chOff x="0" y="0"/>
+          <a:chExt cx="0" cy="0"/>
+        </a:xfrm>
+      </p:grpSpPr>
+      <p:sp>
+        <p:nvSpPr>
+          <p:cNvPr id="2" name="标题 1"/>
+          <p:cNvSpPr>
+            <a:spLocks noGrp="1"/>
+          </p:cNvSpPr>
+          <p:nvPr>
+            <p:ph type="title"/>
+          </p:nvPr>
+        </p:nvSpPr>
+        <p:spPr/>
+        <p:txBody>
+          <a:bodyPr/>
+          <a:lstStyle/>
+          <a:p>
+            <a:r>
+              <a:rPr lang="zh-CN" altLang="en-US" dirty="0" smtClean="0"/>
+              <a:t>算法</a:t>
+            </a:r>
+            <a:endParaRPr lang="zh-CN" altLang="en-US" dirty="0"/>
+          </a:p>
+        </p:txBody>
+      </p:sp>
+      <p:sp>
+        <p:nvSpPr>
+          <p:cNvPr id="3" name="内容占位符 2"/>
+          <p:cNvSpPr>
+            <a:spLocks noGrp="1"/>
+          </p:cNvSpPr>
+          <p:nvPr>
+            <p:ph idx="1"/>
+          </p:nvPr>
+        </p:nvSpPr>
+        <p:spPr/>
+        <p:txBody>
+          <a:bodyPr/>
+          <a:lstStyle/>
+          <a:p>
+            <a:r>
+              <a:rPr lang="zh-CN" altLang="en-US" dirty="0"/>
+              <a:t>原始表达式→后缀表达式→二叉树</a:t>
+            </a:r>
+          </a:p>
+          <a:p>
+            <a:r>
+              <a:rPr lang="zh-CN" altLang="en-US" dirty="0"/>
+              <a:t>遍历二叉树，将变量替换为标识符，并将每个子节点排序</a:t>
+            </a:r>
+          </a:p>
+          <a:p>
+            <a:pPr lvl="1"/>
+            <a:r>
+              <a:rPr lang="zh-CN" altLang="en-US" i="0" dirty="0"/>
+              <a:t>操作符：按算数优先级</a:t>
+            </a:r>
+          </a:p>
+          <a:p>
+            <a:pPr lvl="1"/>
+            <a:r>
+              <a:rPr lang="zh-CN" altLang="en-US" i="0" dirty="0"/>
+              <a:t>变量：按替换顺序</a:t>
+            </a:r>
+          </a:p>
+          <a:p>
+            <a:pPr lvl="1"/>
+            <a:r>
+              <a:rPr lang="zh-CN" altLang="en-US" i="0" dirty="0" smtClean="0"/>
+              <a:t>操作符 </a:t>
+            </a:r>
+            <a:r>
+              <a:rPr lang="en-US" altLang="zh-CN" i="0" dirty="0" smtClean="0"/>
+              <a:t>&gt; </a:t>
+            </a:r>
+            <a:r>
+              <a:rPr lang="zh-CN" altLang="en-US" i="0" dirty="0" smtClean="0"/>
+              <a:t>变量</a:t>
+            </a:r>
+            <a:endParaRPr lang="zh-CN" altLang="en-US" i="0" dirty="0"/>
+          </a:p>
+          <a:p>
+            <a:r>
+              <a:rPr lang="zh-CN" altLang="en-US" dirty="0"/>
+              <a:t>得到所有子树</a:t>
+            </a:r>
+          </a:p>
+          <a:p>
+            <a:endParaRPr lang="zh-CN" altLang="en-US" dirty="0"/>
+          </a:p>
+        </p:txBody>
+      </p:sp>
+    </p:spTree>
+    <p:extLst>
+      <p:ext uri="{BB962C8B-B14F-4D97-AF65-F5344CB8AC3E}">
+        <p14:creationId xmlns:p14="http://schemas.microsoft.com/office/powerpoint/2010/main" val="970357060"/>
+      </p:ext>
+    </p:extLst>
+  </p:cSld>
+  <p:clrMapOvr>
+    <a:masterClrMapping/>
+  </p:clrMapOvr>
+  <p:timing>
+    <p:tnLst>
+      <p:par>
+        <p:cTn id="1" dur="indefinite" restart="never" nodeType="tmRoot"/>
+      </p:par>
+    </p:tnLst>
+  </p:timing>
+</p:sld>
+</file>
+
+<file path=ppt/slides/slide33.xml><?xml version="1.0" encoding="utf-8"?>
+<p:sld xmlns:a="http://schemas.openxmlformats.org/drawingml/2006/main" xmlns:r="http://schemas.openxmlformats.org/officeDocument/2006/relationships" xmlns:p="http://schemas.openxmlformats.org/presentationml/2006/main">
+  <p:cSld>
+    <p:spTree>
+      <p:nvGrpSpPr>
+        <p:cNvPr id="1" name=""/>
+        <p:cNvGrpSpPr/>
+        <p:nvPr/>
+      </p:nvGrpSpPr>
+      <p:grpSpPr>
+        <a:xfrm>
+          <a:off x="0" y="0"/>
+          <a:ext cx="0" cy="0"/>
+          <a:chOff x="0" y="0"/>
+          <a:chExt cx="0" cy="0"/>
+        </a:xfrm>
+      </p:grpSpPr>
+      <p:sp>
+        <p:nvSpPr>
+          <p:cNvPr id="2" name="标题 1"/>
+          <p:cNvSpPr>
+            <a:spLocks noGrp="1"/>
+          </p:cNvSpPr>
+          <p:nvPr>
+            <p:ph type="title"/>
+          </p:nvPr>
+        </p:nvSpPr>
+        <p:spPr/>
+        <p:txBody>
+          <a:bodyPr/>
+          <a:lstStyle/>
+          <a:p>
+            <a:r>
+              <a:rPr lang="zh-CN" altLang="en-US" dirty="0" smtClean="0"/>
+              <a:t>将原始表达式转为后缀表达式</a:t>
+            </a:r>
+            <a:endParaRPr lang="zh-CN" altLang="en-US" dirty="0"/>
+          </a:p>
+        </p:txBody>
+      </p:sp>
+      <p:sp>
+        <p:nvSpPr>
+          <p:cNvPr id="3" name="内容占位符 2"/>
+          <p:cNvSpPr>
+            <a:spLocks noGrp="1"/>
+          </p:cNvSpPr>
+          <p:nvPr>
+            <p:ph idx="1"/>
+          </p:nvPr>
+        </p:nvSpPr>
+        <p:spPr>
+          <a:xfrm>
+            <a:off x="1371600" y="1822622"/>
+            <a:ext cx="9601200" cy="4473146"/>
+          </a:xfrm>
+        </p:spPr>
+        <p:txBody>
+          <a:bodyPr>
+            <a:normAutofit fontScale="92500" lnSpcReduction="10000"/>
+          </a:bodyPr>
+          <a:lstStyle/>
+          <a:p>
+            <a:pPr marL="0" indent="0">
+              <a:buNone/>
+            </a:pPr>
+            <a:r>
+              <a:rPr lang="en-US" altLang="zh-CN" dirty="0" smtClean="0"/>
+              <a:t>1.</a:t>
+            </a:r>
+            <a:r>
+              <a:rPr lang="zh-CN" altLang="en-US" dirty="0"/>
+              <a:t>创建</a:t>
+            </a:r>
+            <a:r>
+              <a:rPr lang="en-US" altLang="zh-CN" dirty="0"/>
+              <a:t>3</a:t>
+            </a:r>
+            <a:r>
+              <a:rPr lang="zh-CN" altLang="en-US" dirty="0"/>
+              <a:t>个栈，一个符号栈用来存各种运算符，一个数字栈用来存各种常量，变量，一个表达式栈用来存后缀表达式。遍历字符串，对变量和运算符进行判断，如</a:t>
+            </a:r>
+            <a:r>
+              <a:rPr lang="en-US" altLang="zh-CN" dirty="0"/>
+              <a:t>a</a:t>
+            </a:r>
+            <a:r>
+              <a:rPr lang="zh-CN" altLang="en-US" dirty="0"/>
+              <a:t>到</a:t>
+            </a:r>
+            <a:r>
+              <a:rPr lang="en-US" altLang="zh-CN" dirty="0"/>
+              <a:t>z</a:t>
+            </a:r>
+            <a:r>
+              <a:rPr lang="zh-CN" altLang="en-US" dirty="0"/>
+              <a:t>，</a:t>
+            </a:r>
+            <a:r>
+              <a:rPr lang="en-US" altLang="zh-CN" dirty="0"/>
+              <a:t>A</a:t>
+            </a:r>
+            <a:r>
+              <a:rPr lang="zh-CN" altLang="en-US" dirty="0"/>
+              <a:t>到</a:t>
+            </a:r>
+            <a:r>
+              <a:rPr lang="en-US" altLang="zh-CN" dirty="0"/>
+              <a:t>Z</a:t>
+            </a:r>
+            <a:r>
+              <a:rPr lang="zh-CN" altLang="en-US" dirty="0"/>
+              <a:t>，</a:t>
+            </a:r>
+            <a:r>
+              <a:rPr lang="en-US" altLang="zh-CN" dirty="0"/>
+              <a:t>0</a:t>
+            </a:r>
+            <a:r>
+              <a:rPr lang="zh-CN" altLang="en-US" dirty="0"/>
+              <a:t>到</a:t>
+            </a:r>
+            <a:r>
+              <a:rPr lang="en-US" altLang="zh-CN" dirty="0"/>
+              <a:t>9</a:t>
+            </a:r>
+            <a:r>
+              <a:rPr lang="zh-CN" altLang="en-US" dirty="0"/>
+              <a:t>的认为是变量，其余认为是运算符，对于</a:t>
+            </a:r>
+            <a:r>
+              <a:rPr lang="en-US" altLang="zh-CN" dirty="0"/>
+              <a:t>latex</a:t>
+            </a:r>
+            <a:r>
+              <a:rPr lang="zh-CN" altLang="en-US" dirty="0"/>
+              <a:t>公式中的运算符都会</a:t>
+            </a:r>
+            <a:r>
+              <a:rPr lang="zh-CN" altLang="en-US" dirty="0" smtClean="0"/>
+              <a:t>以“</a:t>
+            </a:r>
+            <a:r>
+              <a:rPr lang="en-US" altLang="zh-CN" dirty="0" smtClean="0"/>
+              <a:t>\</a:t>
+            </a:r>
+            <a:r>
+              <a:rPr lang="zh-CN" altLang="en-US" dirty="0" smtClean="0"/>
+              <a:t>”开头</a:t>
+            </a:r>
+            <a:endParaRPr lang="en-US" altLang="zh-CN" dirty="0" smtClean="0"/>
+          </a:p>
+          <a:p>
+            <a:pPr marL="0" indent="0">
+              <a:buNone/>
+            </a:pPr>
+            <a:endParaRPr lang="en-US" altLang="zh-CN" dirty="0" smtClean="0"/>
+          </a:p>
+          <a:p>
+            <a:pPr marL="0" indent="0">
+              <a:buNone/>
+            </a:pPr>
+            <a:r>
+              <a:rPr lang="en-US" altLang="zh-CN" dirty="0" smtClean="0"/>
+              <a:t>2.</a:t>
+            </a:r>
+            <a:r>
+              <a:rPr lang="zh-CN" altLang="en-US" dirty="0"/>
+              <a:t>对一些特殊字符的判断，如一些歧义</a:t>
+            </a:r>
+            <a:r>
+              <a:rPr lang="zh-CN" altLang="en-US" dirty="0" smtClean="0"/>
+              <a:t>符号“</a:t>
+            </a:r>
+            <a:r>
+              <a:rPr lang="en-US" altLang="zh-CN" dirty="0" smtClean="0"/>
+              <a:t>+</a:t>
+            </a:r>
+            <a:r>
+              <a:rPr lang="zh-CN" altLang="en-US" dirty="0" smtClean="0"/>
+              <a:t>”既</a:t>
+            </a:r>
+            <a:r>
+              <a:rPr lang="zh-CN" altLang="en-US" dirty="0"/>
+              <a:t>可以是中缀运算符又可以是前缀运算符</a:t>
+            </a:r>
+            <a:r>
+              <a:rPr lang="zh-CN" altLang="en-US" dirty="0" smtClean="0"/>
+              <a:t>，“</a:t>
+            </a:r>
+            <a:r>
+              <a:rPr lang="en-US" altLang="zh-CN" dirty="0" smtClean="0"/>
+              <a:t>-</a:t>
+            </a:r>
+            <a:r>
+              <a:rPr lang="zh-CN" altLang="en-US" dirty="0" smtClean="0"/>
+              <a:t>”也</a:t>
+            </a:r>
+            <a:r>
+              <a:rPr lang="zh-CN" altLang="en-US" dirty="0"/>
+              <a:t>是。对</a:t>
+            </a:r>
+            <a:r>
+              <a:rPr lang="en-US" altLang="zh-CN" dirty="0"/>
+              <a:t>\</a:t>
+            </a:r>
+            <a:r>
+              <a:rPr lang="en-US" altLang="zh-CN" dirty="0" err="1"/>
+              <a:t>vert</a:t>
+            </a:r>
+            <a:r>
+              <a:rPr lang="zh-CN" altLang="en-US" dirty="0"/>
+              <a:t>绝对值符号，使用时在子公式前后加上此符号，如</a:t>
+            </a:r>
+            <a:r>
+              <a:rPr lang="en-US" altLang="zh-CN" dirty="0"/>
+              <a:t>\</a:t>
+            </a:r>
+            <a:r>
+              <a:rPr lang="en-US" altLang="zh-CN" dirty="0" err="1"/>
+              <a:t>vert</a:t>
+            </a:r>
+            <a:r>
+              <a:rPr lang="en-US" altLang="zh-CN" dirty="0"/>
+              <a:t>(</a:t>
+            </a:r>
+            <a:r>
+              <a:rPr lang="en-US" altLang="zh-CN" dirty="0" err="1"/>
+              <a:t>a+b</a:t>
+            </a:r>
+            <a:r>
+              <a:rPr lang="en-US" altLang="zh-CN" dirty="0"/>
+              <a:t>)\</a:t>
+            </a:r>
+            <a:r>
+              <a:rPr lang="en-US" altLang="zh-CN" dirty="0" err="1"/>
+              <a:t>vert</a:t>
+            </a:r>
+            <a:r>
+              <a:rPr lang="zh-CN" altLang="en-US" dirty="0"/>
+              <a:t>，类似与括号，将他认为是前缀运算符，转为后缀为 </a:t>
+            </a:r>
+            <a:r>
+              <a:rPr lang="en-US" altLang="zh-CN" dirty="0"/>
+              <a:t>a b + \</a:t>
+            </a:r>
+            <a:r>
+              <a:rPr lang="en-US" altLang="zh-CN" dirty="0" err="1" smtClean="0"/>
+              <a:t>vert</a:t>
+            </a:r>
+            <a:endParaRPr lang="en-US" altLang="zh-CN" dirty="0" smtClean="0"/>
+          </a:p>
+          <a:p>
+            <a:pPr marL="0" indent="0">
+              <a:buNone/>
+            </a:pPr>
+            <a:endParaRPr lang="en-US" altLang="zh-CN" dirty="0" smtClean="0"/>
+          </a:p>
+          <a:p>
+            <a:pPr marL="0" indent="0">
+              <a:buNone/>
+            </a:pPr>
+            <a:r>
+              <a:rPr lang="en-US" altLang="zh-CN" dirty="0"/>
+              <a:t>3.</a:t>
+            </a:r>
+            <a:r>
+              <a:rPr lang="zh-CN" altLang="en-US" dirty="0"/>
+              <a:t>每一轮遍历比较当前符号与栈顶符号的优先级，每个符号的优先级存在一个</a:t>
+            </a:r>
+            <a:r>
+              <a:rPr lang="en-US" altLang="zh-CN" dirty="0"/>
+              <a:t>priority</a:t>
+            </a:r>
+            <a:r>
+              <a:rPr lang="zh-CN" altLang="en-US" dirty="0"/>
+              <a:t>文件里面，事先会将文件中的符号与其对应的优先级值存到一个</a:t>
+            </a:r>
+            <a:r>
+              <a:rPr lang="en-US" altLang="zh-CN" dirty="0"/>
+              <a:t>map</a:t>
+            </a:r>
+            <a:r>
+              <a:rPr lang="zh-CN" altLang="en-US" dirty="0"/>
+              <a:t>结构中。方便比较</a:t>
+            </a:r>
+          </a:p>
+          <a:p>
+            <a:pPr marL="0" indent="0">
+              <a:buNone/>
+            </a:pPr>
+            <a:endParaRPr lang="zh-CN" altLang="en-US" dirty="0"/>
+          </a:p>
+          <a:p>
+            <a:pPr marL="0" indent="0">
+              <a:buNone/>
+            </a:pPr>
+            <a:r>
+              <a:rPr lang="en-US" altLang="zh-CN" dirty="0"/>
+              <a:t>4.</a:t>
+            </a:r>
+            <a:r>
+              <a:rPr lang="zh-CN" altLang="en-US" dirty="0"/>
+              <a:t>对于比较结果，若当前符号优先级大于栈顶符号优先级，则将当前符号压入栈。若小于等于，则开始向表达式栈中压（遇到数字直接压），对于括号，中括号，大括号，以及</a:t>
+            </a:r>
+            <a:r>
+              <a:rPr lang="en-US" altLang="zh-CN" dirty="0"/>
+              <a:t>\</a:t>
+            </a:r>
+            <a:r>
+              <a:rPr lang="en-US" altLang="zh-CN" dirty="0" err="1"/>
+              <a:t>vert</a:t>
+            </a:r>
+            <a:r>
+              <a:rPr lang="zh-CN" altLang="en-US" dirty="0"/>
+              <a:t>做特殊处理</a:t>
+            </a:r>
+          </a:p>
+          <a:p>
+            <a:pPr marL="0" indent="0">
+              <a:buNone/>
+            </a:pPr>
+            <a:endParaRPr lang="zh-CN" altLang="en-US" dirty="0"/>
+          </a:p>
+        </p:txBody>
+      </p:sp>
+    </p:spTree>
+    <p:extLst>
+      <p:ext uri="{BB962C8B-B14F-4D97-AF65-F5344CB8AC3E}">
+        <p14:creationId xmlns:p14="http://schemas.microsoft.com/office/powerpoint/2010/main" val="178991361"/>
+      </p:ext>
+    </p:extLst>
+  </p:cSld>
+  <p:clrMapOvr>
+    <a:masterClrMapping/>
+  </p:clrMapOvr>
+  <p:timing>
+    <p:tnLst>
+      <p:par>
+        <p:cTn id="1" dur="indefinite" restart="never" nodeType="tmRoot"/>
+      </p:par>
+    </p:tnLst>
+  </p:timing>
+</p:sld>
+</file>
+
+<file path=ppt/slides/slide34.xml><?xml version="1.0" encoding="utf-8"?>
+<p:sld xmlns:a="http://schemas.openxmlformats.org/drawingml/2006/main" xmlns:r="http://schemas.openxmlformats.org/officeDocument/2006/relationships" xmlns:p="http://schemas.openxmlformats.org/presentationml/2006/main">
+  <p:cSld>
+    <p:spTree>
+      <p:nvGrpSpPr>
+        <p:cNvPr id="1" name=""/>
+        <p:cNvGrpSpPr/>
+        <p:nvPr/>
+      </p:nvGrpSpPr>
+      <p:grpSpPr>
+        <a:xfrm>
+          <a:off x="0" y="0"/>
+          <a:ext cx="0" cy="0"/>
+          <a:chOff x="0" y="0"/>
+          <a:chExt cx="0" cy="0"/>
+        </a:xfrm>
+      </p:grpSpPr>
+      <p:pic>
+        <p:nvPicPr>
+          <p:cNvPr id="2" name="图片 1"/>
+          <p:cNvPicPr>
+            <a:picLocks noChangeAspect="1"/>
+          </p:cNvPicPr>
+          <p:nvPr/>
+        </p:nvPicPr>
+        <p:blipFill>
+          <a:blip r:embed="rId2">
+            <a:extLst>
+              <a:ext uri="{28A0092B-C50C-407E-A947-70E740481C1C}">
+                <a14:useLocalDpi xmlns:a14="http://schemas.microsoft.com/office/drawing/2010/main" val="0"/>
+              </a:ext>
+            </a:extLst>
+          </a:blip>
+          <a:stretch>
+            <a:fillRect/>
+          </a:stretch>
+        </p:blipFill>
+        <p:spPr>
+          <a:xfrm>
+            <a:off x="2096491" y="462402"/>
+            <a:ext cx="8274983" cy="5904655"/>
+          </a:xfrm>
+          <a:prstGeom prst="rect">
+            <a:avLst/>
+          </a:prstGeom>
+        </p:spPr>
+      </p:pic>
+    </p:spTree>
+    <p:extLst>
+      <p:ext uri="{BB962C8B-B14F-4D97-AF65-F5344CB8AC3E}">
+        <p14:creationId xmlns:p14="http://schemas.microsoft.com/office/powerpoint/2010/main" val="3574681649"/>
+      </p:ext>
+    </p:extLst>
+  </p:cSld>
+  <p:clrMapOvr>
+    <a:masterClrMapping/>
+  </p:clrMapOvr>
+  <p:timing>
+    <p:tnLst>
+      <p:par>
+        <p:cTn id="1" dur="indefinite" restart="never" nodeType="tmRoot"/>
+      </p:par>
+    </p:tnLst>
+  </p:timing>
+</p:sld>
+</file>
+
+<file path=ppt/slides/slide35.xml><?xml version="1.0" encoding="utf-8"?>
+<p:sld xmlns:a="http://schemas.openxmlformats.org/drawingml/2006/main" xmlns:r="http://schemas.openxmlformats.org/officeDocument/2006/relationships" xmlns:p="http://schemas.openxmlformats.org/presentationml/2006/main">
+  <p:cSld>
+    <p:spTree>
+      <p:nvGrpSpPr>
+        <p:cNvPr id="1" name=""/>
+        <p:cNvGrpSpPr/>
+        <p:nvPr/>
+      </p:nvGrpSpPr>
+      <p:grpSpPr>
+        <a:xfrm>
+          <a:off x="0" y="0"/>
+          <a:ext cx="0" cy="0"/>
+          <a:chOff x="0" y="0"/>
+          <a:chExt cx="0" cy="0"/>
+        </a:xfrm>
+      </p:grpSpPr>
+      <p:sp>
+        <p:nvSpPr>
+          <p:cNvPr id="2" name="标题 1"/>
+          <p:cNvSpPr>
+            <a:spLocks noGrp="1"/>
+          </p:cNvSpPr>
+          <p:nvPr>
+            <p:ph type="title"/>
+          </p:nvPr>
+        </p:nvSpPr>
+        <p:spPr/>
+        <p:txBody>
+          <a:bodyPr/>
+          <a:lstStyle/>
+          <a:p>
+            <a:r>
+              <a:rPr lang="zh-CN" altLang="en-US" dirty="0" smtClean="0"/>
+              <a:t>例：</a:t>
+            </a:r>
+            <a:endParaRPr lang="zh-CN" altLang="en-US" dirty="0"/>
+          </a:p>
+        </p:txBody>
+      </p:sp>
+      <p:sp>
+        <p:nvSpPr>
+          <p:cNvPr id="3" name="内容占位符 2"/>
+          <p:cNvSpPr>
+            <a:spLocks noGrp="1"/>
+          </p:cNvSpPr>
+          <p:nvPr>
+            <p:ph idx="1"/>
+          </p:nvPr>
+        </p:nvSpPr>
+        <p:spPr/>
+        <p:txBody>
+          <a:bodyPr>
+            <a:normAutofit/>
+          </a:bodyPr>
+          <a:lstStyle/>
+          <a:p>
+            <a:pPr marL="0" indent="0" algn="ctr">
+              <a:buNone/>
+            </a:pPr>
+            <a:r>
+              <a:rPr lang="pt-BR" altLang="zh-CN" dirty="0"/>
+              <a:t>(1+2)+(3*(2+4))</a:t>
+            </a:r>
+          </a:p>
+          <a:p>
+            <a:pPr marL="0" indent="0" algn="ctr">
+              <a:buNone/>
+            </a:pPr>
+            <a:endParaRPr lang="pt-BR" altLang="zh-CN" dirty="0" smtClean="0"/>
+          </a:p>
+          <a:p>
+            <a:pPr marL="0" indent="0" algn="ctr">
+              <a:buNone/>
+            </a:pPr>
+            <a:endParaRPr lang="pt-BR" altLang="zh-CN" dirty="0"/>
+          </a:p>
+          <a:p>
+            <a:pPr marL="0" indent="0" algn="ctr">
+              <a:buNone/>
+            </a:pPr>
+            <a:r>
+              <a:rPr lang="pt-BR" altLang="zh-CN" dirty="0"/>
+              <a:t>((( A ) + ( B )) + ((( B ) + ( D )) * ( C )))</a:t>
+            </a:r>
+          </a:p>
+          <a:p>
+            <a:pPr marL="0" indent="0" algn="ctr">
+              <a:buNone/>
+            </a:pPr>
+            <a:r>
+              <a:rPr lang="pt-BR" altLang="zh-CN" dirty="0" smtClean="0"/>
+              <a:t>(( </a:t>
+            </a:r>
+            <a:r>
+              <a:rPr lang="pt-BR" altLang="zh-CN" dirty="0"/>
+              <a:t>A ) + ( B </a:t>
+            </a:r>
+            <a:r>
+              <a:rPr lang="pt-BR" altLang="zh-CN" dirty="0" smtClean="0"/>
+              <a:t>))</a:t>
+            </a:r>
+            <a:endParaRPr lang="pt-BR" altLang="zh-CN" dirty="0"/>
+          </a:p>
+          <a:p>
+            <a:pPr marL="0" indent="0" algn="ctr">
+              <a:buNone/>
+            </a:pPr>
+            <a:r>
+              <a:rPr lang="pt-BR" altLang="zh-CN" dirty="0" smtClean="0"/>
+              <a:t>((( </a:t>
+            </a:r>
+            <a:r>
+              <a:rPr lang="pt-BR" altLang="zh-CN" dirty="0"/>
+              <a:t>A ) + ( B)) * ( C ))</a:t>
+            </a:r>
+          </a:p>
+          <a:p>
+            <a:pPr marL="0" indent="0" algn="ctr">
+              <a:buNone/>
+            </a:pPr>
+            <a:endParaRPr lang="zh-CN" altLang="en-US" dirty="0"/>
+          </a:p>
+        </p:txBody>
+      </p:sp>
+      <p:cxnSp>
+        <p:nvCxnSpPr>
+          <p:cNvPr id="5" name="直接箭头连接符 4"/>
+          <p:cNvCxnSpPr/>
+          <p:nvPr/>
+        </p:nvCxnSpPr>
+        <p:spPr>
+          <a:xfrm>
+            <a:off x="6184557" y="2743200"/>
+            <a:ext cx="12357" cy="778476"/>
+          </a:xfrm>
+          <a:prstGeom prst="straightConnector1">
+            <a:avLst/>
+          </a:prstGeom>
+          <a:ln w="9525" cap="flat" cmpd="sng" algn="ctr">
+            <a:solidFill>
+              <a:schemeClr val="dk1"/>
+            </a:solidFill>
+            <a:prstDash val="solid"/>
+            <a:round/>
+            <a:headEnd type="none" w="med" len="med"/>
+            <a:tailEnd type="arrow" w="med" len="med"/>
+          </a:ln>
+        </p:spPr>
+        <p:style>
+          <a:lnRef idx="0">
+            <a:scrgbClr r="0" g="0" b="0"/>
+          </a:lnRef>
+          <a:fillRef idx="0">
+            <a:scrgbClr r="0" g="0" b="0"/>
+          </a:fillRef>
+          <a:effectRef idx="0">
+            <a:scrgbClr r="0" g="0" b="0"/>
+          </a:effectRef>
+          <a:fontRef idx="minor">
+            <a:schemeClr val="tx1"/>
+          </a:fontRef>
+        </p:style>
+      </p:cxnSp>
+    </p:spTree>
+    <p:extLst>
+      <p:ext uri="{BB962C8B-B14F-4D97-AF65-F5344CB8AC3E}">
+        <p14:creationId xmlns:p14="http://schemas.microsoft.com/office/powerpoint/2010/main" val="2360498640"/>
+      </p:ext>
+    </p:extLst>
+  </p:cSld>
+  <p:clrMapOvr>
+    <a:masterClrMapping/>
+  </p:clrMapOvr>
+  <p:timing>
+    <p:tnLst>
+      <p:par>
+        <p:cTn id="1" dur="indefinite" restart="never" nodeType="tmRoot"/>
+      </p:par>
+    </p:tnLst>
+  </p:timing>
+</p:sld>
+</file>
+
+<file path=ppt/slides/slide36.xml><?xml version="1.0" encoding="utf-8"?>
+<p:sld xmlns:a="http://schemas.openxmlformats.org/drawingml/2006/main" xmlns:r="http://schemas.openxmlformats.org/officeDocument/2006/relationships" xmlns:p="http://schemas.openxmlformats.org/presentationml/2006/main">
+  <p:cSld>
+    <p:spTree>
+      <p:nvGrpSpPr>
+        <p:cNvPr id="1" name=""/>
+        <p:cNvGrpSpPr/>
+        <p:nvPr/>
+      </p:nvGrpSpPr>
+      <p:grpSpPr>
+        <a:xfrm>
+          <a:off x="0" y="0"/>
+          <a:ext cx="0" cy="0"/>
+          <a:chOff x="0" y="0"/>
+          <a:chExt cx="0" cy="0"/>
+        </a:xfrm>
+      </p:grpSpPr>
+      <p:sp>
+        <p:nvSpPr>
+          <p:cNvPr id="2" name="标题 1"/>
+          <p:cNvSpPr>
+            <a:spLocks noGrp="1"/>
+          </p:cNvSpPr>
+          <p:nvPr>
+            <p:ph type="title"/>
+          </p:nvPr>
+        </p:nvSpPr>
+        <p:spPr/>
+        <p:txBody>
+          <a:bodyPr/>
+          <a:lstStyle/>
+          <a:p>
+            <a:r>
+              <a:rPr lang="zh-CN" altLang="en-US" dirty="0" smtClean="0"/>
+              <a:t>基于</a:t>
+            </a:r>
+            <a:r>
+              <a:rPr lang="en-US" altLang="zh-CN" dirty="0" smtClean="0"/>
+              <a:t>D3</a:t>
+            </a:r>
+            <a:r>
+              <a:rPr lang="zh-CN" altLang="en-US" dirty="0" smtClean="0"/>
+              <a:t>的知识图谱</a:t>
+            </a:r>
+            <a:endParaRPr lang="zh-CN" altLang="en-US" dirty="0"/>
+          </a:p>
+        </p:txBody>
+      </p:sp>
+    </p:spTree>
+    <p:extLst>
+      <p:ext uri="{BB962C8B-B14F-4D97-AF65-F5344CB8AC3E}">
+        <p14:creationId xmlns:p14="http://schemas.microsoft.com/office/powerpoint/2010/main" val="780281251"/>
+      </p:ext>
+    </p:extLst>
+  </p:cSld>
+  <p:clrMapOvr>
+    <a:masterClrMapping/>
+  </p:clrMapOvr>
+  <p:timing>
+    <p:tnLst>
+      <p:par>
+        <p:cTn id="1" dur="indefinite" restart="never" nodeType="tmRoot"/>
+      </p:par>
+    </p:tnLst>
+  </p:timing>
+</p:sld>
+</file>
+
+<file path=ppt/slides/slide37.xml><?xml version="1.0" encoding="utf-8"?>
+<p:sld xmlns:a="http://schemas.openxmlformats.org/drawingml/2006/main" xmlns:r="http://schemas.openxmlformats.org/officeDocument/2006/relationships" xmlns:p="http://schemas.openxmlformats.org/presentationml/2006/main">
+  <p:cSld>
+    <p:spTree>
+      <p:nvGrpSpPr>
+        <p:cNvPr id="1" name=""/>
+        <p:cNvGrpSpPr/>
+        <p:nvPr/>
+      </p:nvGrpSpPr>
+      <p:grpSpPr>
+        <a:xfrm>
+          <a:off x="0" y="0"/>
+          <a:ext cx="0" cy="0"/>
+          <a:chOff x="0" y="0"/>
+          <a:chExt cx="0" cy="0"/>
+        </a:xfrm>
+      </p:grpSpPr>
+      <p:sp>
+        <p:nvSpPr>
+          <p:cNvPr id="2" name="标题 1"/>
+          <p:cNvSpPr>
+            <a:spLocks noGrp="1"/>
+          </p:cNvSpPr>
+          <p:nvPr>
+            <p:ph type="ctrTitle"/>
+          </p:nvPr>
+        </p:nvSpPr>
+        <p:spPr>
+          <a:xfrm>
+            <a:off x="1915128" y="1788453"/>
+            <a:ext cx="8361229" cy="2573481"/>
+          </a:xfrm>
+        </p:spPr>
+        <p:txBody>
+          <a:bodyPr/>
+          <a:lstStyle/>
+          <a:p>
+            <a:r>
+              <a:rPr lang="zh-CN" altLang="en-US" sz="3200" dirty="0"/>
+              <a:t>统计将课本中所有概念以及提到的相关概念，通过</a:t>
+            </a:r>
+            <a:r>
+              <a:rPr lang="en-US" altLang="zh-CN" sz="3200" dirty="0"/>
+              <a:t>D3</a:t>
+            </a:r>
+            <a:r>
+              <a:rPr lang="zh-CN" altLang="en-US" sz="3200" dirty="0"/>
+              <a:t>可视化，将各个概念联系起来，形成概念图谱。便于读者更加直观形象地理解概念之间的相关性，加深知识印象</a:t>
+            </a:r>
+          </a:p>
+        </p:txBody>
+      </p:sp>
+    </p:spTree>
+    <p:extLst>
+      <p:ext uri="{BB962C8B-B14F-4D97-AF65-F5344CB8AC3E}">
+        <p14:creationId xmlns:p14="http://schemas.microsoft.com/office/powerpoint/2010/main" val="2565005715"/>
+      </p:ext>
+    </p:extLst>
+  </p:cSld>
+  <p:clrMapOvr>
+    <a:masterClrMapping/>
+  </p:clrMapOvr>
+  <p:timing>
+    <p:tnLst>
+      <p:par>
+        <p:cTn id="1" dur="indefinite" restart="never" nodeType="tmRoot"/>
+      </p:par>
+    </p:tnLst>
+  </p:timing>
+</p:sld>
+</file>
+
+<file path=ppt/slides/slide38.xml><?xml version="1.0" encoding="utf-8"?>
+<p:sld xmlns:a="http://schemas.openxmlformats.org/drawingml/2006/main" xmlns:r="http://schemas.openxmlformats.org/officeDocument/2006/relationships" xmlns:p="http://schemas.openxmlformats.org/presentationml/2006/main">
+  <p:cSld>
+    <p:spTree>
+      <p:nvGrpSpPr>
+        <p:cNvPr id="1" name=""/>
+        <p:cNvGrpSpPr/>
+        <p:nvPr/>
+      </p:nvGrpSpPr>
+      <p:grpSpPr>
+        <a:xfrm>
+          <a:off x="0" y="0"/>
+          <a:ext cx="0" cy="0"/>
+          <a:chOff x="0" y="0"/>
+          <a:chExt cx="0" cy="0"/>
+        </a:xfrm>
+      </p:grpSpPr>
+      <p:sp>
+        <p:nvSpPr>
+          <p:cNvPr id="3" name="文本框 2"/>
+          <p:cNvSpPr txBox="1"/>
+          <p:nvPr/>
+        </p:nvSpPr>
+        <p:spPr>
+          <a:xfrm>
+            <a:off x="2203742" y="1370042"/>
+            <a:ext cx="3312368" cy="3784600"/>
+          </a:xfrm>
+          <a:prstGeom prst="rect">
+            <a:avLst/>
+          </a:prstGeom>
+          <a:noFill/>
+        </p:spPr>
+        <p:txBody>
+          <a:bodyPr wrap="square" rtlCol="0">
+            <a:spAutoFit/>
+          </a:bodyPr>
+          <a:lstStyle/>
+          <a:p>
+            <a:r>
+              <a:rPr lang="en-US" altLang="zh-CN" sz="2400" dirty="0">
+                <a:cs typeface="微软雅黑 Light" panose="020B0502040204020203" charset="-122"/>
+              </a:rPr>
+              <a:t>{</a:t>
+            </a:r>
+          </a:p>
+          <a:p>
+            <a:r>
+              <a:rPr lang="en-US" altLang="zh-CN" sz="2400" dirty="0">
+                <a:cs typeface="微软雅黑 Light" panose="020B0502040204020203" charset="-122"/>
+              </a:rPr>
+              <a:t>"name":"</a:t>
+            </a:r>
+            <a:r>
+              <a:rPr lang="zh-CN" altLang="en-US" sz="2400" dirty="0">
+                <a:cs typeface="微软雅黑 Light" panose="020B0502040204020203" charset="-122"/>
+              </a:rPr>
+              <a:t>有理数</a:t>
+            </a:r>
+            <a:r>
+              <a:rPr lang="en-US" altLang="zh-CN" sz="2400" dirty="0">
+                <a:cs typeface="微软雅黑 Light" panose="020B0502040204020203" charset="-122"/>
+              </a:rPr>
+              <a:t>"</a:t>
+            </a:r>
+          </a:p>
+          <a:p>
+            <a:r>
+              <a:rPr lang="en-US" altLang="zh-CN" sz="2400" dirty="0">
+                <a:cs typeface="微软雅黑 Light" panose="020B0502040204020203" charset="-122"/>
+              </a:rPr>
+              <a:t>" </a:t>
+            </a:r>
+            <a:r>
+              <a:rPr lang="en-US" altLang="zh-CN" sz="2400" dirty="0" err="1">
+                <a:cs typeface="微软雅黑 Light" panose="020B0502040204020203" charset="-122"/>
+              </a:rPr>
+              <a:t>relat</a:t>
+            </a:r>
+            <a:r>
+              <a:rPr lang="en-US" altLang="zh-CN" sz="2400" dirty="0">
+                <a:cs typeface="微软雅黑 Light" panose="020B0502040204020203" charset="-122"/>
+              </a:rPr>
+              <a:t> " :[</a:t>
+            </a:r>
+          </a:p>
+          <a:p>
+            <a:r>
+              <a:rPr lang="en-US" altLang="zh-CN" sz="2400" dirty="0">
+                <a:cs typeface="微软雅黑 Light" panose="020B0502040204020203" charset="-122"/>
+              </a:rPr>
+              <a:t>{"name":"</a:t>
+            </a:r>
+            <a:r>
+              <a:rPr lang="zh-CN" altLang="en-US" sz="2400" dirty="0">
+                <a:cs typeface="微软雅黑 Light" panose="020B0502040204020203" charset="-122"/>
+              </a:rPr>
+              <a:t>整数</a:t>
+            </a:r>
+            <a:r>
+              <a:rPr lang="en-US" altLang="zh-CN" sz="2400" dirty="0">
+                <a:cs typeface="微软雅黑 Light" panose="020B0502040204020203" charset="-122"/>
+              </a:rPr>
+              <a:t>"},</a:t>
+            </a:r>
+          </a:p>
+          <a:p>
+            <a:r>
+              <a:rPr lang="en-US" altLang="zh-CN" sz="2400" dirty="0">
+                <a:cs typeface="微软雅黑 Light" panose="020B0502040204020203" charset="-122"/>
+              </a:rPr>
+              <a:t>{"name":"</a:t>
+            </a:r>
+            <a:r>
+              <a:rPr lang="zh-CN" altLang="en-US" sz="2400" dirty="0">
+                <a:cs typeface="微软雅黑 Light" panose="020B0502040204020203" charset="-122"/>
+              </a:rPr>
+              <a:t>分数</a:t>
+            </a:r>
+            <a:r>
+              <a:rPr lang="en-US" altLang="zh-CN" sz="2400" dirty="0">
+                <a:cs typeface="微软雅黑 Light" panose="020B0502040204020203" charset="-122"/>
+              </a:rPr>
+              <a:t>"},</a:t>
+            </a:r>
+          </a:p>
+          <a:p>
+            <a:r>
+              <a:rPr lang="en-US" altLang="zh-CN" sz="2400" dirty="0">
+                <a:cs typeface="微软雅黑 Light" panose="020B0502040204020203" charset="-122"/>
+              </a:rPr>
+              <a:t>{"name":"</a:t>
+            </a:r>
+            <a:r>
+              <a:rPr lang="zh-CN" altLang="en-US" sz="2400" dirty="0">
+                <a:cs typeface="微软雅黑 Light" panose="020B0502040204020203" charset="-122"/>
+              </a:rPr>
+              <a:t>正整数</a:t>
+            </a:r>
+            <a:r>
+              <a:rPr lang="en-US" altLang="zh-CN" sz="2400" dirty="0">
+                <a:cs typeface="微软雅黑 Light" panose="020B0502040204020203" charset="-122"/>
+              </a:rPr>
+              <a:t>"},</a:t>
+            </a:r>
+          </a:p>
+          <a:p>
+            <a:r>
+              <a:rPr lang="en-US" altLang="zh-CN" sz="2400" dirty="0">
+                <a:cs typeface="微软雅黑 Light" panose="020B0502040204020203" charset="-122"/>
+              </a:rPr>
+              <a:t>{“name”:“</a:t>
+            </a:r>
+            <a:r>
+              <a:rPr lang="zh-CN" altLang="en-US" sz="2400" dirty="0">
+                <a:cs typeface="微软雅黑 Light" panose="020B0502040204020203" charset="-122"/>
+              </a:rPr>
+              <a:t>相反数</a:t>
+            </a:r>
+            <a:r>
+              <a:rPr lang="en-US" altLang="zh-CN" sz="2400" dirty="0">
+                <a:cs typeface="微软雅黑 Light" panose="020B0502040204020203" charset="-122"/>
+              </a:rPr>
+              <a:t>”},</a:t>
+            </a:r>
+          </a:p>
+          <a:p>
+            <a:r>
+              <a:rPr lang="en-US" altLang="zh-CN" sz="2400" dirty="0">
+                <a:cs typeface="微软雅黑 Light" panose="020B0502040204020203" charset="-122"/>
+              </a:rPr>
+              <a:t>{“name”:“</a:t>
+            </a:r>
+            <a:r>
+              <a:rPr lang="zh-CN" altLang="en-US" sz="2400" dirty="0">
+                <a:cs typeface="微软雅黑 Light" panose="020B0502040204020203" charset="-122"/>
+              </a:rPr>
+              <a:t>数轴</a:t>
+            </a:r>
+            <a:r>
+              <a:rPr lang="en-US" altLang="zh-CN" sz="2400" dirty="0">
+                <a:cs typeface="微软雅黑 Light" panose="020B0502040204020203" charset="-122"/>
+              </a:rPr>
+              <a:t>”}</a:t>
+            </a:r>
+          </a:p>
+          <a:p>
+            <a:r>
+              <a:rPr lang="en-US" altLang="zh-CN" sz="2400" dirty="0">
+                <a:cs typeface="微软雅黑 Light" panose="020B0502040204020203" charset="-122"/>
+              </a:rPr>
+              <a:t>]</a:t>
+            </a:r>
+          </a:p>
+          <a:p>
+            <a:r>
+              <a:rPr lang="en-US" altLang="zh-CN" sz="2400" dirty="0">
+                <a:cs typeface="微软雅黑 Light" panose="020B0502040204020203" charset="-122"/>
+              </a:rPr>
+              <a:t>}</a:t>
+            </a:r>
+            <a:endParaRPr lang="zh-CN" altLang="en-US" sz="2400" dirty="0">
+              <a:cs typeface="微软雅黑 Light" panose="020B0502040204020203" charset="-122"/>
+            </a:endParaRPr>
+          </a:p>
+        </p:txBody>
+      </p:sp>
+      <p:pic>
+        <p:nvPicPr>
+          <p:cNvPr id="4" name="图片 3"/>
+          <p:cNvPicPr>
+            <a:picLocks noChangeAspect="1"/>
+          </p:cNvPicPr>
+          <p:nvPr/>
+        </p:nvPicPr>
+        <p:blipFill>
+          <a:blip r:embed="rId2">
+            <a:extLst>
+              <a:ext uri="{28A0092B-C50C-407E-A947-70E740481C1C}">
+                <a14:useLocalDpi xmlns:a14="http://schemas.microsoft.com/office/drawing/2010/main" val="0"/>
+              </a:ext>
+            </a:extLst>
+          </a:blip>
+          <a:stretch>
+            <a:fillRect/>
+          </a:stretch>
+        </p:blipFill>
+        <p:spPr>
+          <a:xfrm>
+            <a:off x="6245158" y="1678166"/>
+            <a:ext cx="4692488" cy="3168353"/>
+          </a:xfrm>
+          <a:prstGeom prst="rect">
+            <a:avLst/>
+          </a:prstGeom>
+        </p:spPr>
+      </p:pic>
+    </p:spTree>
+    <p:extLst>
+      <p:ext uri="{BB962C8B-B14F-4D97-AF65-F5344CB8AC3E}">
+        <p14:creationId xmlns:p14="http://schemas.microsoft.com/office/powerpoint/2010/main" val="584636087"/>
+      </p:ext>
+    </p:extLst>
+  </p:cSld>
+  <p:clrMapOvr>
+    <a:masterClrMapping/>
+  </p:clrMapOvr>
+  <p:timing>
+    <p:tnLst>
+      <p:par>
+        <p:cTn id="1" dur="indefinite" restart="never" nodeType="tmRoot"/>
+      </p:par>
+    </p:tnLst>
+  </p:timing>
+</p:sld>
+</file>
+
+<file path=ppt/slides/slide39.xml><?xml version="1.0" encoding="utf-8"?>
+<p:sld xmlns:a="http://schemas.openxmlformats.org/drawingml/2006/main" xmlns:r="http://schemas.openxmlformats.org/officeDocument/2006/relationships" xmlns:p="http://schemas.openxmlformats.org/presentationml/2006/main">
+  <p:cSld>
+    <p:spTree>
+      <p:nvGrpSpPr>
+        <p:cNvPr id="1" name=""/>
+        <p:cNvGrpSpPr/>
+        <p:nvPr/>
+      </p:nvGrpSpPr>
+      <p:grpSpPr>
+        <a:xfrm>
+          <a:off x="0" y="0"/>
+          <a:ext cx="0" cy="0"/>
+          <a:chOff x="0" y="0"/>
+          <a:chExt cx="0" cy="0"/>
+        </a:xfrm>
+      </p:grpSpPr>
+      <p:sp>
+        <p:nvSpPr>
+          <p:cNvPr id="3" name="内容占位符 2"/>
+          <p:cNvSpPr>
+            <a:spLocks noGrp="1"/>
+          </p:cNvSpPr>
+          <p:nvPr>
+            <p:ph idx="1"/>
+          </p:nvPr>
+        </p:nvSpPr>
+        <p:spPr>
+          <a:xfrm>
+            <a:off x="1600200" y="5084804"/>
+            <a:ext cx="9372600" cy="1567249"/>
+          </a:xfrm>
+        </p:spPr>
+        <p:txBody>
+          <a:bodyPr/>
+          <a:lstStyle/>
+          <a:p>
+            <a:r>
+              <a:rPr lang="zh-CN" altLang="en-US" dirty="0"/>
+              <a:t>显示所有概念及概念之间的联系</a:t>
+            </a:r>
+          </a:p>
+          <a:p>
+            <a:r>
+              <a:rPr lang="zh-CN" altLang="en-US" dirty="0"/>
+              <a:t>搜索关键词高亮显示</a:t>
+            </a:r>
+          </a:p>
+          <a:p>
+            <a:r>
+              <a:rPr lang="zh-CN" altLang="en-US" dirty="0"/>
+              <a:t>点击不同的圆圈，下方显示相关</a:t>
+            </a:r>
+            <a:r>
+              <a:rPr lang="zh-CN" altLang="en-US" dirty="0" smtClean="0"/>
+              <a:t>概念</a:t>
+            </a:r>
+            <a:endParaRPr lang="zh-CN" altLang="en-US" dirty="0"/>
+          </a:p>
+        </p:txBody>
+      </p:sp>
+      <p:pic>
+        <p:nvPicPr>
+          <p:cNvPr id="4" name="图片 3"/>
+          <p:cNvPicPr>
+            <a:picLocks noChangeAspect="1"/>
+          </p:cNvPicPr>
+          <p:nvPr/>
+        </p:nvPicPr>
+        <p:blipFill>
+          <a:blip r:embed="rId2">
+            <a:extLst>
+              <a:ext uri="{28A0092B-C50C-407E-A947-70E740481C1C}">
+                <a14:useLocalDpi xmlns:a14="http://schemas.microsoft.com/office/drawing/2010/main" val="0"/>
+              </a:ext>
+            </a:extLst>
+          </a:blip>
+          <a:stretch>
+            <a:fillRect/>
+          </a:stretch>
+        </p:blipFill>
+        <p:spPr>
+          <a:xfrm>
+            <a:off x="1600200" y="287494"/>
+            <a:ext cx="9144000" cy="4449600"/>
+          </a:xfrm>
+          <a:prstGeom prst="rect">
+            <a:avLst/>
+          </a:prstGeom>
+        </p:spPr>
+      </p:pic>
+    </p:spTree>
+    <p:extLst>
+      <p:ext uri="{BB962C8B-B14F-4D97-AF65-F5344CB8AC3E}">
+        <p14:creationId xmlns:p14="http://schemas.microsoft.com/office/powerpoint/2010/main" val="4272735173"/>
       </p:ext>
     </p:extLst>
   </p:cSld>
@@ -9918,6 +11502,1361 @@
 </p:sld>
 </file>
 
+<file path=ppt/slides/slide40.xml><?xml version="1.0" encoding="utf-8"?>
+<p:sld xmlns:a="http://schemas.openxmlformats.org/drawingml/2006/main" xmlns:r="http://schemas.openxmlformats.org/officeDocument/2006/relationships" xmlns:p="http://schemas.openxmlformats.org/presentationml/2006/main">
+  <p:cSld>
+    <p:spTree>
+      <p:nvGrpSpPr>
+        <p:cNvPr id="1" name=""/>
+        <p:cNvGrpSpPr/>
+        <p:nvPr/>
+      </p:nvGrpSpPr>
+      <p:grpSpPr>
+        <a:xfrm>
+          <a:off x="0" y="0"/>
+          <a:ext cx="0" cy="0"/>
+          <a:chOff x="0" y="0"/>
+          <a:chExt cx="0" cy="0"/>
+        </a:xfrm>
+      </p:grpSpPr>
+      <p:sp>
+        <p:nvSpPr>
+          <p:cNvPr id="2" name="标题 1"/>
+          <p:cNvSpPr>
+            <a:spLocks noGrp="1"/>
+          </p:cNvSpPr>
+          <p:nvPr>
+            <p:ph type="title"/>
+          </p:nvPr>
+        </p:nvSpPr>
+        <p:spPr/>
+        <p:txBody>
+          <a:bodyPr/>
+          <a:lstStyle/>
+          <a:p>
+            <a:r>
+              <a:rPr lang="en-US" altLang="zh-CN" dirty="0" smtClean="0"/>
+              <a:t>PHP</a:t>
+            </a:r>
+            <a:r>
+              <a:rPr lang="zh-CN" altLang="en-US" dirty="0" smtClean="0"/>
+              <a:t>设计与架构</a:t>
+            </a:r>
+            <a:endParaRPr lang="zh-CN" altLang="en-US" dirty="0"/>
+          </a:p>
+        </p:txBody>
+      </p:sp>
+    </p:spTree>
+    <p:extLst>
+      <p:ext uri="{BB962C8B-B14F-4D97-AF65-F5344CB8AC3E}">
+        <p14:creationId xmlns:p14="http://schemas.microsoft.com/office/powerpoint/2010/main" val="3625646795"/>
+      </p:ext>
+    </p:extLst>
+  </p:cSld>
+  <p:clrMapOvr>
+    <a:masterClrMapping/>
+  </p:clrMapOvr>
+  <p:timing>
+    <p:tnLst>
+      <p:par>
+        <p:cTn id="1" dur="indefinite" restart="never" nodeType="tmRoot"/>
+      </p:par>
+    </p:tnLst>
+  </p:timing>
+</p:sld>
+</file>
+
+<file path=ppt/slides/slide41.xml><?xml version="1.0" encoding="utf-8"?>
+<p:sld xmlns:a="http://schemas.openxmlformats.org/drawingml/2006/main" xmlns:r="http://schemas.openxmlformats.org/officeDocument/2006/relationships" xmlns:p="http://schemas.openxmlformats.org/presentationml/2006/main">
+  <p:cSld>
+    <p:spTree>
+      <p:nvGrpSpPr>
+        <p:cNvPr id="1" name=""/>
+        <p:cNvGrpSpPr/>
+        <p:nvPr/>
+      </p:nvGrpSpPr>
+      <p:grpSpPr>
+        <a:xfrm>
+          <a:off x="0" y="0"/>
+          <a:ext cx="0" cy="0"/>
+          <a:chOff x="0" y="0"/>
+          <a:chExt cx="0" cy="0"/>
+        </a:xfrm>
+      </p:grpSpPr>
+      <p:sp>
+        <p:nvSpPr>
+          <p:cNvPr id="2" name="标题 1"/>
+          <p:cNvSpPr>
+            <a:spLocks noGrp="1"/>
+          </p:cNvSpPr>
+          <p:nvPr>
+            <p:ph type="title"/>
+          </p:nvPr>
+        </p:nvSpPr>
+        <p:spPr/>
+        <p:txBody>
+          <a:bodyPr/>
+          <a:lstStyle/>
+          <a:p>
+            <a:r>
+              <a:rPr lang="en-US" altLang="zh-CN" dirty="0" smtClean="0"/>
+              <a:t>PHP</a:t>
+            </a:r>
+            <a:r>
+              <a:rPr lang="zh-CN" altLang="en-US" dirty="0" smtClean="0"/>
+              <a:t>代码规范</a:t>
+            </a:r>
+            <a:endParaRPr lang="zh-CN" altLang="en-US" dirty="0"/>
+          </a:p>
+        </p:txBody>
+      </p:sp>
+      <p:sp>
+        <p:nvSpPr>
+          <p:cNvPr id="3" name="内容占位符 2"/>
+          <p:cNvSpPr>
+            <a:spLocks noGrp="1"/>
+          </p:cNvSpPr>
+          <p:nvPr>
+            <p:ph idx="1"/>
+          </p:nvPr>
+        </p:nvSpPr>
+        <p:spPr/>
+        <p:txBody>
+          <a:bodyPr/>
+          <a:lstStyle/>
+          <a:p>
+            <a:r>
+              <a:rPr lang="zh-CN" altLang="en-US" dirty="0"/>
+              <a:t>通用约定：</a:t>
+            </a:r>
+          </a:p>
+          <a:p>
+            <a:r>
+              <a:rPr lang="zh-CN" altLang="en-US" dirty="0"/>
+              <a:t>代码缩进全部用</a:t>
+            </a:r>
+            <a:r>
+              <a:rPr lang="en-US" altLang="zh-CN" dirty="0"/>
+              <a:t>tab</a:t>
+            </a:r>
+            <a:r>
+              <a:rPr lang="zh-CN" altLang="en-US" dirty="0"/>
+              <a:t>，在编辑器里面设置</a:t>
+            </a:r>
+            <a:r>
+              <a:rPr lang="en-US" altLang="zh-CN" dirty="0"/>
+              <a:t>tab</a:t>
+            </a:r>
+            <a:r>
+              <a:rPr lang="zh-CN" altLang="en-US" dirty="0"/>
+              <a:t>存为制表符，不要存为空格。不要打一堆空格来做缩进。</a:t>
+            </a:r>
+          </a:p>
+          <a:p>
+            <a:r>
+              <a:rPr lang="en-US" altLang="zh-CN" dirty="0"/>
+              <a:t>SVN / </a:t>
+            </a:r>
+            <a:r>
+              <a:rPr lang="en-US" altLang="zh-CN" dirty="0" err="1"/>
+              <a:t>Git</a:t>
+            </a:r>
+            <a:r>
+              <a:rPr lang="en-US" altLang="zh-CN" dirty="0"/>
+              <a:t> </a:t>
+            </a:r>
+            <a:r>
+              <a:rPr lang="zh-CN" altLang="en-US" dirty="0"/>
+              <a:t>中新建文件编码类型统一用</a:t>
+            </a:r>
+            <a:r>
+              <a:rPr lang="en-US" altLang="zh-CN" dirty="0"/>
+              <a:t>utf-8</a:t>
+            </a:r>
+            <a:r>
+              <a:rPr lang="zh-CN" altLang="en-US" dirty="0"/>
+              <a:t>编码（不带</a:t>
+            </a:r>
+            <a:r>
+              <a:rPr lang="en-US" altLang="zh-CN" dirty="0"/>
+              <a:t>BOM</a:t>
+            </a:r>
+            <a:r>
+              <a:rPr lang="zh-CN" altLang="en-US" dirty="0"/>
+              <a:t>）。</a:t>
+            </a:r>
+          </a:p>
+          <a:p>
+            <a:r>
+              <a:rPr lang="en-US" altLang="zh-CN" dirty="0"/>
+              <a:t>Unix </a:t>
+            </a:r>
+            <a:r>
+              <a:rPr lang="zh-CN" altLang="en-US" dirty="0"/>
+              <a:t>风格的换行</a:t>
+            </a:r>
+            <a:r>
+              <a:rPr lang="en-US" altLang="zh-CN" dirty="0"/>
+              <a:t>: LF</a:t>
+            </a:r>
+          </a:p>
+          <a:p>
+            <a:r>
+              <a:rPr lang="zh-CN" altLang="en-US" dirty="0"/>
+              <a:t>所有可以直接访问的</a:t>
+            </a:r>
+            <a:r>
+              <a:rPr lang="en-US" altLang="zh-CN" dirty="0" err="1"/>
+              <a:t>url</a:t>
+            </a:r>
+            <a:r>
+              <a:rPr lang="zh-CN" altLang="en-US" dirty="0"/>
+              <a:t>中包含的文件名都是小写，如果是多个词组成，则用下划线连接。</a:t>
+            </a:r>
+          </a:p>
+          <a:p>
+            <a:r>
+              <a:rPr lang="zh-CN" altLang="en-US" dirty="0"/>
+              <a:t>行宽：</a:t>
+            </a:r>
+            <a:r>
+              <a:rPr lang="en-US" altLang="zh-CN" dirty="0"/>
+              <a:t>120 </a:t>
+            </a:r>
+            <a:r>
+              <a:rPr lang="zh-CN" altLang="en-US" dirty="0" smtClean="0"/>
+              <a:t>字符</a:t>
+            </a:r>
+            <a:endParaRPr lang="zh-CN" altLang="en-US" dirty="0"/>
+          </a:p>
+        </p:txBody>
+      </p:sp>
+    </p:spTree>
+    <p:extLst>
+      <p:ext uri="{BB962C8B-B14F-4D97-AF65-F5344CB8AC3E}">
+        <p14:creationId xmlns:p14="http://schemas.microsoft.com/office/powerpoint/2010/main" val="2969603959"/>
+      </p:ext>
+    </p:extLst>
+  </p:cSld>
+  <p:clrMapOvr>
+    <a:masterClrMapping/>
+  </p:clrMapOvr>
+  <p:timing>
+    <p:tnLst>
+      <p:par>
+        <p:cTn id="1" dur="indefinite" restart="never" nodeType="tmRoot"/>
+      </p:par>
+    </p:tnLst>
+  </p:timing>
+</p:sld>
+</file>
+
+<file path=ppt/slides/slide42.xml><?xml version="1.0" encoding="utf-8"?>
+<p:sld xmlns:a="http://schemas.openxmlformats.org/drawingml/2006/main" xmlns:r="http://schemas.openxmlformats.org/officeDocument/2006/relationships" xmlns:p="http://schemas.openxmlformats.org/presentationml/2006/main">
+  <p:cSld>
+    <p:spTree>
+      <p:nvGrpSpPr>
+        <p:cNvPr id="1" name=""/>
+        <p:cNvGrpSpPr/>
+        <p:nvPr/>
+      </p:nvGrpSpPr>
+      <p:grpSpPr>
+        <a:xfrm>
+          <a:off x="0" y="0"/>
+          <a:ext cx="0" cy="0"/>
+          <a:chOff x="0" y="0"/>
+          <a:chExt cx="0" cy="0"/>
+        </a:xfrm>
+      </p:grpSpPr>
+      <p:sp>
+        <p:nvSpPr>
+          <p:cNvPr id="2" name="标题 1"/>
+          <p:cNvSpPr>
+            <a:spLocks noGrp="1"/>
+          </p:cNvSpPr>
+          <p:nvPr>
+            <p:ph type="title"/>
+          </p:nvPr>
+        </p:nvSpPr>
+        <p:spPr/>
+        <p:txBody>
+          <a:bodyPr/>
+          <a:lstStyle/>
+          <a:p>
+            <a:r>
+              <a:rPr lang="zh-CN" altLang="en-US" dirty="0" smtClean="0"/>
+              <a:t>传参方式</a:t>
+            </a:r>
+            <a:endParaRPr lang="zh-CN" altLang="en-US" dirty="0"/>
+          </a:p>
+        </p:txBody>
+      </p:sp>
+      <p:sp>
+        <p:nvSpPr>
+          <p:cNvPr id="3" name="内容占位符 2"/>
+          <p:cNvSpPr>
+            <a:spLocks noGrp="1"/>
+          </p:cNvSpPr>
+          <p:nvPr>
+            <p:ph idx="1"/>
+          </p:nvPr>
+        </p:nvSpPr>
+        <p:spPr/>
+        <p:txBody>
+          <a:bodyPr/>
+          <a:lstStyle/>
+          <a:p>
+            <a:r>
+              <a:rPr lang="zh-CN" altLang="en-US" dirty="0"/>
+              <a:t>因为不涉及用户的账户、密码等私人信息</a:t>
+            </a:r>
+          </a:p>
+          <a:p>
+            <a:r>
+              <a:rPr lang="zh-CN" altLang="en-US" dirty="0"/>
+              <a:t>所以一律采用</a:t>
+            </a:r>
+            <a:r>
+              <a:rPr lang="en-US" altLang="zh-CN" dirty="0"/>
+              <a:t>GET</a:t>
+            </a:r>
+            <a:r>
+              <a:rPr lang="zh-CN" altLang="en-US" dirty="0"/>
+              <a:t>明文传参</a:t>
+            </a:r>
+          </a:p>
+          <a:p>
+            <a:r>
+              <a:rPr lang="zh-CN" altLang="en-US" dirty="0"/>
+              <a:t>但是也保留了</a:t>
+            </a:r>
+            <a:r>
+              <a:rPr lang="en-US" altLang="zh-CN" dirty="0"/>
+              <a:t>POST</a:t>
+            </a:r>
+            <a:r>
+              <a:rPr lang="zh-CN" altLang="en-US" dirty="0"/>
+              <a:t>、</a:t>
+            </a:r>
+            <a:r>
+              <a:rPr lang="en-US" altLang="zh-CN" dirty="0"/>
+              <a:t>COOKIE</a:t>
+            </a:r>
+            <a:r>
+              <a:rPr lang="zh-CN" altLang="en-US" dirty="0"/>
+              <a:t>、</a:t>
+            </a:r>
+            <a:r>
+              <a:rPr lang="en-US" altLang="zh-CN" dirty="0"/>
+              <a:t>SESSION</a:t>
+            </a:r>
+            <a:r>
+              <a:rPr lang="zh-CN" altLang="en-US" dirty="0"/>
+              <a:t>传参方式的接口，方便以后版本</a:t>
+            </a:r>
+            <a:r>
+              <a:rPr lang="zh-CN" altLang="en-US" dirty="0" smtClean="0"/>
+              <a:t>升级</a:t>
+            </a:r>
+            <a:endParaRPr lang="zh-CN" altLang="en-US" dirty="0"/>
+          </a:p>
+        </p:txBody>
+      </p:sp>
+    </p:spTree>
+    <p:extLst>
+      <p:ext uri="{BB962C8B-B14F-4D97-AF65-F5344CB8AC3E}">
+        <p14:creationId xmlns:p14="http://schemas.microsoft.com/office/powerpoint/2010/main" val="2856075988"/>
+      </p:ext>
+    </p:extLst>
+  </p:cSld>
+  <p:clrMapOvr>
+    <a:masterClrMapping/>
+  </p:clrMapOvr>
+  <p:timing>
+    <p:tnLst>
+      <p:par>
+        <p:cTn id="1" dur="indefinite" restart="never" nodeType="tmRoot"/>
+      </p:par>
+    </p:tnLst>
+  </p:timing>
+</p:sld>
+</file>
+
+<file path=ppt/slides/slide43.xml><?xml version="1.0" encoding="utf-8"?>
+<p:sld xmlns:a="http://schemas.openxmlformats.org/drawingml/2006/main" xmlns:r="http://schemas.openxmlformats.org/officeDocument/2006/relationships" xmlns:p="http://schemas.openxmlformats.org/presentationml/2006/main">
+  <p:cSld>
+    <p:spTree>
+      <p:nvGrpSpPr>
+        <p:cNvPr id="1" name=""/>
+        <p:cNvGrpSpPr/>
+        <p:nvPr/>
+      </p:nvGrpSpPr>
+      <p:grpSpPr>
+        <a:xfrm>
+          <a:off x="0" y="0"/>
+          <a:ext cx="0" cy="0"/>
+          <a:chOff x="0" y="0"/>
+          <a:chExt cx="0" cy="0"/>
+        </a:xfrm>
+      </p:grpSpPr>
+      <p:sp>
+        <p:nvSpPr>
+          <p:cNvPr id="2" name="标题 1"/>
+          <p:cNvSpPr>
+            <a:spLocks noGrp="1"/>
+          </p:cNvSpPr>
+          <p:nvPr>
+            <p:ph type="title"/>
+          </p:nvPr>
+        </p:nvSpPr>
+        <p:spPr/>
+        <p:txBody>
+          <a:bodyPr/>
+          <a:lstStyle/>
+          <a:p>
+            <a:r>
+              <a:rPr lang="zh-CN" altLang="en-US" dirty="0" smtClean="0"/>
+              <a:t>前端模块</a:t>
+            </a:r>
+            <a:r>
+              <a:rPr lang="en-US" altLang="zh-CN" dirty="0" smtClean="0"/>
+              <a:t>-</a:t>
+            </a:r>
+            <a:r>
+              <a:rPr lang="zh-CN" altLang="en-US" dirty="0" smtClean="0"/>
+              <a:t>主页（入口）</a:t>
+            </a:r>
+            <a:endParaRPr lang="zh-CN" altLang="en-US" dirty="0"/>
+          </a:p>
+        </p:txBody>
+      </p:sp>
+      <p:sp>
+        <p:nvSpPr>
+          <p:cNvPr id="3" name="内容占位符 2"/>
+          <p:cNvSpPr>
+            <a:spLocks noGrp="1"/>
+          </p:cNvSpPr>
+          <p:nvPr>
+            <p:ph sz="half" idx="1"/>
+          </p:nvPr>
+        </p:nvSpPr>
+        <p:spPr/>
+        <p:txBody>
+          <a:bodyPr/>
+          <a:lstStyle/>
+          <a:p>
+            <a:r>
+              <a:rPr lang="en-US" altLang="zh-CN" dirty="0" err="1"/>
+              <a:t>Index.php</a:t>
+            </a:r>
+            <a:endParaRPr lang="en-US" altLang="zh-CN" dirty="0"/>
+          </a:p>
+          <a:p>
+            <a:r>
+              <a:rPr lang="en-US" altLang="zh-CN" dirty="0"/>
+              <a:t>Nginx</a:t>
+            </a:r>
+            <a:r>
+              <a:rPr lang="zh-CN" altLang="en-US" dirty="0"/>
+              <a:t>服务入口，搜索页面，主页</a:t>
+            </a:r>
+          </a:p>
+        </p:txBody>
+      </p:sp>
+      <p:pic>
+        <p:nvPicPr>
+          <p:cNvPr id="5" name="Picture 2"/>
+          <p:cNvPicPr>
+            <a:picLocks noGrp="1" noChangeAspect="1" noChangeArrowheads="1"/>
+          </p:cNvPicPr>
+          <p:nvPr>
+            <p:ph sz="half" idx="2"/>
+          </p:nvPr>
+        </p:nvPicPr>
+        <p:blipFill>
+          <a:blip r:embed="rId2">
+            <a:extLst>
+              <a:ext uri="{28A0092B-C50C-407E-A947-70E740481C1C}">
+                <a14:useLocalDpi xmlns:a14="http://schemas.microsoft.com/office/drawing/2010/main" val="0"/>
+              </a:ext>
+            </a:extLst>
+          </a:blip>
+          <a:srcRect/>
+          <a:stretch>
+            <a:fillRect/>
+          </a:stretch>
+        </p:blipFill>
+        <p:spPr bwMode="auto">
+          <a:xfrm>
+            <a:off x="6524625" y="2404968"/>
+            <a:ext cx="4448175" cy="3343463"/>
+          </a:xfrm>
+          <a:prstGeom prst="rect">
+            <a:avLst/>
+          </a:prstGeom>
+          <a:noFill/>
+          <a:ln>
+            <a:noFill/>
+          </a:ln>
+          <a:extLst>
+            <a:ext uri="{909E8E84-426E-40DD-AFC4-6F175D3DCCD1}">
+              <a14:hiddenFill xmlns:a14="http://schemas.microsoft.com/office/drawing/2010/main">
+                <a:solidFill>
+                  <a:schemeClr val="accent1"/>
+                </a:solidFill>
+              </a14:hiddenFill>
+            </a:ext>
+            <a:ext uri="{91240B29-F687-4F45-9708-019B960494DF}">
+              <a14:hiddenLine xmlns:a14="http://schemas.microsoft.com/office/drawing/2010/main" w="9525">
+                <a:solidFill>
+                  <a:schemeClr val="tx1"/>
+                </a:solidFill>
+                <a:miter lim="800000"/>
+                <a:headEnd/>
+                <a:tailEnd/>
+              </a14:hiddenLine>
+            </a:ext>
+          </a:extLst>
+        </p:spPr>
+      </p:pic>
+    </p:spTree>
+    <p:extLst>
+      <p:ext uri="{BB962C8B-B14F-4D97-AF65-F5344CB8AC3E}">
+        <p14:creationId xmlns:p14="http://schemas.microsoft.com/office/powerpoint/2010/main" val="2881356228"/>
+      </p:ext>
+    </p:extLst>
+  </p:cSld>
+  <p:clrMapOvr>
+    <a:masterClrMapping/>
+  </p:clrMapOvr>
+  <p:timing>
+    <p:tnLst>
+      <p:par>
+        <p:cTn id="1" dur="indefinite" restart="never" nodeType="tmRoot"/>
+      </p:par>
+    </p:tnLst>
+  </p:timing>
+</p:sld>
+</file>
+
+<file path=ppt/slides/slide44.xml><?xml version="1.0" encoding="utf-8"?>
+<p:sld xmlns:a="http://schemas.openxmlformats.org/drawingml/2006/main" xmlns:r="http://schemas.openxmlformats.org/officeDocument/2006/relationships" xmlns:p="http://schemas.openxmlformats.org/presentationml/2006/main">
+  <p:cSld>
+    <p:spTree>
+      <p:nvGrpSpPr>
+        <p:cNvPr id="1" name=""/>
+        <p:cNvGrpSpPr/>
+        <p:nvPr/>
+      </p:nvGrpSpPr>
+      <p:grpSpPr>
+        <a:xfrm>
+          <a:off x="0" y="0"/>
+          <a:ext cx="0" cy="0"/>
+          <a:chOff x="0" y="0"/>
+          <a:chExt cx="0" cy="0"/>
+        </a:xfrm>
+      </p:grpSpPr>
+      <p:sp>
+        <p:nvSpPr>
+          <p:cNvPr id="2" name="标题 1"/>
+          <p:cNvSpPr>
+            <a:spLocks noGrp="1"/>
+          </p:cNvSpPr>
+          <p:nvPr>
+            <p:ph type="title"/>
+          </p:nvPr>
+        </p:nvSpPr>
+        <p:spPr/>
+        <p:txBody>
+          <a:bodyPr/>
+          <a:lstStyle/>
+          <a:p>
+            <a:r>
+              <a:rPr lang="zh-CN" altLang="en-US" dirty="0" smtClean="0"/>
+              <a:t>前端模块</a:t>
+            </a:r>
+            <a:r>
+              <a:rPr lang="en-US" altLang="zh-CN" dirty="0" smtClean="0"/>
+              <a:t>-</a:t>
+            </a:r>
+            <a:r>
+              <a:rPr lang="zh-CN" altLang="en-US" dirty="0" smtClean="0"/>
+              <a:t>通信</a:t>
+            </a:r>
+            <a:endParaRPr lang="zh-CN" altLang="en-US" dirty="0"/>
+          </a:p>
+        </p:txBody>
+      </p:sp>
+      <p:sp>
+        <p:nvSpPr>
+          <p:cNvPr id="3" name="内容占位符 2"/>
+          <p:cNvSpPr>
+            <a:spLocks noGrp="1"/>
+          </p:cNvSpPr>
+          <p:nvPr>
+            <p:ph idx="1"/>
+          </p:nvPr>
+        </p:nvSpPr>
+        <p:spPr/>
+        <p:txBody>
+          <a:bodyPr/>
+          <a:lstStyle/>
+          <a:p>
+            <a:r>
+              <a:rPr lang="zh-CN" altLang="en-US" dirty="0"/>
+              <a:t>通信模块</a:t>
+            </a:r>
+          </a:p>
+          <a:p>
+            <a:r>
+              <a:rPr lang="en-US" altLang="zh-CN" dirty="0" err="1"/>
+              <a:t>SearchEnter.php</a:t>
+            </a:r>
+            <a:r>
+              <a:rPr lang="zh-CN" altLang="en-US" dirty="0"/>
+              <a:t>（搜索传参根据参数调用不同模块入口）</a:t>
+            </a:r>
+          </a:p>
+          <a:p>
+            <a:r>
+              <a:rPr lang="en-US" altLang="zh-CN" dirty="0" err="1"/>
+              <a:t>UnixDomainSocket.php</a:t>
+            </a:r>
+            <a:r>
+              <a:rPr lang="zh-CN" altLang="en-US" dirty="0"/>
+              <a:t>（本地套接字）</a:t>
+            </a:r>
+          </a:p>
+          <a:p>
+            <a:r>
+              <a:rPr lang="en-US" altLang="zh-CN" dirty="0" err="1"/>
+              <a:t>EncapAndDecap.php</a:t>
+            </a:r>
+            <a:r>
+              <a:rPr lang="zh-CN" altLang="en-US" dirty="0"/>
+              <a:t>（传递报文的解析和封装</a:t>
+            </a:r>
+            <a:r>
+              <a:rPr lang="zh-CN" altLang="en-US" dirty="0" smtClean="0"/>
+              <a:t>）</a:t>
+            </a:r>
+            <a:endParaRPr lang="zh-CN" altLang="en-US" dirty="0"/>
+          </a:p>
+        </p:txBody>
+      </p:sp>
+    </p:spTree>
+    <p:extLst>
+      <p:ext uri="{BB962C8B-B14F-4D97-AF65-F5344CB8AC3E}">
+        <p14:creationId xmlns:p14="http://schemas.microsoft.com/office/powerpoint/2010/main" val="332048356"/>
+      </p:ext>
+    </p:extLst>
+  </p:cSld>
+  <p:clrMapOvr>
+    <a:masterClrMapping/>
+  </p:clrMapOvr>
+  <p:timing>
+    <p:tnLst>
+      <p:par>
+        <p:cTn id="1" dur="indefinite" restart="never" nodeType="tmRoot"/>
+      </p:par>
+    </p:tnLst>
+  </p:timing>
+</p:sld>
+</file>
+
+<file path=ppt/slides/slide45.xml><?xml version="1.0" encoding="utf-8"?>
+<p:sld xmlns:a="http://schemas.openxmlformats.org/drawingml/2006/main" xmlns:r="http://schemas.openxmlformats.org/officeDocument/2006/relationships" xmlns:p="http://schemas.openxmlformats.org/presentationml/2006/main">
+  <p:cSld>
+    <p:spTree>
+      <p:nvGrpSpPr>
+        <p:cNvPr id="1" name=""/>
+        <p:cNvGrpSpPr/>
+        <p:nvPr/>
+      </p:nvGrpSpPr>
+      <p:grpSpPr>
+        <a:xfrm>
+          <a:off x="0" y="0"/>
+          <a:ext cx="0" cy="0"/>
+          <a:chOff x="0" y="0"/>
+          <a:chExt cx="0" cy="0"/>
+        </a:xfrm>
+      </p:grpSpPr>
+      <p:sp>
+        <p:nvSpPr>
+          <p:cNvPr id="2" name="标题 1"/>
+          <p:cNvSpPr>
+            <a:spLocks noGrp="1"/>
+          </p:cNvSpPr>
+          <p:nvPr>
+            <p:ph type="title"/>
+          </p:nvPr>
+        </p:nvSpPr>
+        <p:spPr/>
+        <p:txBody>
+          <a:bodyPr/>
+          <a:lstStyle/>
+          <a:p>
+            <a:r>
+              <a:rPr lang="zh-CN" altLang="en-US" dirty="0" smtClean="0"/>
+              <a:t>前端模块</a:t>
+            </a:r>
+            <a:r>
+              <a:rPr lang="en-US" altLang="zh-CN" dirty="0" smtClean="0"/>
+              <a:t>-</a:t>
+            </a:r>
+            <a:r>
+              <a:rPr lang="zh-CN" altLang="en-US" dirty="0" smtClean="0"/>
+              <a:t>概念图谱</a:t>
+            </a:r>
+            <a:endParaRPr lang="zh-CN" altLang="en-US" dirty="0"/>
+          </a:p>
+        </p:txBody>
+      </p:sp>
+      <p:sp>
+        <p:nvSpPr>
+          <p:cNvPr id="3" name="内容占位符 2"/>
+          <p:cNvSpPr>
+            <a:spLocks noGrp="1"/>
+          </p:cNvSpPr>
+          <p:nvPr>
+            <p:ph sz="half" idx="1"/>
+          </p:nvPr>
+        </p:nvSpPr>
+        <p:spPr/>
+        <p:txBody>
+          <a:bodyPr/>
+          <a:lstStyle/>
+          <a:p>
+            <a:pPr marL="285750" indent="-285750">
+              <a:buFont typeface="Wingdings" panose="05000000000000000000" pitchFamily="2" charset="2"/>
+              <a:buChar char="n"/>
+            </a:pPr>
+            <a:r>
+              <a:rPr lang="en-US" altLang="zh-CN" dirty="0"/>
+              <a:t>Index2ConceptMap.php</a:t>
+            </a:r>
+            <a:r>
+              <a:rPr lang="zh-CN" altLang="en-US" dirty="0"/>
+              <a:t>（展示概念）</a:t>
+            </a:r>
+          </a:p>
+          <a:p>
+            <a:pPr marL="285750" indent="-285750">
+              <a:buFont typeface="Wingdings" panose="05000000000000000000" pitchFamily="2" charset="2"/>
+              <a:buChar char="n"/>
+            </a:pPr>
+            <a:r>
+              <a:rPr lang="en-US" altLang="zh-CN" dirty="0" err="1"/>
+              <a:t>ConceptMap.php</a:t>
+            </a:r>
+            <a:r>
+              <a:rPr lang="zh-CN" altLang="en-US" dirty="0"/>
+              <a:t>（读取概念）</a:t>
+            </a:r>
+          </a:p>
+          <a:p>
+            <a:pPr marL="285750" indent="-285750">
+              <a:buFont typeface="Wingdings" panose="05000000000000000000" pitchFamily="2" charset="2"/>
+              <a:buChar char="n"/>
+            </a:pPr>
+            <a:r>
+              <a:rPr lang="zh-CN" altLang="en-US" dirty="0"/>
+              <a:t>将概念通过</a:t>
+            </a:r>
+            <a:r>
+              <a:rPr lang="en-US" altLang="zh-CN" dirty="0"/>
+              <a:t>D3</a:t>
+            </a:r>
+            <a:r>
+              <a:rPr lang="zh-CN" altLang="en-US" dirty="0"/>
+              <a:t>变成概念图谱，便于读者理解概念之间的相关性，加深知识</a:t>
+            </a:r>
+            <a:r>
+              <a:rPr lang="zh-CN" altLang="en-US" dirty="0" smtClean="0"/>
+              <a:t>印象</a:t>
+            </a:r>
+            <a:endParaRPr lang="zh-CN" altLang="en-US" dirty="0"/>
+          </a:p>
+        </p:txBody>
+      </p:sp>
+      <p:pic>
+        <p:nvPicPr>
+          <p:cNvPr id="5" name="Picture 2"/>
+          <p:cNvPicPr>
+            <a:picLocks noGrp="1" noChangeAspect="1" noChangeArrowheads="1"/>
+          </p:cNvPicPr>
+          <p:nvPr>
+            <p:ph sz="half" idx="2"/>
+          </p:nvPr>
+        </p:nvPicPr>
+        <p:blipFill>
+          <a:blip r:embed="rId2">
+            <a:extLst>
+              <a:ext uri="{28A0092B-C50C-407E-A947-70E740481C1C}">
+                <a14:useLocalDpi xmlns:a14="http://schemas.microsoft.com/office/drawing/2010/main" val="0"/>
+              </a:ext>
+            </a:extLst>
+          </a:blip>
+          <a:srcRect/>
+          <a:stretch>
+            <a:fillRect/>
+          </a:stretch>
+        </p:blipFill>
+        <p:spPr bwMode="auto">
+          <a:xfrm>
+            <a:off x="6524625" y="2406908"/>
+            <a:ext cx="4448175" cy="3339584"/>
+          </a:xfrm>
+          <a:prstGeom prst="rect">
+            <a:avLst/>
+          </a:prstGeom>
+          <a:noFill/>
+          <a:ln>
+            <a:noFill/>
+          </a:ln>
+          <a:extLst>
+            <a:ext uri="{909E8E84-426E-40DD-AFC4-6F175D3DCCD1}">
+              <a14:hiddenFill xmlns:a14="http://schemas.microsoft.com/office/drawing/2010/main">
+                <a:solidFill>
+                  <a:schemeClr val="accent1"/>
+                </a:solidFill>
+              </a14:hiddenFill>
+            </a:ext>
+            <a:ext uri="{91240B29-F687-4F45-9708-019B960494DF}">
+              <a14:hiddenLine xmlns:a14="http://schemas.microsoft.com/office/drawing/2010/main" w="9525">
+                <a:solidFill>
+                  <a:schemeClr val="tx1"/>
+                </a:solidFill>
+                <a:miter lim="800000"/>
+                <a:headEnd/>
+                <a:tailEnd/>
+              </a14:hiddenLine>
+            </a:ext>
+          </a:extLst>
+        </p:spPr>
+      </p:pic>
+    </p:spTree>
+    <p:extLst>
+      <p:ext uri="{BB962C8B-B14F-4D97-AF65-F5344CB8AC3E}">
+        <p14:creationId xmlns:p14="http://schemas.microsoft.com/office/powerpoint/2010/main" val="1556476510"/>
+      </p:ext>
+    </p:extLst>
+  </p:cSld>
+  <p:clrMapOvr>
+    <a:masterClrMapping/>
+  </p:clrMapOvr>
+  <p:timing>
+    <p:tnLst>
+      <p:par>
+        <p:cTn id="1" dur="indefinite" restart="never" nodeType="tmRoot"/>
+      </p:par>
+    </p:tnLst>
+  </p:timing>
+</p:sld>
+</file>
+
+<file path=ppt/slides/slide46.xml><?xml version="1.0" encoding="utf-8"?>
+<p:sld xmlns:a="http://schemas.openxmlformats.org/drawingml/2006/main" xmlns:r="http://schemas.openxmlformats.org/officeDocument/2006/relationships" xmlns:p="http://schemas.openxmlformats.org/presentationml/2006/main">
+  <p:cSld>
+    <p:spTree>
+      <p:nvGrpSpPr>
+        <p:cNvPr id="1" name=""/>
+        <p:cNvGrpSpPr/>
+        <p:nvPr/>
+      </p:nvGrpSpPr>
+      <p:grpSpPr>
+        <a:xfrm>
+          <a:off x="0" y="0"/>
+          <a:ext cx="0" cy="0"/>
+          <a:chOff x="0" y="0"/>
+          <a:chExt cx="0" cy="0"/>
+        </a:xfrm>
+      </p:grpSpPr>
+      <p:sp>
+        <p:nvSpPr>
+          <p:cNvPr id="2" name="标题 1"/>
+          <p:cNvSpPr>
+            <a:spLocks noGrp="1"/>
+          </p:cNvSpPr>
+          <p:nvPr>
+            <p:ph type="title"/>
+          </p:nvPr>
+        </p:nvSpPr>
+        <p:spPr/>
+        <p:txBody>
+          <a:bodyPr/>
+          <a:lstStyle/>
+          <a:p>
+            <a:r>
+              <a:rPr lang="zh-CN" altLang="en-US" dirty="0" smtClean="0"/>
+              <a:t>前端模块</a:t>
+            </a:r>
+            <a:r>
+              <a:rPr lang="en-US" altLang="zh-CN" dirty="0" smtClean="0"/>
+              <a:t>-</a:t>
+            </a:r>
+            <a:r>
+              <a:rPr lang="zh-CN" altLang="en-US" dirty="0" smtClean="0"/>
+              <a:t>结果输出</a:t>
+            </a:r>
+            <a:endParaRPr lang="zh-CN" altLang="en-US" dirty="0"/>
+          </a:p>
+        </p:txBody>
+      </p:sp>
+      <p:sp>
+        <p:nvSpPr>
+          <p:cNvPr id="3" name="内容占位符 2"/>
+          <p:cNvSpPr>
+            <a:spLocks noGrp="1"/>
+          </p:cNvSpPr>
+          <p:nvPr>
+            <p:ph idx="1"/>
+          </p:nvPr>
+        </p:nvSpPr>
+        <p:spPr/>
+        <p:txBody>
+          <a:bodyPr/>
+          <a:lstStyle/>
+          <a:p>
+            <a:r>
+              <a:rPr lang="en-US" altLang="zh-CN" dirty="0" err="1"/>
+              <a:t>GetResultList.php</a:t>
+            </a:r>
+            <a:r>
+              <a:rPr lang="zh-CN" altLang="en-US" dirty="0"/>
+              <a:t>（获取搜索结果）</a:t>
+            </a:r>
+          </a:p>
+          <a:p>
+            <a:r>
+              <a:rPr lang="en-US" altLang="zh-CN" dirty="0" err="1"/>
+              <a:t>LaTexTransfer.php</a:t>
+            </a:r>
+            <a:r>
+              <a:rPr lang="zh-CN" altLang="en-US" dirty="0"/>
+              <a:t>（搜索结果的</a:t>
+            </a:r>
+            <a:r>
+              <a:rPr lang="en-US" altLang="zh-CN" dirty="0" err="1"/>
+              <a:t>LaTex</a:t>
+            </a:r>
+            <a:r>
+              <a:rPr lang="zh-CN" altLang="en-US" dirty="0"/>
+              <a:t>公式</a:t>
+            </a:r>
+            <a:r>
+              <a:rPr lang="en-US" altLang="zh-CN" dirty="0" err="1"/>
+              <a:t>Mathjax</a:t>
+            </a:r>
+            <a:r>
+              <a:rPr lang="zh-CN" altLang="en-US" dirty="0"/>
+              <a:t>映射、关键词高亮、自动换行、部分字符转换）</a:t>
+            </a:r>
+          </a:p>
+          <a:p>
+            <a:r>
+              <a:rPr lang="en-US" altLang="zh-CN" dirty="0"/>
+              <a:t>Index2ResultList.php</a:t>
+            </a:r>
+            <a:r>
+              <a:rPr lang="zh-CN" altLang="en-US" dirty="0"/>
+              <a:t>（搜索结果封装与分类）</a:t>
+            </a:r>
+          </a:p>
+          <a:p>
+            <a:r>
+              <a:rPr lang="en-US" altLang="zh-CN" dirty="0" err="1"/>
+              <a:t>Page.php</a:t>
+            </a:r>
+            <a:r>
+              <a:rPr lang="zh-CN" altLang="en-US" dirty="0"/>
+              <a:t>（搜索结果展示</a:t>
+            </a:r>
+            <a:r>
+              <a:rPr lang="zh-CN" altLang="en-US" dirty="0" smtClean="0"/>
+              <a:t>）</a:t>
+            </a:r>
+            <a:endParaRPr lang="zh-CN" altLang="en-US" dirty="0"/>
+          </a:p>
+        </p:txBody>
+      </p:sp>
+    </p:spTree>
+    <p:extLst>
+      <p:ext uri="{BB962C8B-B14F-4D97-AF65-F5344CB8AC3E}">
+        <p14:creationId xmlns:p14="http://schemas.microsoft.com/office/powerpoint/2010/main" val="1596585828"/>
+      </p:ext>
+    </p:extLst>
+  </p:cSld>
+  <p:clrMapOvr>
+    <a:masterClrMapping/>
+  </p:clrMapOvr>
+  <p:timing>
+    <p:tnLst>
+      <p:par>
+        <p:cTn id="1" dur="indefinite" restart="never" nodeType="tmRoot"/>
+      </p:par>
+    </p:tnLst>
+  </p:timing>
+</p:sld>
+</file>
+
+<file path=ppt/slides/slide47.xml><?xml version="1.0" encoding="utf-8"?>
+<p:sld xmlns:a="http://schemas.openxmlformats.org/drawingml/2006/main" xmlns:r="http://schemas.openxmlformats.org/officeDocument/2006/relationships" xmlns:p="http://schemas.openxmlformats.org/presentationml/2006/main">
+  <p:cSld>
+    <p:spTree>
+      <p:nvGrpSpPr>
+        <p:cNvPr id="1" name=""/>
+        <p:cNvGrpSpPr/>
+        <p:nvPr/>
+      </p:nvGrpSpPr>
+      <p:grpSpPr>
+        <a:xfrm>
+          <a:off x="0" y="0"/>
+          <a:ext cx="0" cy="0"/>
+          <a:chOff x="0" y="0"/>
+          <a:chExt cx="0" cy="0"/>
+        </a:xfrm>
+      </p:grpSpPr>
+      <p:sp>
+        <p:nvSpPr>
+          <p:cNvPr id="2" name="标题 1"/>
+          <p:cNvSpPr>
+            <a:spLocks noGrp="1"/>
+          </p:cNvSpPr>
+          <p:nvPr>
+            <p:ph type="title"/>
+          </p:nvPr>
+        </p:nvSpPr>
+        <p:spPr/>
+        <p:txBody>
+          <a:bodyPr/>
+          <a:lstStyle/>
+          <a:p>
+            <a:r>
+              <a:rPr lang="zh-CN" altLang="en-US" dirty="0" smtClean="0"/>
+              <a:t>文本搜索</a:t>
+            </a:r>
+            <a:endParaRPr lang="zh-CN" altLang="en-US" dirty="0"/>
+          </a:p>
+        </p:txBody>
+      </p:sp>
+      <p:sp>
+        <p:nvSpPr>
+          <p:cNvPr id="3" name="文本占位符 2"/>
+          <p:cNvSpPr>
+            <a:spLocks noGrp="1"/>
+          </p:cNvSpPr>
+          <p:nvPr>
+            <p:ph type="body" idx="1"/>
+          </p:nvPr>
+        </p:nvSpPr>
+        <p:spPr/>
+        <p:txBody>
+          <a:bodyPr/>
+          <a:lstStyle/>
+          <a:p>
+            <a:r>
+              <a:rPr lang="en-US" altLang="zh-CN" dirty="0"/>
+              <a:t>Article</a:t>
+            </a:r>
+            <a:r>
+              <a:rPr lang="zh-CN" altLang="en-US" dirty="0"/>
+              <a:t>、</a:t>
+            </a:r>
+            <a:r>
+              <a:rPr lang="en-US" altLang="zh-CN" dirty="0"/>
+              <a:t>Property</a:t>
+            </a:r>
+            <a:r>
+              <a:rPr lang="zh-CN" altLang="en-US" dirty="0"/>
+              <a:t>、</a:t>
+            </a:r>
+            <a:r>
+              <a:rPr lang="en-US" altLang="zh-CN" dirty="0"/>
+              <a:t>Definition</a:t>
+            </a:r>
+            <a:r>
+              <a:rPr lang="zh-CN" altLang="en-US" dirty="0"/>
+              <a:t>、</a:t>
+            </a:r>
+            <a:r>
+              <a:rPr lang="en-US" altLang="zh-CN" dirty="0"/>
+              <a:t>Example</a:t>
+            </a:r>
+            <a:r>
+              <a:rPr lang="zh-CN" altLang="en-US" dirty="0"/>
+              <a:t>、</a:t>
+            </a:r>
+            <a:r>
+              <a:rPr lang="en-US" altLang="zh-CN" dirty="0"/>
+              <a:t>Exercise</a:t>
+            </a:r>
+          </a:p>
+          <a:p>
+            <a:endParaRPr lang="zh-CN" altLang="en-US" dirty="0"/>
+          </a:p>
+        </p:txBody>
+      </p:sp>
+    </p:spTree>
+    <p:extLst>
+      <p:ext uri="{BB962C8B-B14F-4D97-AF65-F5344CB8AC3E}">
+        <p14:creationId xmlns:p14="http://schemas.microsoft.com/office/powerpoint/2010/main" val="1389665367"/>
+      </p:ext>
+    </p:extLst>
+  </p:cSld>
+  <p:clrMapOvr>
+    <a:masterClrMapping/>
+  </p:clrMapOvr>
+  <p:timing>
+    <p:tnLst>
+      <p:par>
+        <p:cTn id="1" dur="indefinite" restart="never" nodeType="tmRoot"/>
+      </p:par>
+    </p:tnLst>
+  </p:timing>
+</p:sld>
+</file>
+
+<file path=ppt/slides/slide48.xml><?xml version="1.0" encoding="utf-8"?>
+<p:sld xmlns:a="http://schemas.openxmlformats.org/drawingml/2006/main" xmlns:r="http://schemas.openxmlformats.org/officeDocument/2006/relationships" xmlns:p="http://schemas.openxmlformats.org/presentationml/2006/main">
+  <p:cSld>
+    <p:spTree>
+      <p:nvGrpSpPr>
+        <p:cNvPr id="1" name=""/>
+        <p:cNvGrpSpPr/>
+        <p:nvPr/>
+      </p:nvGrpSpPr>
+      <p:grpSpPr>
+        <a:xfrm>
+          <a:off x="0" y="0"/>
+          <a:ext cx="0" cy="0"/>
+          <a:chOff x="0" y="0"/>
+          <a:chExt cx="0" cy="0"/>
+        </a:xfrm>
+      </p:grpSpPr>
+      <p:sp>
+        <p:nvSpPr>
+          <p:cNvPr id="2" name="标题 1"/>
+          <p:cNvSpPr>
+            <a:spLocks noGrp="1"/>
+          </p:cNvSpPr>
+          <p:nvPr>
+            <p:ph type="title"/>
+          </p:nvPr>
+        </p:nvSpPr>
+        <p:spPr/>
+        <p:txBody>
+          <a:bodyPr/>
+          <a:lstStyle/>
+          <a:p>
+            <a:r>
+              <a:rPr lang="en-US" altLang="zh-CN" dirty="0" smtClean="0"/>
+              <a:t>1. </a:t>
+            </a:r>
+            <a:r>
+              <a:rPr lang="zh-CN" altLang="en-US" dirty="0" smtClean="0"/>
+              <a:t>输入关键词</a:t>
+            </a:r>
+            <a:endParaRPr lang="zh-CN" altLang="en-US" dirty="0"/>
+          </a:p>
+        </p:txBody>
+      </p:sp>
+      <p:pic>
+        <p:nvPicPr>
+          <p:cNvPr id="4" name="Picture 2"/>
+          <p:cNvPicPr>
+            <a:picLocks noGrp="1" noChangeAspect="1" noChangeArrowheads="1"/>
+          </p:cNvPicPr>
+          <p:nvPr>
+            <p:ph idx="1"/>
+          </p:nvPr>
+        </p:nvPicPr>
+        <p:blipFill>
+          <a:blip r:embed="rId2">
+            <a:extLst>
+              <a:ext uri="{28A0092B-C50C-407E-A947-70E740481C1C}">
+                <a14:useLocalDpi xmlns:a14="http://schemas.microsoft.com/office/drawing/2010/main" val="0"/>
+              </a:ext>
+            </a:extLst>
+          </a:blip>
+          <a:srcRect/>
+          <a:stretch>
+            <a:fillRect/>
+          </a:stretch>
+        </p:blipFill>
+        <p:spPr bwMode="auto">
+          <a:xfrm>
+            <a:off x="3200147" y="1814253"/>
+            <a:ext cx="5944105" cy="4445231"/>
+          </a:xfrm>
+          <a:prstGeom prst="rect">
+            <a:avLst/>
+          </a:prstGeom>
+          <a:noFill/>
+          <a:ln>
+            <a:noFill/>
+          </a:ln>
+          <a:extLst>
+            <a:ext uri="{909E8E84-426E-40DD-AFC4-6F175D3DCCD1}">
+              <a14:hiddenFill xmlns:a14="http://schemas.microsoft.com/office/drawing/2010/main">
+                <a:solidFill>
+                  <a:schemeClr val="accent1"/>
+                </a:solidFill>
+              </a14:hiddenFill>
+            </a:ext>
+            <a:ext uri="{91240B29-F687-4F45-9708-019B960494DF}">
+              <a14:hiddenLine xmlns:a14="http://schemas.microsoft.com/office/drawing/2010/main" w="9525">
+                <a:solidFill>
+                  <a:schemeClr val="tx1"/>
+                </a:solidFill>
+                <a:miter lim="800000"/>
+                <a:headEnd/>
+                <a:tailEnd/>
+              </a14:hiddenLine>
+            </a:ext>
+          </a:extLst>
+        </p:spPr>
+      </p:pic>
+    </p:spTree>
+    <p:extLst>
+      <p:ext uri="{BB962C8B-B14F-4D97-AF65-F5344CB8AC3E}">
+        <p14:creationId xmlns:p14="http://schemas.microsoft.com/office/powerpoint/2010/main" val="2372492565"/>
+      </p:ext>
+    </p:extLst>
+  </p:cSld>
+  <p:clrMapOvr>
+    <a:masterClrMapping/>
+  </p:clrMapOvr>
+  <p:timing>
+    <p:tnLst>
+      <p:par>
+        <p:cTn id="1" dur="indefinite" restart="never" nodeType="tmRoot"/>
+      </p:par>
+    </p:tnLst>
+  </p:timing>
+</p:sld>
+</file>
+
+<file path=ppt/slides/slide49.xml><?xml version="1.0" encoding="utf-8"?>
+<p:sld xmlns:a="http://schemas.openxmlformats.org/drawingml/2006/main" xmlns:r="http://schemas.openxmlformats.org/officeDocument/2006/relationships" xmlns:p="http://schemas.openxmlformats.org/presentationml/2006/main">
+  <p:cSld>
+    <p:spTree>
+      <p:nvGrpSpPr>
+        <p:cNvPr id="1" name=""/>
+        <p:cNvGrpSpPr/>
+        <p:nvPr/>
+      </p:nvGrpSpPr>
+      <p:grpSpPr>
+        <a:xfrm>
+          <a:off x="0" y="0"/>
+          <a:ext cx="0" cy="0"/>
+          <a:chOff x="0" y="0"/>
+          <a:chExt cx="0" cy="0"/>
+        </a:xfrm>
+      </p:grpSpPr>
+      <p:sp>
+        <p:nvSpPr>
+          <p:cNvPr id="2" name="标题 1"/>
+          <p:cNvSpPr>
+            <a:spLocks noGrp="1"/>
+          </p:cNvSpPr>
+          <p:nvPr>
+            <p:ph type="title"/>
+          </p:nvPr>
+        </p:nvSpPr>
+        <p:spPr/>
+        <p:txBody>
+          <a:bodyPr/>
+          <a:lstStyle/>
+          <a:p>
+            <a:r>
+              <a:rPr lang="en-US" altLang="zh-CN" dirty="0" smtClean="0"/>
+              <a:t>2. </a:t>
+            </a:r>
+            <a:r>
+              <a:rPr lang="zh-CN" altLang="en-US" dirty="0" smtClean="0"/>
+              <a:t>输入公式</a:t>
+            </a:r>
+            <a:endParaRPr lang="zh-CN" altLang="en-US" dirty="0"/>
+          </a:p>
+        </p:txBody>
+      </p:sp>
+      <p:pic>
+        <p:nvPicPr>
+          <p:cNvPr id="4" name="Picture 2"/>
+          <p:cNvPicPr>
+            <a:picLocks noGrp="1" noChangeAspect="1" noChangeArrowheads="1"/>
+          </p:cNvPicPr>
+          <p:nvPr>
+            <p:ph idx="1"/>
+          </p:nvPr>
+        </p:nvPicPr>
+        <p:blipFill>
+          <a:blip r:embed="rId2">
+            <a:extLst>
+              <a:ext uri="{28A0092B-C50C-407E-A947-70E740481C1C}">
+                <a14:useLocalDpi xmlns:a14="http://schemas.microsoft.com/office/drawing/2010/main" val="0"/>
+              </a:ext>
+            </a:extLst>
+          </a:blip>
+          <a:srcRect/>
+          <a:stretch>
+            <a:fillRect/>
+          </a:stretch>
+        </p:blipFill>
+        <p:spPr bwMode="auto">
+          <a:xfrm>
+            <a:off x="3595511" y="1519758"/>
+            <a:ext cx="5153377" cy="5202658"/>
+          </a:xfrm>
+          <a:prstGeom prst="rect">
+            <a:avLst/>
+          </a:prstGeom>
+          <a:noFill/>
+          <a:ln>
+            <a:noFill/>
+          </a:ln>
+          <a:extLst>
+            <a:ext uri="{909E8E84-426E-40DD-AFC4-6F175D3DCCD1}">
+              <a14:hiddenFill xmlns:a14="http://schemas.microsoft.com/office/drawing/2010/main">
+                <a:solidFill>
+                  <a:schemeClr val="accent1"/>
+                </a:solidFill>
+              </a14:hiddenFill>
+            </a:ext>
+            <a:ext uri="{91240B29-F687-4F45-9708-019B960494DF}">
+              <a14:hiddenLine xmlns:a14="http://schemas.microsoft.com/office/drawing/2010/main" w="9525">
+                <a:solidFill>
+                  <a:schemeClr val="tx1"/>
+                </a:solidFill>
+                <a:miter lim="800000"/>
+                <a:headEnd/>
+                <a:tailEnd/>
+              </a14:hiddenLine>
+            </a:ext>
+          </a:extLst>
+        </p:spPr>
+      </p:pic>
+    </p:spTree>
+    <p:extLst>
+      <p:ext uri="{BB962C8B-B14F-4D97-AF65-F5344CB8AC3E}">
+        <p14:creationId xmlns:p14="http://schemas.microsoft.com/office/powerpoint/2010/main" val="257509821"/>
+      </p:ext>
+    </p:extLst>
+  </p:cSld>
+  <p:clrMapOvr>
+    <a:masterClrMapping/>
+  </p:clrMapOvr>
+  <p:timing>
+    <p:tnLst>
+      <p:par>
+        <p:cTn id="1" dur="indefinite" restart="never" nodeType="tmRoot"/>
+      </p:par>
+    </p:tnLst>
+  </p:timing>
+</p:sld>
+</file>
+
 <file path=ppt/slides/slide5.xml><?xml version="1.0" encoding="utf-8"?>
 <p:sld xmlns:a="http://schemas.openxmlformats.org/drawingml/2006/main" xmlns:r="http://schemas.openxmlformats.org/officeDocument/2006/relationships" xmlns:p="http://schemas.openxmlformats.org/presentationml/2006/main">
   <p:cSld>
@@ -10020,6 +12959,453 @@
     <p:extLst>
       <p:ext uri="{BB962C8B-B14F-4D97-AF65-F5344CB8AC3E}">
         <p14:creationId xmlns:p14="http://schemas.microsoft.com/office/powerpoint/2010/main" val="160804544"/>
+      </p:ext>
+    </p:extLst>
+  </p:cSld>
+  <p:clrMapOvr>
+    <a:masterClrMapping/>
+  </p:clrMapOvr>
+  <p:timing>
+    <p:tnLst>
+      <p:par>
+        <p:cTn id="1" dur="indefinite" restart="never" nodeType="tmRoot"/>
+      </p:par>
+    </p:tnLst>
+  </p:timing>
+</p:sld>
+</file>
+
+<file path=ppt/slides/slide50.xml><?xml version="1.0" encoding="utf-8"?>
+<p:sld xmlns:a="http://schemas.openxmlformats.org/drawingml/2006/main" xmlns:r="http://schemas.openxmlformats.org/officeDocument/2006/relationships" xmlns:p="http://schemas.openxmlformats.org/presentationml/2006/main">
+  <p:cSld>
+    <p:spTree>
+      <p:nvGrpSpPr>
+        <p:cNvPr id="1" name=""/>
+        <p:cNvGrpSpPr/>
+        <p:nvPr/>
+      </p:nvGrpSpPr>
+      <p:grpSpPr>
+        <a:xfrm>
+          <a:off x="0" y="0"/>
+          <a:ext cx="0" cy="0"/>
+          <a:chOff x="0" y="0"/>
+          <a:chExt cx="0" cy="0"/>
+        </a:xfrm>
+      </p:grpSpPr>
+      <p:sp>
+        <p:nvSpPr>
+          <p:cNvPr id="2" name="标题 1"/>
+          <p:cNvSpPr>
+            <a:spLocks noGrp="1"/>
+          </p:cNvSpPr>
+          <p:nvPr>
+            <p:ph type="ctrTitle"/>
+          </p:nvPr>
+        </p:nvSpPr>
+        <p:spPr/>
+        <p:txBody>
+          <a:bodyPr/>
+          <a:lstStyle/>
+          <a:p>
+            <a:r>
+              <a:rPr lang="en-US" altLang="zh-CN" sz="4400" dirty="0"/>
+              <a:t>3.</a:t>
+            </a:r>
+            <a:r>
+              <a:rPr lang="zh-CN" altLang="en-US" sz="4400" dirty="0"/>
+              <a:t>同时输入公式和关键词、输入多个关键词自动分词等都</a:t>
+            </a:r>
+            <a:r>
+              <a:rPr lang="zh-CN" altLang="en-US" sz="4400" dirty="0" smtClean="0"/>
+              <a:t>支持</a:t>
+            </a:r>
+            <a:endParaRPr lang="zh-CN" altLang="en-US" sz="4400" dirty="0"/>
+          </a:p>
+        </p:txBody>
+      </p:sp>
+    </p:spTree>
+    <p:extLst>
+      <p:ext uri="{BB962C8B-B14F-4D97-AF65-F5344CB8AC3E}">
+        <p14:creationId xmlns:p14="http://schemas.microsoft.com/office/powerpoint/2010/main" val="889767006"/>
+      </p:ext>
+    </p:extLst>
+  </p:cSld>
+  <p:clrMapOvr>
+    <a:masterClrMapping/>
+  </p:clrMapOvr>
+  <p:timing>
+    <p:tnLst>
+      <p:par>
+        <p:cTn id="1" dur="indefinite" restart="never" nodeType="tmRoot"/>
+      </p:par>
+    </p:tnLst>
+  </p:timing>
+</p:sld>
+</file>
+
+<file path=ppt/slides/slide51.xml><?xml version="1.0" encoding="utf-8"?>
+<p:sld xmlns:a="http://schemas.openxmlformats.org/drawingml/2006/main" xmlns:r="http://schemas.openxmlformats.org/officeDocument/2006/relationships" xmlns:p="http://schemas.openxmlformats.org/presentationml/2006/main">
+  <p:cSld>
+    <p:spTree>
+      <p:nvGrpSpPr>
+        <p:cNvPr id="1" name=""/>
+        <p:cNvGrpSpPr/>
+        <p:nvPr/>
+      </p:nvGrpSpPr>
+      <p:grpSpPr>
+        <a:xfrm>
+          <a:off x="0" y="0"/>
+          <a:ext cx="0" cy="0"/>
+          <a:chOff x="0" y="0"/>
+          <a:chExt cx="0" cy="0"/>
+        </a:xfrm>
+      </p:grpSpPr>
+      <p:sp>
+        <p:nvSpPr>
+          <p:cNvPr id="2" name="标题 1"/>
+          <p:cNvSpPr>
+            <a:spLocks noGrp="1"/>
+          </p:cNvSpPr>
+          <p:nvPr>
+            <p:ph type="title"/>
+          </p:nvPr>
+        </p:nvSpPr>
+        <p:spPr/>
+        <p:txBody>
+          <a:bodyPr/>
+          <a:lstStyle/>
+          <a:p>
+            <a:r>
+              <a:rPr lang="zh-CN" altLang="en-US" dirty="0" smtClean="0"/>
+              <a:t>摘要生成</a:t>
+            </a:r>
+            <a:endParaRPr lang="zh-CN" altLang="en-US" dirty="0"/>
+          </a:p>
+        </p:txBody>
+      </p:sp>
+    </p:spTree>
+    <p:extLst>
+      <p:ext uri="{BB962C8B-B14F-4D97-AF65-F5344CB8AC3E}">
+        <p14:creationId xmlns:p14="http://schemas.microsoft.com/office/powerpoint/2010/main" val="713031764"/>
+      </p:ext>
+    </p:extLst>
+  </p:cSld>
+  <p:clrMapOvr>
+    <a:masterClrMapping/>
+  </p:clrMapOvr>
+  <p:timing>
+    <p:tnLst>
+      <p:par>
+        <p:cTn id="1" dur="indefinite" restart="never" nodeType="tmRoot"/>
+      </p:par>
+    </p:tnLst>
+  </p:timing>
+</p:sld>
+</file>
+
+<file path=ppt/slides/slide52.xml><?xml version="1.0" encoding="utf-8"?>
+<p:sld xmlns:a="http://schemas.openxmlformats.org/drawingml/2006/main" xmlns:r="http://schemas.openxmlformats.org/officeDocument/2006/relationships" xmlns:p="http://schemas.openxmlformats.org/presentationml/2006/main">
+  <p:cSld>
+    <p:spTree>
+      <p:nvGrpSpPr>
+        <p:cNvPr id="1" name=""/>
+        <p:cNvGrpSpPr/>
+        <p:nvPr/>
+      </p:nvGrpSpPr>
+      <p:grpSpPr>
+        <a:xfrm>
+          <a:off x="0" y="0"/>
+          <a:ext cx="0" cy="0"/>
+          <a:chOff x="0" y="0"/>
+          <a:chExt cx="0" cy="0"/>
+        </a:xfrm>
+      </p:grpSpPr>
+      <p:sp>
+        <p:nvSpPr>
+          <p:cNvPr id="2" name="标题 1"/>
+          <p:cNvSpPr>
+            <a:spLocks noGrp="1"/>
+          </p:cNvSpPr>
+          <p:nvPr>
+            <p:ph type="title"/>
+          </p:nvPr>
+        </p:nvSpPr>
+        <p:spPr/>
+        <p:txBody>
+          <a:bodyPr/>
+          <a:lstStyle/>
+          <a:p>
+            <a:r>
+              <a:rPr lang="zh-CN" altLang="en-US" dirty="0" smtClean="0"/>
+              <a:t>算法</a:t>
+            </a:r>
+            <a:endParaRPr lang="zh-CN" altLang="en-US" dirty="0"/>
+          </a:p>
+        </p:txBody>
+      </p:sp>
+      <p:sp>
+        <p:nvSpPr>
+          <p:cNvPr id="3" name="内容占位符 2"/>
+          <p:cNvSpPr>
+            <a:spLocks noGrp="1"/>
+          </p:cNvSpPr>
+          <p:nvPr>
+            <p:ph idx="1"/>
+          </p:nvPr>
+        </p:nvSpPr>
+        <p:spPr/>
+        <p:txBody>
+          <a:bodyPr>
+            <a:normAutofit fontScale="92500" lnSpcReduction="10000"/>
+          </a:bodyPr>
+          <a:lstStyle/>
+          <a:p>
+            <a:pPr marL="0" indent="0">
+              <a:buNone/>
+            </a:pPr>
+            <a:r>
+              <a:rPr lang="en-US" altLang="zh-CN" dirty="0"/>
+              <a:t>1</a:t>
+            </a:r>
+            <a:r>
+              <a:rPr lang="en-US" altLang="zh-CN" dirty="0" smtClean="0"/>
+              <a:t>. </a:t>
+            </a:r>
+            <a:r>
+              <a:rPr lang="zh-CN" altLang="en-US" dirty="0" smtClean="0"/>
+              <a:t>将</a:t>
+            </a:r>
+            <a:r>
+              <a:rPr lang="zh-CN" altLang="en-US" dirty="0"/>
+              <a:t>一篇文章按照分隔符分成若干个句子</a:t>
+            </a:r>
+          </a:p>
+          <a:p>
+            <a:pPr marL="0" indent="0">
+              <a:buNone/>
+            </a:pPr>
+            <a:r>
+              <a:rPr lang="en-US" altLang="zh-CN" dirty="0"/>
+              <a:t>2</a:t>
+            </a:r>
+            <a:r>
+              <a:rPr lang="en-US" altLang="zh-CN" dirty="0" smtClean="0"/>
+              <a:t>. </a:t>
+            </a:r>
+            <a:r>
+              <a:rPr lang="zh-CN" altLang="en-US" dirty="0" smtClean="0"/>
+              <a:t>统计</a:t>
+            </a:r>
+            <a:r>
+              <a:rPr lang="zh-CN" altLang="en-US" dirty="0"/>
+              <a:t>句子里面关键字出现的次数，和关键字总长度占句子总长度的比值</a:t>
+            </a:r>
+          </a:p>
+          <a:p>
+            <a:pPr marL="0" indent="0">
+              <a:buNone/>
+            </a:pPr>
+            <a:r>
+              <a:rPr lang="en-US" altLang="zh-CN" dirty="0"/>
+              <a:t>3</a:t>
+            </a:r>
+            <a:r>
+              <a:rPr lang="en-US" altLang="zh-CN" dirty="0" smtClean="0"/>
+              <a:t>. </a:t>
+            </a:r>
+            <a:r>
+              <a:rPr lang="zh-CN" altLang="en-US" dirty="0" smtClean="0"/>
+              <a:t>按</a:t>
+            </a:r>
+            <a:r>
+              <a:rPr lang="zh-CN" altLang="en-US" dirty="0"/>
+              <a:t>下列公式计算句子的优先级</a:t>
+            </a:r>
+          </a:p>
+          <a:p>
+            <a:endParaRPr lang="zh-CN" altLang="en-US" dirty="0"/>
+          </a:p>
+          <a:p>
+            <a:endParaRPr lang="zh-CN" altLang="en-US" dirty="0"/>
+          </a:p>
+          <a:p>
+            <a:endParaRPr lang="zh-CN" altLang="en-US" dirty="0"/>
+          </a:p>
+          <a:p>
+            <a:endParaRPr lang="zh-CN" altLang="en-US" dirty="0"/>
+          </a:p>
+          <a:p>
+            <a:endParaRPr lang="zh-CN" altLang="en-US" dirty="0"/>
+          </a:p>
+          <a:p>
+            <a:pPr marL="0" indent="0">
+              <a:buNone/>
+            </a:pPr>
+            <a:r>
+              <a:rPr lang="en-US" altLang="zh-CN" dirty="0"/>
+              <a:t>4</a:t>
+            </a:r>
+            <a:r>
+              <a:rPr lang="en-US" altLang="zh-CN" dirty="0" smtClean="0"/>
+              <a:t>. </a:t>
+            </a:r>
+            <a:r>
+              <a:rPr lang="zh-CN" altLang="en-US" dirty="0" smtClean="0"/>
+              <a:t>句子</a:t>
+            </a:r>
+            <a:r>
+              <a:rPr lang="zh-CN" altLang="en-US" dirty="0"/>
+              <a:t>按优先级进入优先队列（排序规则重载为降序），选择</a:t>
+            </a:r>
+            <a:r>
+              <a:rPr lang="en-US" altLang="zh-CN" dirty="0" err="1"/>
+              <a:t>topN</a:t>
+            </a:r>
+            <a:r>
+              <a:rPr lang="zh-CN" altLang="en-US" dirty="0"/>
+              <a:t>拼接成为摘要</a:t>
+            </a:r>
+          </a:p>
+          <a:p>
+            <a:endParaRPr lang="zh-CN" altLang="en-US" dirty="0"/>
+          </a:p>
+        </p:txBody>
+      </p:sp>
+      <p:graphicFrame>
+        <p:nvGraphicFramePr>
+          <p:cNvPr id="4" name="对象 3">
+            <a:hlinkClick r:id="" action="ppaction://ole?verb=0"/>
+          </p:cNvPr>
+          <p:cNvGraphicFramePr>
+            <a:graphicFrameLocks noChangeAspect="1"/>
+          </p:cNvGraphicFramePr>
+          <p:nvPr>
+            <p:extLst>
+              <p:ext uri="{D42A27DB-BD31-4B8C-83A1-F6EECF244321}">
+                <p14:modId xmlns:p14="http://schemas.microsoft.com/office/powerpoint/2010/main" val="2218218813"/>
+              </p:ext>
+            </p:extLst>
+          </p:nvPr>
+        </p:nvGraphicFramePr>
+        <p:xfrm>
+          <a:off x="1959189" y="3547531"/>
+          <a:ext cx="7457440" cy="1621155"/>
+        </p:xfrm>
+        <a:graphic>
+          <a:graphicData uri="http://schemas.openxmlformats.org/presentationml/2006/ole">
+            <mc:AlternateContent xmlns:mc="http://schemas.openxmlformats.org/markup-compatibility/2006">
+              <mc:Choice xmlns:v="urn:schemas-microsoft-com:vml" Requires="v">
+                <p:oleObj spid="_x0000_s1030" r:id="rId3" imgW="4089400" imgH="889000" progId="Equation.KSEE3">
+                  <p:embed/>
+                </p:oleObj>
+              </mc:Choice>
+              <mc:Fallback>
+                <p:oleObj r:id="rId3" imgW="4089400" imgH="889000" progId="Equation.KSEE3">
+                  <p:embed/>
+                  <p:pic>
+                    <p:nvPicPr>
+                      <p:cNvPr id="4" name="对象 3">
+                        <a:hlinkClick r:id="" action="ppaction://ole?verb=0"/>
+                      </p:cNvPr>
+                      <p:cNvPicPr/>
+                      <p:nvPr/>
+                    </p:nvPicPr>
+                    <p:blipFill>
+                      <a:blip r:embed="rId4"/>
+                      <a:stretch>
+                        <a:fillRect/>
+                      </a:stretch>
+                    </p:blipFill>
+                    <p:spPr>
+                      <a:xfrm>
+                        <a:off x="1959189" y="3547531"/>
+                        <a:ext cx="7457440" cy="1621155"/>
+                      </a:xfrm>
+                      <a:prstGeom prst="rect">
+                        <a:avLst/>
+                      </a:prstGeom>
+                    </p:spPr>
+                  </p:pic>
+                </p:oleObj>
+              </mc:Fallback>
+            </mc:AlternateContent>
+          </a:graphicData>
+        </a:graphic>
+      </p:graphicFrame>
+    </p:spTree>
+    <p:extLst>
+      <p:ext uri="{BB962C8B-B14F-4D97-AF65-F5344CB8AC3E}">
+        <p14:creationId xmlns:p14="http://schemas.microsoft.com/office/powerpoint/2010/main" val="2990412700"/>
+      </p:ext>
+    </p:extLst>
+  </p:cSld>
+  <p:clrMapOvr>
+    <a:masterClrMapping/>
+  </p:clrMapOvr>
+  <p:timing>
+    <p:tnLst>
+      <p:par>
+        <p:cTn id="1" dur="indefinite" restart="never" nodeType="tmRoot"/>
+      </p:par>
+    </p:tnLst>
+  </p:timing>
+</p:sld>
+</file>
+
+<file path=ppt/slides/slide53.xml><?xml version="1.0" encoding="utf-8"?>
+<p:sld xmlns:a="http://schemas.openxmlformats.org/drawingml/2006/main" xmlns:r="http://schemas.openxmlformats.org/officeDocument/2006/relationships" xmlns:p="http://schemas.openxmlformats.org/presentationml/2006/main">
+  <p:cSld>
+    <p:spTree>
+      <p:nvGrpSpPr>
+        <p:cNvPr id="1" name=""/>
+        <p:cNvGrpSpPr/>
+        <p:nvPr/>
+      </p:nvGrpSpPr>
+      <p:grpSpPr>
+        <a:xfrm>
+          <a:off x="0" y="0"/>
+          <a:ext cx="0" cy="0"/>
+          <a:chOff x="0" y="0"/>
+          <a:chExt cx="0" cy="0"/>
+        </a:xfrm>
+      </p:grpSpPr>
+      <p:sp>
+        <p:nvSpPr>
+          <p:cNvPr id="2" name="标题 1"/>
+          <p:cNvSpPr>
+            <a:spLocks noGrp="1"/>
+          </p:cNvSpPr>
+          <p:nvPr>
+            <p:ph type="ctrTitle"/>
+          </p:nvPr>
+        </p:nvSpPr>
+        <p:spPr/>
+        <p:txBody>
+          <a:bodyPr/>
+          <a:lstStyle/>
+          <a:p>
+            <a:r>
+              <a:rPr lang="en-US" altLang="zh-CN" dirty="0" smtClean="0">
+                <a:latin typeface="Algerian" panose="04020705040A02060702" pitchFamily="82" charset="0"/>
+              </a:rPr>
+              <a:t>THANKS</a:t>
+            </a:r>
+            <a:r>
+              <a:rPr lang="en-US" altLang="zh-CN" dirty="0">
+                <a:latin typeface="Algerian" panose="04020705040A02060702" pitchFamily="82" charset="0"/>
+              </a:rPr>
+              <a:t>!</a:t>
+            </a:r>
+            <a:endParaRPr lang="zh-CN" altLang="en-US" dirty="0">
+              <a:latin typeface="Algerian" panose="04020705040A02060702" pitchFamily="82" charset="0"/>
+            </a:endParaRPr>
+          </a:p>
+        </p:txBody>
+      </p:sp>
+    </p:spTree>
+    <p:extLst>
+      <p:ext uri="{BB962C8B-B14F-4D97-AF65-F5344CB8AC3E}">
+        <p14:creationId xmlns:p14="http://schemas.microsoft.com/office/powerpoint/2010/main" val="2765878754"/>
       </p:ext>
     </p:extLst>
   </p:cSld>

--- a/docs/数据结构报告.pptx
+++ b/docs/数据结构报告.pptx
@@ -23,78 +23,79 @@
     <p:sldId id="272" r:id="rId17"/>
     <p:sldId id="273" r:id="rId18"/>
     <p:sldId id="274" r:id="rId19"/>
-    <p:sldId id="278" r:id="rId20"/>
-    <p:sldId id="275" r:id="rId21"/>
-    <p:sldId id="276" r:id="rId22"/>
-    <p:sldId id="279" r:id="rId23"/>
-    <p:sldId id="280" r:id="rId24"/>
-    <p:sldId id="281" r:id="rId25"/>
-    <p:sldId id="282" r:id="rId26"/>
-    <p:sldId id="283" r:id="rId27"/>
-    <p:sldId id="284" r:id="rId28"/>
-    <p:sldId id="285" r:id="rId29"/>
-    <p:sldId id="286" r:id="rId30"/>
-    <p:sldId id="287" r:id="rId31"/>
-    <p:sldId id="288" r:id="rId32"/>
-    <p:sldId id="289" r:id="rId33"/>
-    <p:sldId id="290" r:id="rId34"/>
-    <p:sldId id="291" r:id="rId35"/>
-    <p:sldId id="292" r:id="rId36"/>
-    <p:sldId id="293" r:id="rId37"/>
-    <p:sldId id="294" r:id="rId38"/>
-    <p:sldId id="295" r:id="rId39"/>
-    <p:sldId id="296" r:id="rId40"/>
-    <p:sldId id="297" r:id="rId41"/>
-    <p:sldId id="298" r:id="rId42"/>
-    <p:sldId id="299" r:id="rId43"/>
-    <p:sldId id="305" r:id="rId44"/>
-    <p:sldId id="301" r:id="rId45"/>
-    <p:sldId id="306" r:id="rId46"/>
-    <p:sldId id="303" r:id="rId47"/>
-    <p:sldId id="307" r:id="rId48"/>
-    <p:sldId id="308" r:id="rId49"/>
-    <p:sldId id="309" r:id="rId50"/>
-    <p:sldId id="310" r:id="rId51"/>
-    <p:sldId id="311" r:id="rId52"/>
-    <p:sldId id="312" r:id="rId53"/>
-    <p:sldId id="313" r:id="rId54"/>
+    <p:sldId id="314" r:id="rId20"/>
+    <p:sldId id="278" r:id="rId21"/>
+    <p:sldId id="275" r:id="rId22"/>
+    <p:sldId id="276" r:id="rId23"/>
+    <p:sldId id="279" r:id="rId24"/>
+    <p:sldId id="280" r:id="rId25"/>
+    <p:sldId id="281" r:id="rId26"/>
+    <p:sldId id="282" r:id="rId27"/>
+    <p:sldId id="283" r:id="rId28"/>
+    <p:sldId id="284" r:id="rId29"/>
+    <p:sldId id="285" r:id="rId30"/>
+    <p:sldId id="286" r:id="rId31"/>
+    <p:sldId id="287" r:id="rId32"/>
+    <p:sldId id="288" r:id="rId33"/>
+    <p:sldId id="289" r:id="rId34"/>
+    <p:sldId id="290" r:id="rId35"/>
+    <p:sldId id="291" r:id="rId36"/>
+    <p:sldId id="292" r:id="rId37"/>
+    <p:sldId id="293" r:id="rId38"/>
+    <p:sldId id="294" r:id="rId39"/>
+    <p:sldId id="295" r:id="rId40"/>
+    <p:sldId id="296" r:id="rId41"/>
+    <p:sldId id="297" r:id="rId42"/>
+    <p:sldId id="298" r:id="rId43"/>
+    <p:sldId id="299" r:id="rId44"/>
+    <p:sldId id="305" r:id="rId45"/>
+    <p:sldId id="301" r:id="rId46"/>
+    <p:sldId id="306" r:id="rId47"/>
+    <p:sldId id="303" r:id="rId48"/>
+    <p:sldId id="307" r:id="rId49"/>
+    <p:sldId id="308" r:id="rId50"/>
+    <p:sldId id="309" r:id="rId51"/>
+    <p:sldId id="310" r:id="rId52"/>
+    <p:sldId id="311" r:id="rId53"/>
+    <p:sldId id="312" r:id="rId54"/>
+    <p:sldId id="313" r:id="rId55"/>
   </p:sldIdLst>
   <p:sldSz cx="12192000" cy="6858000"/>
   <p:notesSz cx="6858000" cy="9144000"/>
   <p:embeddedFontLst>
     <p:embeddedFont>
+      <p:font typeface="Candara Light" panose="020E0502030303020204" pitchFamily="34" charset="0"/>
+      <p:regular r:id="rId56"/>
+      <p:italic r:id="rId57"/>
+    </p:embeddedFont>
+    <p:embeddedFont>
+      <p:font typeface="Algerian" panose="04020705040A02060702" pitchFamily="82" charset="0"/>
+      <p:regular r:id="rId58"/>
+    </p:embeddedFont>
+    <p:embeddedFont>
       <p:font typeface="等线" panose="02010600030101010101" pitchFamily="2" charset="-122"/>
-      <p:regular r:id="rId55"/>
-      <p:bold r:id="rId56"/>
+      <p:regular r:id="rId59"/>
+      <p:bold r:id="rId60"/>
     </p:embeddedFont>
     <p:embeddedFont>
       <p:font typeface="Calibri" panose="020F0502020204030204" pitchFamily="34" charset="0"/>
-      <p:regular r:id="rId57"/>
-      <p:bold r:id="rId58"/>
-      <p:italic r:id="rId59"/>
-      <p:boldItalic r:id="rId60"/>
+      <p:regular r:id="rId61"/>
+      <p:bold r:id="rId62"/>
+      <p:italic r:id="rId63"/>
+      <p:boldItalic r:id="rId64"/>
     </p:embeddedFont>
     <p:embeddedFont>
-      <p:font typeface="Candara Light" panose="020E0502030303020204" pitchFamily="34" charset="0"/>
-      <p:regular r:id="rId61"/>
-      <p:italic r:id="rId62"/>
+      <p:font typeface="Franklin Gothic Book" panose="020B0503020102020204" pitchFamily="34" charset="0"/>
+      <p:regular r:id="rId65"/>
+      <p:italic r:id="rId66"/>
     </p:embeddedFont>
     <p:embeddedFont>
       <p:font typeface="微软雅黑 Light" panose="020B0502040204020203" pitchFamily="34" charset="-122"/>
-      <p:regular r:id="rId63"/>
-    </p:embeddedFont>
-    <p:embeddedFont>
-      <p:font typeface="Franklin Gothic Book" panose="020B0503020102020204" pitchFamily="34" charset="0"/>
-      <p:regular r:id="rId64"/>
-      <p:italic r:id="rId65"/>
+      <p:regular r:id="rId67"/>
     </p:embeddedFont>
     <p:embeddedFont>
       <p:font typeface="华文楷体" panose="02010600040101010101" pitchFamily="2" charset="-122"/>
-      <p:regular r:id="rId66"/>
-    </p:embeddedFont>
-    <p:embeddedFont>
-      <p:font typeface="Algerian" panose="04020705040A02060702" pitchFamily="82" charset="0"/>
-      <p:regular r:id="rId67"/>
+      <p:regular r:id="rId68"/>
     </p:embeddedFont>
   </p:embeddedFontLst>
   <p:defaultTextStyle>
@@ -370,7 +371,7 @@
             <a:fld id="{87DE6118-2437-4B30-8E3C-4D2BE6020583}" type="datetimeFigureOut">
               <a:rPr lang="en-US" dirty="0"/>
               <a:pPr/>
-              <a:t>7/5/2019</a:t>
+              <a:t>7/6/2019</a:t>
             </a:fld>
             <a:endParaRPr lang="en-US" dirty="0"/>
           </a:p>
@@ -696,7 +697,7 @@
           <a:p>
             <a:fld id="{87DE6118-2437-4B30-8E3C-4D2BE6020583}" type="datetimeFigureOut">
               <a:rPr lang="en-US" dirty="0"/>
-              <a:t>7/5/2019</a:t>
+              <a:t>7/6/2019</a:t>
             </a:fld>
             <a:endParaRPr lang="en-US" dirty="0"/>
           </a:p>
@@ -871,7 +872,7 @@
           <a:p>
             <a:fld id="{87DE6118-2437-4B30-8E3C-4D2BE6020583}" type="datetimeFigureOut">
               <a:rPr lang="en-US" dirty="0"/>
-              <a:t>7/5/2019</a:t>
+              <a:t>7/6/2019</a:t>
             </a:fld>
             <a:endParaRPr lang="en-US" dirty="0"/>
           </a:p>
@@ -1036,7 +1037,7 @@
           <a:p>
             <a:fld id="{87DE6118-2437-4B30-8E3C-4D2BE6020583}" type="datetimeFigureOut">
               <a:rPr lang="en-US" dirty="0"/>
-              <a:t>7/5/2019</a:t>
+              <a:t>7/6/2019</a:t>
             </a:fld>
             <a:endParaRPr lang="en-US" dirty="0"/>
           </a:p>
@@ -1309,7 +1310,7 @@
             <a:fld id="{87DE6118-2437-4B30-8E3C-4D2BE6020583}" type="datetimeFigureOut">
               <a:rPr lang="en-US" dirty="0"/>
               <a:pPr/>
-              <a:t>7/5/2019</a:t>
+              <a:t>7/6/2019</a:t>
             </a:fld>
             <a:endParaRPr lang="en-US" dirty="0"/>
           </a:p>
@@ -1699,7 +1700,7 @@
           <a:p>
             <a:fld id="{87DE6118-2437-4B30-8E3C-4D2BE6020583}" type="datetimeFigureOut">
               <a:rPr lang="en-US" dirty="0"/>
-              <a:t>7/5/2019</a:t>
+              <a:t>7/6/2019</a:t>
             </a:fld>
             <a:endParaRPr lang="en-US" dirty="0"/>
           </a:p>
@@ -2171,7 +2172,7 @@
           <a:p>
             <a:fld id="{87DE6118-2437-4B30-8E3C-4D2BE6020583}" type="datetimeFigureOut">
               <a:rPr lang="en-US" dirty="0"/>
-              <a:t>7/5/2019</a:t>
+              <a:t>7/6/2019</a:t>
             </a:fld>
             <a:endParaRPr lang="en-US" dirty="0"/>
           </a:p>
@@ -2284,7 +2285,7 @@
           <a:p>
             <a:fld id="{87DE6118-2437-4B30-8E3C-4D2BE6020583}" type="datetimeFigureOut">
               <a:rPr lang="en-US" dirty="0"/>
-              <a:t>7/5/2019</a:t>
+              <a:t>7/6/2019</a:t>
             </a:fld>
             <a:endParaRPr lang="en-US" dirty="0"/>
           </a:p>
@@ -2374,7 +2375,7 @@
           <a:p>
             <a:fld id="{87DE6118-2437-4B30-8E3C-4D2BE6020583}" type="datetimeFigureOut">
               <a:rPr lang="en-US" dirty="0"/>
-              <a:t>7/5/2019</a:t>
+              <a:t>7/6/2019</a:t>
             </a:fld>
             <a:endParaRPr lang="en-US" dirty="0"/>
           </a:p>
@@ -2716,7 +2717,7 @@
             <a:fld id="{87DE6118-2437-4B30-8E3C-4D2BE6020583}" type="datetimeFigureOut">
               <a:rPr lang="en-US" dirty="0"/>
               <a:pPr/>
-              <a:t>7/5/2019</a:t>
+              <a:t>7/6/2019</a:t>
             </a:fld>
             <a:endParaRPr lang="en-US" dirty="0"/>
           </a:p>
@@ -3101,7 +3102,7 @@
             <a:fld id="{87DE6118-2437-4B30-8E3C-4D2BE6020583}" type="datetimeFigureOut">
               <a:rPr lang="en-US" dirty="0"/>
               <a:pPr/>
-              <a:t>7/5/2019</a:t>
+              <a:t>7/6/2019</a:t>
             </a:fld>
             <a:endParaRPr lang="en-US" dirty="0"/>
           </a:p>
@@ -3376,7 +3377,7 @@
             <a:fld id="{87DE6118-2437-4B30-8E3C-4D2BE6020583}" type="datetimeFigureOut">
               <a:rPr lang="en-US" dirty="0"/>
               <a:pPr/>
-              <a:t>7/5/2019</a:t>
+              <a:t>7/6/2019</a:t>
             </a:fld>
             <a:endParaRPr lang="en-US" dirty="0"/>
           </a:p>
@@ -6791,12 +6792,12 @@
       </p:grpSpPr>
       <p:sp>
         <p:nvSpPr>
-          <p:cNvPr id="2" name="标题 1"/>
-          <p:cNvSpPr>
-            <a:spLocks noGrp="1"/>
-          </p:cNvSpPr>
-          <p:nvPr>
-            <p:ph type="ctrTitle"/>
+          <p:cNvPr id="3" name="内容占位符 2"/>
+          <p:cNvSpPr>
+            <a:spLocks noGrp="1"/>
+          </p:cNvSpPr>
+          <p:nvPr>
+            <p:ph idx="1"/>
           </p:nvPr>
         </p:nvSpPr>
         <p:spPr/>
@@ -6805,8 +6806,60 @@
           <a:lstStyle/>
           <a:p>
             <a:r>
+              <a:rPr lang="zh-CN" altLang="en-US" dirty="0"/>
+              <a:t>记录章节顺序</a:t>
+            </a:r>
+            <a:r>
               <a:rPr lang="zh-CN" altLang="en-US" dirty="0" smtClean="0"/>
-              <a:t>关键词的检索</a:t>
+              <a:t>，并</a:t>
+            </a:r>
+            <a:r>
+              <a:rPr lang="zh-CN" altLang="en-US" dirty="0"/>
+              <a:t>按照章节顺序逐个建立</a:t>
+            </a:r>
+            <a:r>
+              <a:rPr lang="zh-CN" altLang="en-US" dirty="0" smtClean="0"/>
+              <a:t>索引</a:t>
+            </a:r>
+            <a:endParaRPr lang="en-US" altLang="zh-CN" dirty="0" smtClean="0"/>
+          </a:p>
+          <a:p>
+            <a:r>
+              <a:rPr lang="zh-CN" altLang="en-US" dirty="0"/>
+              <a:t>对每个文章，将分词结果作为关键词列表，并将每个关键词在文章中的信息记录</a:t>
+            </a:r>
+            <a:r>
+              <a:rPr lang="zh-CN" altLang="en-US" dirty="0" smtClean="0"/>
+              <a:t>下来</a:t>
+            </a:r>
+            <a:endParaRPr lang="en-US" altLang="zh-CN" dirty="0" smtClean="0"/>
+          </a:p>
+          <a:p>
+            <a:r>
+              <a:rPr lang="zh-CN" altLang="en-US" dirty="0"/>
+              <a:t>将计算结果保存为关键词映射文件信息列表的键值对容器中</a:t>
+            </a:r>
+          </a:p>
+        </p:txBody>
+      </p:sp>
+      <p:sp>
+        <p:nvSpPr>
+          <p:cNvPr id="4" name="标题 3"/>
+          <p:cNvSpPr>
+            <a:spLocks noGrp="1"/>
+          </p:cNvSpPr>
+          <p:nvPr>
+            <p:ph type="title"/>
+          </p:nvPr>
+        </p:nvSpPr>
+        <p:spPr/>
+        <p:txBody>
+          <a:bodyPr/>
+          <a:lstStyle/>
+          <a:p>
+            <a:r>
+              <a:rPr lang="zh-CN" altLang="en-US" dirty="0" smtClean="0"/>
+              <a:t>建立的步骤</a:t>
             </a:r>
             <a:endParaRPr lang="zh-CN" altLang="en-US" dirty="0"/>
           </a:p>
@@ -6815,20 +6868,13 @@
     </p:spTree>
     <p:extLst>
       <p:ext uri="{BB962C8B-B14F-4D97-AF65-F5344CB8AC3E}">
-        <p14:creationId xmlns:p14="http://schemas.microsoft.com/office/powerpoint/2010/main" val="734997036"/>
+        <p14:creationId xmlns:p14="http://schemas.microsoft.com/office/powerpoint/2010/main" val="4194745304"/>
       </p:ext>
     </p:extLst>
   </p:cSld>
   <p:clrMapOvr>
     <a:masterClrMapping/>
   </p:clrMapOvr>
-  <p:timing>
-    <p:tnLst>
-      <p:par>
-        <p:cTn id="1" dur="indefinite" restart="never" nodeType="tmRoot"/>
-      </p:par>
-    </p:tnLst>
-  </p:timing>
 </p:sld>
 </file>
 
@@ -6943,6 +6989,66 @@
             <a:spLocks noGrp="1"/>
           </p:cNvSpPr>
           <p:nvPr>
+            <p:ph type="ctrTitle"/>
+          </p:nvPr>
+        </p:nvSpPr>
+        <p:spPr/>
+        <p:txBody>
+          <a:bodyPr/>
+          <a:lstStyle/>
+          <a:p>
+            <a:r>
+              <a:rPr lang="zh-CN" altLang="en-US" dirty="0" smtClean="0"/>
+              <a:t>关键词的检索</a:t>
+            </a:r>
+            <a:endParaRPr lang="zh-CN" altLang="en-US" dirty="0"/>
+          </a:p>
+        </p:txBody>
+      </p:sp>
+    </p:spTree>
+    <p:extLst>
+      <p:ext uri="{BB962C8B-B14F-4D97-AF65-F5344CB8AC3E}">
+        <p14:creationId xmlns:p14="http://schemas.microsoft.com/office/powerpoint/2010/main" val="734997036"/>
+      </p:ext>
+    </p:extLst>
+  </p:cSld>
+  <p:clrMapOvr>
+    <a:masterClrMapping/>
+  </p:clrMapOvr>
+  <p:timing>
+    <p:tnLst>
+      <p:par>
+        <p:cTn id="1" dur="indefinite" restart="never" nodeType="tmRoot"/>
+      </p:par>
+    </p:tnLst>
+  </p:timing>
+</p:sld>
+</file>
+
+<file path=ppt/slides/slide21.xml><?xml version="1.0" encoding="utf-8"?>
+<p:sld xmlns:a="http://schemas.openxmlformats.org/drawingml/2006/main" xmlns:r="http://schemas.openxmlformats.org/officeDocument/2006/relationships" xmlns:p="http://schemas.openxmlformats.org/presentationml/2006/main">
+  <p:cSld>
+    <p:spTree>
+      <p:nvGrpSpPr>
+        <p:cNvPr id="1" name=""/>
+        <p:cNvGrpSpPr/>
+        <p:nvPr/>
+      </p:nvGrpSpPr>
+      <p:grpSpPr>
+        <a:xfrm>
+          <a:off x="0" y="0"/>
+          <a:ext cx="0" cy="0"/>
+          <a:chOff x="0" y="0"/>
+          <a:chExt cx="0" cy="0"/>
+        </a:xfrm>
+      </p:grpSpPr>
+      <p:sp>
+        <p:nvSpPr>
+          <p:cNvPr id="2" name="标题 1"/>
+          <p:cNvSpPr>
+            <a:spLocks noGrp="1"/>
+          </p:cNvSpPr>
+          <p:nvPr>
             <p:ph type="title"/>
           </p:nvPr>
         </p:nvSpPr>
@@ -7050,7 +7156,7 @@
 </p:sld>
 </file>
 
-<file path=ppt/slides/slide21.xml><?xml version="1.0" encoding="utf-8"?>
+<file path=ppt/slides/slide22.xml><?xml version="1.0" encoding="utf-8"?>
 <p:sld xmlns:a="http://schemas.openxmlformats.org/drawingml/2006/main" xmlns:r="http://schemas.openxmlformats.org/officeDocument/2006/relationships" xmlns:p="http://schemas.openxmlformats.org/presentationml/2006/main">
   <p:cSld>
     <p:spTree>
@@ -8351,7 +8457,7 @@
 </p:sld>
 </file>
 
-<file path=ppt/slides/slide22.xml><?xml version="1.0" encoding="utf-8"?>
+<file path=ppt/slides/slide23.xml><?xml version="1.0" encoding="utf-8"?>
 <p:sld xmlns:a="http://schemas.openxmlformats.org/drawingml/2006/main" xmlns:r="http://schemas.openxmlformats.org/officeDocument/2006/relationships" xmlns:p="http://schemas.openxmlformats.org/presentationml/2006/main">
   <p:cSld>
     <p:spTree>
@@ -8411,7 +8517,7 @@
 </p:sld>
 </file>
 
-<file path=ppt/slides/slide23.xml><?xml version="1.0" encoding="utf-8"?>
+<file path=ppt/slides/slide24.xml><?xml version="1.0" encoding="utf-8"?>
 <p:sld xmlns:a="http://schemas.openxmlformats.org/drawingml/2006/main" xmlns:r="http://schemas.openxmlformats.org/officeDocument/2006/relationships" xmlns:p="http://schemas.openxmlformats.org/presentationml/2006/main">
   <p:cSld>
     <p:spTree>
@@ -8507,7 +8613,7 @@
 </p:sld>
 </file>
 
-<file path=ppt/slides/slide24.xml><?xml version="1.0" encoding="utf-8"?>
+<file path=ppt/slides/slide25.xml><?xml version="1.0" encoding="utf-8"?>
 <p:sld xmlns:a="http://schemas.openxmlformats.org/drawingml/2006/main" xmlns:r="http://schemas.openxmlformats.org/officeDocument/2006/relationships" xmlns:p="http://schemas.openxmlformats.org/presentationml/2006/main">
   <p:cSld>
     <p:spTree>
@@ -8695,7 +8801,7 @@
 </p:sld>
 </file>
 
-<file path=ppt/slides/slide25.xml><?xml version="1.0" encoding="utf-8"?>
+<file path=ppt/slides/slide26.xml><?xml version="1.0" encoding="utf-8"?>
 <p:sld xmlns:a="http://schemas.openxmlformats.org/drawingml/2006/main" xmlns:r="http://schemas.openxmlformats.org/officeDocument/2006/relationships" xmlns:p="http://schemas.openxmlformats.org/presentationml/2006/main">
   <p:cSld>
     <p:spTree>
@@ -8755,7 +8861,7 @@
 </p:sld>
 </file>
 
-<file path=ppt/slides/slide26.xml><?xml version="1.0" encoding="utf-8"?>
+<file path=ppt/slides/slide27.xml><?xml version="1.0" encoding="utf-8"?>
 <p:sld xmlns:a="http://schemas.openxmlformats.org/drawingml/2006/main" xmlns:r="http://schemas.openxmlformats.org/officeDocument/2006/relationships" xmlns:p="http://schemas.openxmlformats.org/presentationml/2006/main">
   <p:cSld>
     <p:spTree>
@@ -8849,7 +8955,7 @@
 </p:sld>
 </file>
 
-<file path=ppt/slides/slide27.xml><?xml version="1.0" encoding="utf-8"?>
+<file path=ppt/slides/slide28.xml><?xml version="1.0" encoding="utf-8"?>
 <p:sld xmlns:a="http://schemas.openxmlformats.org/drawingml/2006/main" xmlns:r="http://schemas.openxmlformats.org/officeDocument/2006/relationships" xmlns:p="http://schemas.openxmlformats.org/presentationml/2006/main">
   <p:cSld>
     <p:spTree>
@@ -9733,7 +9839,7 @@
 </p:sld>
 </file>
 
-<file path=ppt/slides/slide28.xml><?xml version="1.0" encoding="utf-8"?>
+<file path=ppt/slides/slide29.xml><?xml version="1.0" encoding="utf-8"?>
 <p:sld xmlns:a="http://schemas.openxmlformats.org/drawingml/2006/main" xmlns:r="http://schemas.openxmlformats.org/officeDocument/2006/relationships" xmlns:p="http://schemas.openxmlformats.org/presentationml/2006/main">
   <p:cSld>
     <p:spTree>
@@ -9820,7 +9926,106 @@
 </p:sld>
 </file>
 
-<file path=ppt/slides/slide29.xml><?xml version="1.0" encoding="utf-8"?>
+<file path=ppt/slides/slide3.xml><?xml version="1.0" encoding="utf-8"?>
+<p:sld xmlns:a="http://schemas.openxmlformats.org/drawingml/2006/main" xmlns:r="http://schemas.openxmlformats.org/officeDocument/2006/relationships" xmlns:p="http://schemas.openxmlformats.org/presentationml/2006/main">
+  <p:cSld>
+    <p:spTree>
+      <p:nvGrpSpPr>
+        <p:cNvPr id="1" name=""/>
+        <p:cNvGrpSpPr/>
+        <p:nvPr/>
+      </p:nvGrpSpPr>
+      <p:grpSpPr>
+        <a:xfrm>
+          <a:off x="0" y="0"/>
+          <a:ext cx="0" cy="0"/>
+          <a:chOff x="0" y="0"/>
+          <a:chExt cx="0" cy="0"/>
+        </a:xfrm>
+      </p:grpSpPr>
+      <p:sp>
+        <p:nvSpPr>
+          <p:cNvPr id="2" name="标题 1"/>
+          <p:cNvSpPr>
+            <a:spLocks noGrp="1"/>
+          </p:cNvSpPr>
+          <p:nvPr>
+            <p:ph type="title"/>
+          </p:nvPr>
+        </p:nvSpPr>
+        <p:spPr/>
+        <p:txBody>
+          <a:bodyPr/>
+          <a:lstStyle/>
+          <a:p>
+            <a:r>
+              <a:rPr lang="zh-CN" altLang="en-US" dirty="0" smtClean="0"/>
+              <a:t>我们做了什么</a:t>
+            </a:r>
+            <a:endParaRPr lang="zh-CN" altLang="en-US" dirty="0"/>
+          </a:p>
+        </p:txBody>
+      </p:sp>
+      <p:sp>
+        <p:nvSpPr>
+          <p:cNvPr id="3" name="内容占位符 2"/>
+          <p:cNvSpPr>
+            <a:spLocks noGrp="1"/>
+          </p:cNvSpPr>
+          <p:nvPr>
+            <p:ph idx="1"/>
+          </p:nvPr>
+        </p:nvSpPr>
+        <p:spPr/>
+        <p:txBody>
+          <a:bodyPr>
+            <a:normAutofit/>
+          </a:bodyPr>
+          <a:lstStyle/>
+          <a:p>
+            <a:r>
+              <a:rPr lang="zh-CN" altLang="en-US" sz="2800" dirty="0" smtClean="0"/>
+              <a:t>中文分词</a:t>
+            </a:r>
+            <a:endParaRPr lang="en-US" altLang="zh-CN" sz="2800" dirty="0" smtClean="0"/>
+          </a:p>
+          <a:p>
+            <a:r>
+              <a:rPr lang="zh-CN" altLang="en-US" sz="2800" dirty="0" smtClean="0"/>
+              <a:t>倒排索引</a:t>
+            </a:r>
+            <a:endParaRPr lang="en-US" altLang="zh-CN" sz="2800" dirty="0" smtClean="0"/>
+          </a:p>
+          <a:p>
+            <a:r>
+              <a:rPr lang="zh-CN" altLang="en-US" sz="2800" dirty="0" smtClean="0"/>
+              <a:t>检索服务器</a:t>
+            </a:r>
+            <a:endParaRPr lang="zh-CN" altLang="en-US" sz="2800" dirty="0"/>
+          </a:p>
+        </p:txBody>
+      </p:sp>
+    </p:spTree>
+    <p:extLst>
+      <p:ext uri="{BB962C8B-B14F-4D97-AF65-F5344CB8AC3E}">
+        <p14:creationId xmlns:p14="http://schemas.microsoft.com/office/powerpoint/2010/main" val="1124776893"/>
+      </p:ext>
+    </p:extLst>
+  </p:cSld>
+  <p:clrMapOvr>
+    <a:masterClrMapping/>
+  </p:clrMapOvr>
+  <p:timing>
+    <p:tnLst>
+      <p:par>
+        <p:cTn id="1" dur="indefinite" restart="never" nodeType="tmRoot"/>
+      </p:par>
+    </p:tnLst>
+  </p:timing>
+</p:sld>
+</file>
+
+<file path=ppt/slides/slide30.xml><?xml version="1.0" encoding="utf-8"?>
 <p:sld xmlns:a="http://schemas.openxmlformats.org/drawingml/2006/main" xmlns:r="http://schemas.openxmlformats.org/officeDocument/2006/relationships" xmlns:p="http://schemas.openxmlformats.org/presentationml/2006/main">
   <p:cSld>
     <p:spTree>
@@ -9934,165 +10139,6 @@
 </p:sld>
 </file>
 
-<file path=ppt/slides/slide3.xml><?xml version="1.0" encoding="utf-8"?>
-<p:sld xmlns:a="http://schemas.openxmlformats.org/drawingml/2006/main" xmlns:r="http://schemas.openxmlformats.org/officeDocument/2006/relationships" xmlns:p="http://schemas.openxmlformats.org/presentationml/2006/main">
-  <p:cSld>
-    <p:spTree>
-      <p:nvGrpSpPr>
-        <p:cNvPr id="1" name=""/>
-        <p:cNvGrpSpPr/>
-        <p:nvPr/>
-      </p:nvGrpSpPr>
-      <p:grpSpPr>
-        <a:xfrm>
-          <a:off x="0" y="0"/>
-          <a:ext cx="0" cy="0"/>
-          <a:chOff x="0" y="0"/>
-          <a:chExt cx="0" cy="0"/>
-        </a:xfrm>
-      </p:grpSpPr>
-      <p:sp>
-        <p:nvSpPr>
-          <p:cNvPr id="2" name="标题 1"/>
-          <p:cNvSpPr>
-            <a:spLocks noGrp="1"/>
-          </p:cNvSpPr>
-          <p:nvPr>
-            <p:ph type="title"/>
-          </p:nvPr>
-        </p:nvSpPr>
-        <p:spPr/>
-        <p:txBody>
-          <a:bodyPr/>
-          <a:lstStyle/>
-          <a:p>
-            <a:r>
-              <a:rPr lang="zh-CN" altLang="en-US" dirty="0" smtClean="0"/>
-              <a:t>我们做了什么</a:t>
-            </a:r>
-            <a:endParaRPr lang="zh-CN" altLang="en-US" dirty="0"/>
-          </a:p>
-        </p:txBody>
-      </p:sp>
-      <p:sp>
-        <p:nvSpPr>
-          <p:cNvPr id="3" name="内容占位符 2"/>
-          <p:cNvSpPr>
-            <a:spLocks noGrp="1"/>
-          </p:cNvSpPr>
-          <p:nvPr>
-            <p:ph idx="1"/>
-          </p:nvPr>
-        </p:nvSpPr>
-        <p:spPr/>
-        <p:txBody>
-          <a:bodyPr>
-            <a:normAutofit/>
-          </a:bodyPr>
-          <a:lstStyle/>
-          <a:p>
-            <a:r>
-              <a:rPr lang="zh-CN" altLang="en-US" sz="2800" dirty="0" smtClean="0"/>
-              <a:t>中文分词</a:t>
-            </a:r>
-            <a:endParaRPr lang="en-US" altLang="zh-CN" sz="2800" dirty="0" smtClean="0"/>
-          </a:p>
-          <a:p>
-            <a:r>
-              <a:rPr lang="zh-CN" altLang="en-US" sz="2800" dirty="0" smtClean="0"/>
-              <a:t>倒排索引</a:t>
-            </a:r>
-            <a:endParaRPr lang="en-US" altLang="zh-CN" sz="2800" dirty="0" smtClean="0"/>
-          </a:p>
-          <a:p>
-            <a:r>
-              <a:rPr lang="zh-CN" altLang="en-US" sz="2800" dirty="0" smtClean="0"/>
-              <a:t>检索服务器</a:t>
-            </a:r>
-            <a:endParaRPr lang="zh-CN" altLang="en-US" sz="2800" dirty="0"/>
-          </a:p>
-        </p:txBody>
-      </p:sp>
-    </p:spTree>
-    <p:extLst>
-      <p:ext uri="{BB962C8B-B14F-4D97-AF65-F5344CB8AC3E}">
-        <p14:creationId xmlns:p14="http://schemas.microsoft.com/office/powerpoint/2010/main" val="1124776893"/>
-      </p:ext>
-    </p:extLst>
-  </p:cSld>
-  <p:clrMapOvr>
-    <a:masterClrMapping/>
-  </p:clrMapOvr>
-  <p:timing>
-    <p:tnLst>
-      <p:par>
-        <p:cTn id="1" dur="indefinite" restart="never" nodeType="tmRoot"/>
-      </p:par>
-    </p:tnLst>
-  </p:timing>
-</p:sld>
-</file>
-
-<file path=ppt/slides/slide30.xml><?xml version="1.0" encoding="utf-8"?>
-<p:sld xmlns:a="http://schemas.openxmlformats.org/drawingml/2006/main" xmlns:r="http://schemas.openxmlformats.org/officeDocument/2006/relationships" xmlns:p="http://schemas.openxmlformats.org/presentationml/2006/main">
-  <p:cSld>
-    <p:spTree>
-      <p:nvGrpSpPr>
-        <p:cNvPr id="1" name=""/>
-        <p:cNvGrpSpPr/>
-        <p:nvPr/>
-      </p:nvGrpSpPr>
-      <p:grpSpPr>
-        <a:xfrm>
-          <a:off x="0" y="0"/>
-          <a:ext cx="0" cy="0"/>
-          <a:chOff x="0" y="0"/>
-          <a:chExt cx="0" cy="0"/>
-        </a:xfrm>
-      </p:grpSpPr>
-      <p:sp>
-        <p:nvSpPr>
-          <p:cNvPr id="2" name="标题 1"/>
-          <p:cNvSpPr>
-            <a:spLocks noGrp="1"/>
-          </p:cNvSpPr>
-          <p:nvPr>
-            <p:ph type="title"/>
-          </p:nvPr>
-        </p:nvSpPr>
-        <p:spPr/>
-        <p:txBody>
-          <a:bodyPr/>
-          <a:lstStyle/>
-          <a:p>
-            <a:r>
-              <a:rPr lang="zh-CN" altLang="en-US" dirty="0" smtClean="0"/>
-              <a:t>标准化公式解析</a:t>
-            </a:r>
-            <a:endParaRPr lang="zh-CN" altLang="en-US" dirty="0"/>
-          </a:p>
-        </p:txBody>
-      </p:sp>
-    </p:spTree>
-    <p:extLst>
-      <p:ext uri="{BB962C8B-B14F-4D97-AF65-F5344CB8AC3E}">
-        <p14:creationId xmlns:p14="http://schemas.microsoft.com/office/powerpoint/2010/main" val="4238997881"/>
-      </p:ext>
-    </p:extLst>
-  </p:cSld>
-  <p:clrMapOvr>
-    <a:masterClrMapping/>
-  </p:clrMapOvr>
-  <p:timing>
-    <p:tnLst>
-      <p:par>
-        <p:cTn id="1" dur="indefinite" restart="never" nodeType="tmRoot"/>
-      </p:par>
-    </p:tnLst>
-  </p:timing>
-</p:sld>
-</file>
-
 <file path=ppt/slides/slide31.xml><?xml version="1.0" encoding="utf-8"?>
 <p:sld xmlns:a="http://schemas.openxmlformats.org/drawingml/2006/main" xmlns:r="http://schemas.openxmlformats.org/officeDocument/2006/relationships" xmlns:p="http://schemas.openxmlformats.org/presentationml/2006/main">
   <p:cSld>
@@ -10127,74 +10173,16 @@
           <a:p>
             <a:r>
               <a:rPr lang="zh-CN" altLang="en-US" dirty="0" smtClean="0"/>
-              <a:t>两个部分</a:t>
+              <a:t>标准化公式解析</a:t>
             </a:r>
             <a:endParaRPr lang="zh-CN" altLang="en-US" dirty="0"/>
-          </a:p>
-        </p:txBody>
-      </p:sp>
-      <p:sp>
-        <p:nvSpPr>
-          <p:cNvPr id="3" name="内容占位符 2"/>
-          <p:cNvSpPr>
-            <a:spLocks noGrp="1"/>
-          </p:cNvSpPr>
-          <p:nvPr>
-            <p:ph idx="1"/>
-          </p:nvPr>
-        </p:nvSpPr>
-        <p:spPr/>
-        <p:txBody>
-          <a:bodyPr/>
-          <a:lstStyle/>
-          <a:p>
-            <a:r>
-              <a:rPr lang="zh-CN" altLang="en-US" dirty="0" smtClean="0"/>
-              <a:t>文本中的</a:t>
-            </a:r>
-            <a:r>
-              <a:rPr lang="en-US" altLang="zh-CN" dirty="0" err="1" smtClean="0"/>
-              <a:t>LaTex</a:t>
-            </a:r>
-            <a:r>
-              <a:rPr lang="zh-CN" altLang="en-US" dirty="0"/>
-              <a:t>表达式（两个‘</a:t>
-            </a:r>
-            <a:r>
-              <a:rPr lang="en-US" altLang="zh-CN" dirty="0"/>
-              <a:t>$’</a:t>
-            </a:r>
-            <a:r>
-              <a:rPr lang="zh-CN" altLang="en-US" dirty="0"/>
-              <a:t>内 </a:t>
-            </a:r>
-            <a:r>
-              <a:rPr lang="zh-CN" altLang="en-US" dirty="0" smtClean="0"/>
-              <a:t>）</a:t>
-            </a:r>
-            <a:endParaRPr lang="en-US" altLang="zh-CN" dirty="0" smtClean="0"/>
-          </a:p>
-          <a:p>
-            <a:pPr lvl="1"/>
-            <a:r>
-              <a:rPr lang="zh-CN" altLang="en-US" i="0" dirty="0" smtClean="0"/>
-              <a:t>提取处理，并分解其所有的子式</a:t>
-            </a:r>
-            <a:endParaRPr lang="en-US" altLang="zh-CN" i="0" dirty="0" smtClean="0"/>
-          </a:p>
-          <a:p>
-            <a:r>
-              <a:rPr lang="zh-CN" altLang="en-US" dirty="0" smtClean="0"/>
-              <a:t>用户在搜索框输入的表达式</a:t>
-            </a:r>
-            <a:endParaRPr lang="en-US" altLang="zh-CN" dirty="0" smtClean="0"/>
           </a:p>
         </p:txBody>
       </p:sp>
     </p:spTree>
     <p:extLst>
       <p:ext uri="{BB962C8B-B14F-4D97-AF65-F5344CB8AC3E}">
-        <p14:creationId xmlns:p14="http://schemas.microsoft.com/office/powerpoint/2010/main" val="2963454126"/>
+        <p14:creationId xmlns:p14="http://schemas.microsoft.com/office/powerpoint/2010/main" val="4238997881"/>
       </p:ext>
     </p:extLst>
   </p:cSld>
@@ -10245,7 +10233,7 @@
           <a:p>
             <a:r>
               <a:rPr lang="zh-CN" altLang="en-US" dirty="0" smtClean="0"/>
-              <a:t>算法</a:t>
+              <a:t>两个部分</a:t>
             </a:r>
             <a:endParaRPr lang="zh-CN" altLang="en-US" dirty="0"/>
           </a:p>
@@ -10267,61 +10255,52 @@
           <a:lstStyle/>
           <a:p>
             <a:r>
+              <a:rPr lang="zh-CN" altLang="en-US" dirty="0" smtClean="0"/>
+              <a:t>文本中的</a:t>
+            </a:r>
+            <a:r>
+              <a:rPr lang="en-US" altLang="zh-CN" dirty="0" err="1" smtClean="0"/>
+              <a:t>LaTex</a:t>
+            </a:r>
+            <a:r>
               <a:rPr lang="zh-CN" altLang="en-US" dirty="0"/>
-              <a:t>原始表达式→后缀表达式→二叉树</a:t>
-            </a:r>
-          </a:p>
-          <a:p>
+              <a:t>表达式（两个‘</a:t>
+            </a:r>
+            <a:r>
+              <a:rPr lang="en-US" altLang="zh-CN" dirty="0"/>
+              <a:t>$’</a:t>
+            </a:r>
             <a:r>
               <a:rPr lang="zh-CN" altLang="en-US" dirty="0"/>
-              <a:t>遍历二叉树，将变量替换为标识符，并将每个子节点排序</a:t>
-            </a:r>
+              <a:t>内 </a:t>
+            </a:r>
+            <a:r>
+              <a:rPr lang="zh-CN" altLang="en-US" dirty="0" smtClean="0"/>
+              <a:t>）</a:t>
+            </a:r>
+            <a:endParaRPr lang="en-US" altLang="zh-CN" dirty="0" smtClean="0"/>
           </a:p>
           <a:p>
             <a:pPr lvl="1"/>
             <a:r>
-              <a:rPr lang="zh-CN" altLang="en-US" i="0" dirty="0"/>
-              <a:t>操作符：按算数优先级</a:t>
-            </a:r>
-          </a:p>
-          <a:p>
-            <a:pPr lvl="1"/>
-            <a:r>
-              <a:rPr lang="zh-CN" altLang="en-US" i="0" dirty="0"/>
-              <a:t>变量：按替换顺序</a:t>
-            </a:r>
-          </a:p>
-          <a:p>
-            <a:pPr lvl="1"/>
-            <a:r>
               <a:rPr lang="zh-CN" altLang="en-US" i="0" dirty="0" smtClean="0"/>
-              <a:t>操作符 </a:t>
-            </a:r>
-            <a:r>
-              <a:rPr lang="en-US" altLang="zh-CN" i="0" dirty="0" smtClean="0"/>
-              <a:t>&gt; </a:t>
-            </a:r>
-            <a:r>
-              <a:rPr lang="zh-CN" altLang="en-US" i="0" dirty="0" smtClean="0"/>
-              <a:t>变量</a:t>
-            </a:r>
-            <a:endParaRPr lang="zh-CN" altLang="en-US" i="0" dirty="0"/>
-          </a:p>
-          <a:p>
-            <a:r>
-              <a:rPr lang="zh-CN" altLang="en-US" dirty="0"/>
-              <a:t>得到所有子树</a:t>
-            </a:r>
-          </a:p>
-          <a:p>
-            <a:endParaRPr lang="zh-CN" altLang="en-US" dirty="0"/>
+              <a:t>提取处理，并分解其所有的子式</a:t>
+            </a:r>
+            <a:endParaRPr lang="en-US" altLang="zh-CN" i="0" dirty="0" smtClean="0"/>
+          </a:p>
+          <a:p>
+            <a:r>
+              <a:rPr lang="zh-CN" altLang="en-US" dirty="0" smtClean="0"/>
+              <a:t>用户在搜索框输入的表达式</a:t>
+            </a:r>
+            <a:endParaRPr lang="en-US" altLang="zh-CN" dirty="0" smtClean="0"/>
           </a:p>
         </p:txBody>
       </p:sp>
     </p:spTree>
     <p:extLst>
       <p:ext uri="{BB962C8B-B14F-4D97-AF65-F5344CB8AC3E}">
-        <p14:creationId xmlns:p14="http://schemas.microsoft.com/office/powerpoint/2010/main" val="970357060"/>
+        <p14:creationId xmlns:p14="http://schemas.microsoft.com/office/powerpoint/2010/main" val="2963454126"/>
       </p:ext>
     </p:extLst>
   </p:cSld>
@@ -10372,6 +10351,133 @@
           <a:p>
             <a:r>
               <a:rPr lang="zh-CN" altLang="en-US" dirty="0" smtClean="0"/>
+              <a:t>算法</a:t>
+            </a:r>
+            <a:endParaRPr lang="zh-CN" altLang="en-US" dirty="0"/>
+          </a:p>
+        </p:txBody>
+      </p:sp>
+      <p:sp>
+        <p:nvSpPr>
+          <p:cNvPr id="3" name="内容占位符 2"/>
+          <p:cNvSpPr>
+            <a:spLocks noGrp="1"/>
+          </p:cNvSpPr>
+          <p:nvPr>
+            <p:ph idx="1"/>
+          </p:nvPr>
+        </p:nvSpPr>
+        <p:spPr/>
+        <p:txBody>
+          <a:bodyPr/>
+          <a:lstStyle/>
+          <a:p>
+            <a:r>
+              <a:rPr lang="zh-CN" altLang="en-US" dirty="0"/>
+              <a:t>原始表达式→后缀表达式→二叉树</a:t>
+            </a:r>
+          </a:p>
+          <a:p>
+            <a:r>
+              <a:rPr lang="zh-CN" altLang="en-US" dirty="0"/>
+              <a:t>遍历二叉树，将变量替换为标识符，并将每个子节点排序</a:t>
+            </a:r>
+          </a:p>
+          <a:p>
+            <a:pPr lvl="1"/>
+            <a:r>
+              <a:rPr lang="zh-CN" altLang="en-US" i="0" dirty="0"/>
+              <a:t>操作符：按算数优先级</a:t>
+            </a:r>
+          </a:p>
+          <a:p>
+            <a:pPr lvl="1"/>
+            <a:r>
+              <a:rPr lang="zh-CN" altLang="en-US" i="0" dirty="0"/>
+              <a:t>变量：按替换顺序</a:t>
+            </a:r>
+          </a:p>
+          <a:p>
+            <a:pPr lvl="1"/>
+            <a:r>
+              <a:rPr lang="zh-CN" altLang="en-US" i="0" dirty="0" smtClean="0"/>
+              <a:t>操作符 </a:t>
+            </a:r>
+            <a:r>
+              <a:rPr lang="en-US" altLang="zh-CN" i="0" dirty="0" smtClean="0"/>
+              <a:t>&gt; </a:t>
+            </a:r>
+            <a:r>
+              <a:rPr lang="zh-CN" altLang="en-US" i="0" dirty="0" smtClean="0"/>
+              <a:t>变量</a:t>
+            </a:r>
+            <a:endParaRPr lang="zh-CN" altLang="en-US" i="0" dirty="0"/>
+          </a:p>
+          <a:p>
+            <a:r>
+              <a:rPr lang="zh-CN" altLang="en-US" dirty="0"/>
+              <a:t>得到所有子树</a:t>
+            </a:r>
+          </a:p>
+          <a:p>
+            <a:endParaRPr lang="zh-CN" altLang="en-US" dirty="0"/>
+          </a:p>
+        </p:txBody>
+      </p:sp>
+    </p:spTree>
+    <p:extLst>
+      <p:ext uri="{BB962C8B-B14F-4D97-AF65-F5344CB8AC3E}">
+        <p14:creationId xmlns:p14="http://schemas.microsoft.com/office/powerpoint/2010/main" val="970357060"/>
+      </p:ext>
+    </p:extLst>
+  </p:cSld>
+  <p:clrMapOvr>
+    <a:masterClrMapping/>
+  </p:clrMapOvr>
+  <p:timing>
+    <p:tnLst>
+      <p:par>
+        <p:cTn id="1" dur="indefinite" restart="never" nodeType="tmRoot"/>
+      </p:par>
+    </p:tnLst>
+  </p:timing>
+</p:sld>
+</file>
+
+<file path=ppt/slides/slide34.xml><?xml version="1.0" encoding="utf-8"?>
+<p:sld xmlns:a="http://schemas.openxmlformats.org/drawingml/2006/main" xmlns:r="http://schemas.openxmlformats.org/officeDocument/2006/relationships" xmlns:p="http://schemas.openxmlformats.org/presentationml/2006/main">
+  <p:cSld>
+    <p:spTree>
+      <p:nvGrpSpPr>
+        <p:cNvPr id="1" name=""/>
+        <p:cNvGrpSpPr/>
+        <p:nvPr/>
+      </p:nvGrpSpPr>
+      <p:grpSpPr>
+        <a:xfrm>
+          <a:off x="0" y="0"/>
+          <a:ext cx="0" cy="0"/>
+          <a:chOff x="0" y="0"/>
+          <a:chExt cx="0" cy="0"/>
+        </a:xfrm>
+      </p:grpSpPr>
+      <p:sp>
+        <p:nvSpPr>
+          <p:cNvPr id="2" name="标题 1"/>
+          <p:cNvSpPr>
+            <a:spLocks noGrp="1"/>
+          </p:cNvSpPr>
+          <p:nvPr>
+            <p:ph type="title"/>
+          </p:nvPr>
+        </p:nvSpPr>
+        <p:spPr/>
+        <p:txBody>
+          <a:bodyPr/>
+          <a:lstStyle/>
+          <a:p>
+            <a:r>
+              <a:rPr lang="zh-CN" altLang="en-US" dirty="0" smtClean="0"/>
               <a:t>将原始表达式转为后缀表达式</a:t>
             </a:r>
             <a:endParaRPr lang="zh-CN" altLang="en-US" dirty="0"/>
@@ -10683,7 +10789,7 @@
 </p:sld>
 </file>
 
-<file path=ppt/slides/slide34.xml><?xml version="1.0" encoding="utf-8"?>
+<file path=ppt/slides/slide35.xml><?xml version="1.0" encoding="utf-8"?>
 <p:sld xmlns:a="http://schemas.openxmlformats.org/drawingml/2006/main" xmlns:r="http://schemas.openxmlformats.org/officeDocument/2006/relationships" xmlns:p="http://schemas.openxmlformats.org/presentationml/2006/main">
   <p:cSld>
     <p:spTree>
@@ -10750,7 +10856,7 @@
 </p:sld>
 </file>
 
-<file path=ppt/slides/slide35.xml><?xml version="1.0" encoding="utf-8"?>
+<file path=ppt/slides/slide36.xml><?xml version="1.0" encoding="utf-8"?>
 <p:sld xmlns:a="http://schemas.openxmlformats.org/drawingml/2006/main" xmlns:r="http://schemas.openxmlformats.org/officeDocument/2006/relationships" xmlns:p="http://schemas.openxmlformats.org/presentationml/2006/main">
   <p:cSld>
     <p:spTree>
@@ -10934,7 +11040,7 @@
 </p:sld>
 </file>
 
-<file path=ppt/slides/slide36.xml><?xml version="1.0" encoding="utf-8"?>
+<file path=ppt/slides/slide37.xml><?xml version="1.0" encoding="utf-8"?>
 <p:sld xmlns:a="http://schemas.openxmlformats.org/drawingml/2006/main" xmlns:r="http://schemas.openxmlformats.org/officeDocument/2006/relationships" xmlns:p="http://schemas.openxmlformats.org/presentationml/2006/main">
   <p:cSld>
     <p:spTree>
@@ -11002,7 +11108,7 @@
 </p:sld>
 </file>
 
-<file path=ppt/slides/slide37.xml><?xml version="1.0" encoding="utf-8"?>
+<file path=ppt/slides/slide38.xml><?xml version="1.0" encoding="utf-8"?>
 <p:sld xmlns:a="http://schemas.openxmlformats.org/drawingml/2006/main" xmlns:r="http://schemas.openxmlformats.org/officeDocument/2006/relationships" xmlns:p="http://schemas.openxmlformats.org/presentationml/2006/main">
   <p:cSld>
     <p:spTree>
@@ -11074,7 +11180,7 @@
 </p:sld>
 </file>
 
-<file path=ppt/slides/slide38.xml><?xml version="1.0" encoding="utf-8"?>
+<file path=ppt/slides/slide39.xml><?xml version="1.0" encoding="utf-8"?>
 <p:sld xmlns:a="http://schemas.openxmlformats.org/drawingml/2006/main" xmlns:r="http://schemas.openxmlformats.org/officeDocument/2006/relationships" xmlns:p="http://schemas.openxmlformats.org/presentationml/2006/main">
   <p:cSld>
     <p:spTree>
@@ -11331,7 +11437,67 @@
 </p:sld>
 </file>
 
-<file path=ppt/slides/slide39.xml><?xml version="1.0" encoding="utf-8"?>
+<file path=ppt/slides/slide4.xml><?xml version="1.0" encoding="utf-8"?>
+<p:sld xmlns:a="http://schemas.openxmlformats.org/drawingml/2006/main" xmlns:r="http://schemas.openxmlformats.org/officeDocument/2006/relationships" xmlns:p="http://schemas.openxmlformats.org/presentationml/2006/main">
+  <p:cSld>
+    <p:spTree>
+      <p:nvGrpSpPr>
+        <p:cNvPr id="1" name=""/>
+        <p:cNvGrpSpPr/>
+        <p:nvPr/>
+      </p:nvGrpSpPr>
+      <p:grpSpPr>
+        <a:xfrm>
+          <a:off x="0" y="0"/>
+          <a:ext cx="0" cy="0"/>
+          <a:chOff x="0" y="0"/>
+          <a:chExt cx="0" cy="0"/>
+        </a:xfrm>
+      </p:grpSpPr>
+      <p:sp>
+        <p:nvSpPr>
+          <p:cNvPr id="2" name="标题 1"/>
+          <p:cNvSpPr>
+            <a:spLocks noGrp="1"/>
+          </p:cNvSpPr>
+          <p:nvPr>
+            <p:ph type="title"/>
+          </p:nvPr>
+        </p:nvSpPr>
+        <p:spPr/>
+        <p:txBody>
+          <a:bodyPr/>
+          <a:lstStyle/>
+          <a:p>
+            <a:r>
+              <a:rPr lang="zh-CN" altLang="en-US" dirty="0" smtClean="0"/>
+              <a:t>中文分词</a:t>
+            </a:r>
+            <a:endParaRPr lang="zh-CN" altLang="en-US" dirty="0"/>
+          </a:p>
+        </p:txBody>
+      </p:sp>
+    </p:spTree>
+    <p:extLst>
+      <p:ext uri="{BB962C8B-B14F-4D97-AF65-F5344CB8AC3E}">
+        <p14:creationId xmlns:p14="http://schemas.microsoft.com/office/powerpoint/2010/main" val="1285628985"/>
+      </p:ext>
+    </p:extLst>
+  </p:cSld>
+  <p:clrMapOvr>
+    <a:masterClrMapping/>
+  </p:clrMapOvr>
+  <p:timing>
+    <p:tnLst>
+      <p:par>
+        <p:cTn id="1" dur="indefinite" restart="never" nodeType="tmRoot"/>
+      </p:par>
+    </p:tnLst>
+  </p:timing>
+</p:sld>
+</file>
+
+<file path=ppt/slides/slide40.xml><?xml version="1.0" encoding="utf-8"?>
 <p:sld xmlns:a="http://schemas.openxmlformats.org/drawingml/2006/main" xmlns:r="http://schemas.openxmlformats.org/officeDocument/2006/relationships" xmlns:p="http://schemas.openxmlformats.org/presentationml/2006/main">
   <p:cSld>
     <p:spTree>
@@ -11442,130 +11608,6 @@
 </p:sld>
 </file>
 
-<file path=ppt/slides/slide4.xml><?xml version="1.0" encoding="utf-8"?>
-<p:sld xmlns:a="http://schemas.openxmlformats.org/drawingml/2006/main" xmlns:r="http://schemas.openxmlformats.org/officeDocument/2006/relationships" xmlns:p="http://schemas.openxmlformats.org/presentationml/2006/main">
-  <p:cSld>
-    <p:spTree>
-      <p:nvGrpSpPr>
-        <p:cNvPr id="1" name=""/>
-        <p:cNvGrpSpPr/>
-        <p:nvPr/>
-      </p:nvGrpSpPr>
-      <p:grpSpPr>
-        <a:xfrm>
-          <a:off x="0" y="0"/>
-          <a:ext cx="0" cy="0"/>
-          <a:chOff x="0" y="0"/>
-          <a:chExt cx="0" cy="0"/>
-        </a:xfrm>
-      </p:grpSpPr>
-      <p:sp>
-        <p:nvSpPr>
-          <p:cNvPr id="2" name="标题 1"/>
-          <p:cNvSpPr>
-            <a:spLocks noGrp="1"/>
-          </p:cNvSpPr>
-          <p:nvPr>
-            <p:ph type="title"/>
-          </p:nvPr>
-        </p:nvSpPr>
-        <p:spPr/>
-        <p:txBody>
-          <a:bodyPr/>
-          <a:lstStyle/>
-          <a:p>
-            <a:r>
-              <a:rPr lang="zh-CN" altLang="en-US" dirty="0" smtClean="0"/>
-              <a:t>中文分词</a:t>
-            </a:r>
-            <a:endParaRPr lang="zh-CN" altLang="en-US" dirty="0"/>
-          </a:p>
-        </p:txBody>
-      </p:sp>
-    </p:spTree>
-    <p:extLst>
-      <p:ext uri="{BB962C8B-B14F-4D97-AF65-F5344CB8AC3E}">
-        <p14:creationId xmlns:p14="http://schemas.microsoft.com/office/powerpoint/2010/main" val="1285628985"/>
-      </p:ext>
-    </p:extLst>
-  </p:cSld>
-  <p:clrMapOvr>
-    <a:masterClrMapping/>
-  </p:clrMapOvr>
-  <p:timing>
-    <p:tnLst>
-      <p:par>
-        <p:cTn id="1" dur="indefinite" restart="never" nodeType="tmRoot"/>
-      </p:par>
-    </p:tnLst>
-  </p:timing>
-</p:sld>
-</file>
-
-<file path=ppt/slides/slide40.xml><?xml version="1.0" encoding="utf-8"?>
-<p:sld xmlns:a="http://schemas.openxmlformats.org/drawingml/2006/main" xmlns:r="http://schemas.openxmlformats.org/officeDocument/2006/relationships" xmlns:p="http://schemas.openxmlformats.org/presentationml/2006/main">
-  <p:cSld>
-    <p:spTree>
-      <p:nvGrpSpPr>
-        <p:cNvPr id="1" name=""/>
-        <p:cNvGrpSpPr/>
-        <p:nvPr/>
-      </p:nvGrpSpPr>
-      <p:grpSpPr>
-        <a:xfrm>
-          <a:off x="0" y="0"/>
-          <a:ext cx="0" cy="0"/>
-          <a:chOff x="0" y="0"/>
-          <a:chExt cx="0" cy="0"/>
-        </a:xfrm>
-      </p:grpSpPr>
-      <p:sp>
-        <p:nvSpPr>
-          <p:cNvPr id="2" name="标题 1"/>
-          <p:cNvSpPr>
-            <a:spLocks noGrp="1"/>
-          </p:cNvSpPr>
-          <p:nvPr>
-            <p:ph type="title"/>
-          </p:nvPr>
-        </p:nvSpPr>
-        <p:spPr/>
-        <p:txBody>
-          <a:bodyPr/>
-          <a:lstStyle/>
-          <a:p>
-            <a:r>
-              <a:rPr lang="en-US" altLang="zh-CN" dirty="0" smtClean="0"/>
-              <a:t>PHP</a:t>
-            </a:r>
-            <a:r>
-              <a:rPr lang="zh-CN" altLang="en-US" dirty="0" smtClean="0"/>
-              <a:t>设计与架构</a:t>
-            </a:r>
-            <a:endParaRPr lang="zh-CN" altLang="en-US" dirty="0"/>
-          </a:p>
-        </p:txBody>
-      </p:sp>
-    </p:spTree>
-    <p:extLst>
-      <p:ext uri="{BB962C8B-B14F-4D97-AF65-F5344CB8AC3E}">
-        <p14:creationId xmlns:p14="http://schemas.microsoft.com/office/powerpoint/2010/main" val="3625646795"/>
-      </p:ext>
-    </p:extLst>
-  </p:cSld>
-  <p:clrMapOvr>
-    <a:masterClrMapping/>
-  </p:clrMapOvr>
-  <p:timing>
-    <p:tnLst>
-      <p:par>
-        <p:cTn id="1" dur="indefinite" restart="never" nodeType="tmRoot"/>
-      </p:par>
-    </p:tnLst>
-  </p:timing>
-</p:sld>
-</file>
-
 <file path=ppt/slides/slide41.xml><?xml version="1.0" encoding="utf-8"?>
 <p:sld xmlns:a="http://schemas.openxmlformats.org/drawingml/2006/main" xmlns:r="http://schemas.openxmlformats.org/officeDocument/2006/relationships" xmlns:p="http://schemas.openxmlformats.org/presentationml/2006/main">
   <p:cSld>
@@ -11604,128 +11646,7 @@
             </a:r>
             <a:r>
               <a:rPr lang="zh-CN" altLang="en-US" dirty="0" smtClean="0"/>
-              <a:t>代码规范</a:t>
-            </a:r>
-            <a:endParaRPr lang="zh-CN" altLang="en-US" dirty="0"/>
-          </a:p>
-        </p:txBody>
-      </p:sp>
-      <p:sp>
-        <p:nvSpPr>
-          <p:cNvPr id="3" name="内容占位符 2"/>
-          <p:cNvSpPr>
-            <a:spLocks noGrp="1"/>
-          </p:cNvSpPr>
-          <p:nvPr>
-            <p:ph idx="1"/>
-          </p:nvPr>
-        </p:nvSpPr>
-        <p:spPr/>
-        <p:txBody>
-          <a:bodyPr/>
-          <a:lstStyle/>
-          <a:p>
-            <a:r>
-              <a:rPr lang="zh-CN" altLang="en-US" dirty="0"/>
-              <a:t>通用约定：</a:t>
-            </a:r>
-          </a:p>
-          <a:p>
-            <a:r>
-              <a:rPr lang="zh-CN" altLang="en-US" dirty="0"/>
-              <a:t>代码缩进全部用</a:t>
-            </a:r>
-            <a:r>
-              <a:rPr lang="en-US" altLang="zh-CN" dirty="0"/>
-              <a:t>tab</a:t>
-            </a:r>
-            <a:r>
-              <a:rPr lang="zh-CN" altLang="en-US" dirty="0"/>
-              <a:t>，在编辑器里面设置</a:t>
-            </a:r>
-            <a:r>
-              <a:rPr lang="en-US" altLang="zh-CN" dirty="0"/>
-              <a:t>tab</a:t>
-            </a:r>
-            <a:r>
-              <a:rPr lang="zh-CN" altLang="en-US" dirty="0"/>
-              <a:t>存为制表符，不要存为空格。不要打一堆空格来做缩进。</a:t>
-            </a:r>
-          </a:p>
-          <a:p>
-            <a:r>
-              <a:rPr lang="en-US" altLang="zh-CN" dirty="0"/>
-              <a:t>SVN / </a:t>
-            </a:r>
-            <a:r>
-              <a:rPr lang="en-US" altLang="zh-CN" dirty="0" err="1"/>
-              <a:t>Git</a:t>
-            </a:r>
-            <a:r>
-              <a:rPr lang="en-US" altLang="zh-CN" dirty="0"/>
-              <a:t> </a:t>
-            </a:r>
-            <a:r>
-              <a:rPr lang="zh-CN" altLang="en-US" dirty="0"/>
-              <a:t>中新建文件编码类型统一用</a:t>
-            </a:r>
-            <a:r>
-              <a:rPr lang="en-US" altLang="zh-CN" dirty="0"/>
-              <a:t>utf-8</a:t>
-            </a:r>
-            <a:r>
-              <a:rPr lang="zh-CN" altLang="en-US" dirty="0"/>
-              <a:t>编码（不带</a:t>
-            </a:r>
-            <a:r>
-              <a:rPr lang="en-US" altLang="zh-CN" dirty="0"/>
-              <a:t>BOM</a:t>
-            </a:r>
-            <a:r>
-              <a:rPr lang="zh-CN" altLang="en-US" dirty="0"/>
-              <a:t>）。</a:t>
-            </a:r>
-          </a:p>
-          <a:p>
-            <a:r>
-              <a:rPr lang="en-US" altLang="zh-CN" dirty="0"/>
-              <a:t>Unix </a:t>
-            </a:r>
-            <a:r>
-              <a:rPr lang="zh-CN" altLang="en-US" dirty="0"/>
-              <a:t>风格的换行</a:t>
-            </a:r>
-            <a:r>
-              <a:rPr lang="en-US" altLang="zh-CN" dirty="0"/>
-              <a:t>: LF</a:t>
-            </a:r>
-          </a:p>
-          <a:p>
-            <a:r>
-              <a:rPr lang="zh-CN" altLang="en-US" dirty="0"/>
-              <a:t>所有可以直接访问的</a:t>
-            </a:r>
-            <a:r>
-              <a:rPr lang="en-US" altLang="zh-CN" dirty="0" err="1"/>
-              <a:t>url</a:t>
-            </a:r>
-            <a:r>
-              <a:rPr lang="zh-CN" altLang="en-US" dirty="0"/>
-              <a:t>中包含的文件名都是小写，如果是多个词组成，则用下划线连接。</a:t>
-            </a:r>
-          </a:p>
-          <a:p>
-            <a:r>
-              <a:rPr lang="zh-CN" altLang="en-US" dirty="0"/>
-              <a:t>行宽：</a:t>
-            </a:r>
-            <a:r>
-              <a:rPr lang="en-US" altLang="zh-CN" dirty="0"/>
-              <a:t>120 </a:t>
-            </a:r>
-            <a:r>
-              <a:rPr lang="zh-CN" altLang="en-US" dirty="0" smtClean="0"/>
-              <a:t>字符</a:t>
+              <a:t>设计与架构</a:t>
             </a:r>
             <a:endParaRPr lang="zh-CN" altLang="en-US" dirty="0"/>
           </a:p>
@@ -11734,7 +11655,7 @@
     </p:spTree>
     <p:extLst>
       <p:ext uri="{BB962C8B-B14F-4D97-AF65-F5344CB8AC3E}">
-        <p14:creationId xmlns:p14="http://schemas.microsoft.com/office/powerpoint/2010/main" val="2969603959"/>
+        <p14:creationId xmlns:p14="http://schemas.microsoft.com/office/powerpoint/2010/main" val="3625646795"/>
       </p:ext>
     </p:extLst>
   </p:cSld>
@@ -11784,6 +11705,191 @@
           <a:lstStyle/>
           <a:p>
             <a:r>
+              <a:rPr lang="en-US" altLang="zh-CN" dirty="0" smtClean="0"/>
+              <a:t>PHP</a:t>
+            </a:r>
+            <a:r>
+              <a:rPr lang="zh-CN" altLang="en-US" dirty="0" smtClean="0"/>
+              <a:t>代码规范</a:t>
+            </a:r>
+            <a:endParaRPr lang="zh-CN" altLang="en-US" dirty="0"/>
+          </a:p>
+        </p:txBody>
+      </p:sp>
+      <p:sp>
+        <p:nvSpPr>
+          <p:cNvPr id="3" name="内容占位符 2"/>
+          <p:cNvSpPr>
+            <a:spLocks noGrp="1"/>
+          </p:cNvSpPr>
+          <p:nvPr>
+            <p:ph idx="1"/>
+          </p:nvPr>
+        </p:nvSpPr>
+        <p:spPr/>
+        <p:txBody>
+          <a:bodyPr/>
+          <a:lstStyle/>
+          <a:p>
+            <a:r>
+              <a:rPr lang="zh-CN" altLang="en-US" dirty="0"/>
+              <a:t>通用约定：</a:t>
+            </a:r>
+          </a:p>
+          <a:p>
+            <a:r>
+              <a:rPr lang="zh-CN" altLang="en-US" dirty="0"/>
+              <a:t>代码缩进全部用</a:t>
+            </a:r>
+            <a:r>
+              <a:rPr lang="en-US" altLang="zh-CN" dirty="0"/>
+              <a:t>tab</a:t>
+            </a:r>
+            <a:r>
+              <a:rPr lang="zh-CN" altLang="en-US" dirty="0"/>
+              <a:t>，在编辑器里面设置</a:t>
+            </a:r>
+            <a:r>
+              <a:rPr lang="en-US" altLang="zh-CN" dirty="0"/>
+              <a:t>tab</a:t>
+            </a:r>
+            <a:r>
+              <a:rPr lang="zh-CN" altLang="en-US" dirty="0"/>
+              <a:t>存为制表符，不要存为空格。不要打一堆空格来做缩进。</a:t>
+            </a:r>
+          </a:p>
+          <a:p>
+            <a:r>
+              <a:rPr lang="en-US" altLang="zh-CN" dirty="0"/>
+              <a:t>SVN / </a:t>
+            </a:r>
+            <a:r>
+              <a:rPr lang="en-US" altLang="zh-CN" dirty="0" err="1"/>
+              <a:t>Git</a:t>
+            </a:r>
+            <a:r>
+              <a:rPr lang="en-US" altLang="zh-CN" dirty="0"/>
+              <a:t> </a:t>
+            </a:r>
+            <a:r>
+              <a:rPr lang="zh-CN" altLang="en-US" dirty="0"/>
+              <a:t>中新建文件编码类型统一用</a:t>
+            </a:r>
+            <a:r>
+              <a:rPr lang="en-US" altLang="zh-CN" dirty="0"/>
+              <a:t>utf-8</a:t>
+            </a:r>
+            <a:r>
+              <a:rPr lang="zh-CN" altLang="en-US" dirty="0"/>
+              <a:t>编码（不带</a:t>
+            </a:r>
+            <a:r>
+              <a:rPr lang="en-US" altLang="zh-CN" dirty="0"/>
+              <a:t>BOM</a:t>
+            </a:r>
+            <a:r>
+              <a:rPr lang="zh-CN" altLang="en-US" dirty="0"/>
+              <a:t>）。</a:t>
+            </a:r>
+          </a:p>
+          <a:p>
+            <a:r>
+              <a:rPr lang="en-US" altLang="zh-CN" dirty="0"/>
+              <a:t>Unix </a:t>
+            </a:r>
+            <a:r>
+              <a:rPr lang="zh-CN" altLang="en-US" dirty="0"/>
+              <a:t>风格的换行</a:t>
+            </a:r>
+            <a:r>
+              <a:rPr lang="en-US" altLang="zh-CN" dirty="0"/>
+              <a:t>: LF</a:t>
+            </a:r>
+          </a:p>
+          <a:p>
+            <a:r>
+              <a:rPr lang="zh-CN" altLang="en-US" dirty="0"/>
+              <a:t>所有可以直接访问的</a:t>
+            </a:r>
+            <a:r>
+              <a:rPr lang="en-US" altLang="zh-CN" dirty="0" err="1"/>
+              <a:t>url</a:t>
+            </a:r>
+            <a:r>
+              <a:rPr lang="zh-CN" altLang="en-US" dirty="0"/>
+              <a:t>中包含的文件名都是小写，如果是多个词组成，则用下划线连接。</a:t>
+            </a:r>
+          </a:p>
+          <a:p>
+            <a:r>
+              <a:rPr lang="zh-CN" altLang="en-US" dirty="0"/>
+              <a:t>行宽：</a:t>
+            </a:r>
+            <a:r>
+              <a:rPr lang="en-US" altLang="zh-CN" dirty="0"/>
+              <a:t>120 </a:t>
+            </a:r>
+            <a:r>
+              <a:rPr lang="zh-CN" altLang="en-US" dirty="0" smtClean="0"/>
+              <a:t>字符</a:t>
+            </a:r>
+            <a:endParaRPr lang="zh-CN" altLang="en-US" dirty="0"/>
+          </a:p>
+        </p:txBody>
+      </p:sp>
+    </p:spTree>
+    <p:extLst>
+      <p:ext uri="{BB962C8B-B14F-4D97-AF65-F5344CB8AC3E}">
+        <p14:creationId xmlns:p14="http://schemas.microsoft.com/office/powerpoint/2010/main" val="2969603959"/>
+      </p:ext>
+    </p:extLst>
+  </p:cSld>
+  <p:clrMapOvr>
+    <a:masterClrMapping/>
+  </p:clrMapOvr>
+  <p:timing>
+    <p:tnLst>
+      <p:par>
+        <p:cTn id="1" dur="indefinite" restart="never" nodeType="tmRoot"/>
+      </p:par>
+    </p:tnLst>
+  </p:timing>
+</p:sld>
+</file>
+
+<file path=ppt/slides/slide43.xml><?xml version="1.0" encoding="utf-8"?>
+<p:sld xmlns:a="http://schemas.openxmlformats.org/drawingml/2006/main" xmlns:r="http://schemas.openxmlformats.org/officeDocument/2006/relationships" xmlns:p="http://schemas.openxmlformats.org/presentationml/2006/main">
+  <p:cSld>
+    <p:spTree>
+      <p:nvGrpSpPr>
+        <p:cNvPr id="1" name=""/>
+        <p:cNvGrpSpPr/>
+        <p:nvPr/>
+      </p:nvGrpSpPr>
+      <p:grpSpPr>
+        <a:xfrm>
+          <a:off x="0" y="0"/>
+          <a:ext cx="0" cy="0"/>
+          <a:chOff x="0" y="0"/>
+          <a:chExt cx="0" cy="0"/>
+        </a:xfrm>
+      </p:grpSpPr>
+      <p:sp>
+        <p:nvSpPr>
+          <p:cNvPr id="2" name="标题 1"/>
+          <p:cNvSpPr>
+            <a:spLocks noGrp="1"/>
+          </p:cNvSpPr>
+          <p:nvPr>
+            <p:ph type="title"/>
+          </p:nvPr>
+        </p:nvSpPr>
+        <p:spPr/>
+        <p:txBody>
+          <a:bodyPr/>
+          <a:lstStyle/>
+          <a:p>
+            <a:r>
               <a:rPr lang="zh-CN" altLang="en-US" dirty="0" smtClean="0"/>
               <a:t>传参方式</a:t>
             </a:r>
@@ -11882,7 +11988,7 @@
 </p:sld>
 </file>
 
-<file path=ppt/slides/slide43.xml><?xml version="1.0" encoding="utf-8"?>
+<file path=ppt/slides/slide44.xml><?xml version="1.0" encoding="utf-8"?>
 <p:sld xmlns:a="http://schemas.openxmlformats.org/drawingml/2006/main" xmlns:r="http://schemas.openxmlformats.org/officeDocument/2006/relationships" xmlns:p="http://schemas.openxmlformats.org/presentationml/2006/main">
   <p:cSld>
     <p:spTree>
@@ -12039,7 +12145,7 @@
 </p:sld>
 </file>
 
-<file path=ppt/slides/slide44.xml><?xml version="1.0" encoding="utf-8"?>
+<file path=ppt/slides/slide45.xml><?xml version="1.0" encoding="utf-8"?>
 <p:sld xmlns:a="http://schemas.openxmlformats.org/drawingml/2006/main" xmlns:r="http://schemas.openxmlformats.org/officeDocument/2006/relationships" xmlns:p="http://schemas.openxmlformats.org/presentationml/2006/main">
   <p:cSld>
     <p:spTree>
@@ -12164,7 +12270,7 @@
 </p:sld>
 </file>
 
-<file path=ppt/slides/slide45.xml><?xml version="1.0" encoding="utf-8"?>
+<file path=ppt/slides/slide46.xml><?xml version="1.0" encoding="utf-8"?>
 <p:sld xmlns:a="http://schemas.openxmlformats.org/drawingml/2006/main" xmlns:r="http://schemas.openxmlformats.org/officeDocument/2006/relationships" xmlns:p="http://schemas.openxmlformats.org/presentationml/2006/main">
   <p:cSld>
     <p:spTree>
@@ -12355,7 +12461,7 @@
 </p:sld>
 </file>
 
-<file path=ppt/slides/slide46.xml><?xml version="1.0" encoding="utf-8"?>
+<file path=ppt/slides/slide47.xml><?xml version="1.0" encoding="utf-8"?>
 <p:sld xmlns:a="http://schemas.openxmlformats.org/drawingml/2006/main" xmlns:r="http://schemas.openxmlformats.org/officeDocument/2006/relationships" xmlns:p="http://schemas.openxmlformats.org/presentationml/2006/main">
   <p:cSld>
     <p:spTree>
@@ -12500,7 +12606,7 @@
 </p:sld>
 </file>
 
-<file path=ppt/slides/slide47.xml><?xml version="1.0" encoding="utf-8"?>
+<file path=ppt/slides/slide48.xml><?xml version="1.0" encoding="utf-8"?>
 <p:sld xmlns:a="http://schemas.openxmlformats.org/drawingml/2006/main" xmlns:r="http://schemas.openxmlformats.org/officeDocument/2006/relationships" xmlns:p="http://schemas.openxmlformats.org/presentationml/2006/main">
   <p:cSld>
     <p:spTree>
@@ -12617,7 +12723,7 @@
 </p:sld>
 </file>
 
-<file path=ppt/slides/slide48.xml><?xml version="1.0" encoding="utf-8"?>
+<file path=ppt/slides/slide49.xml><?xml version="1.0" encoding="utf-8"?>
 <p:sld xmlns:a="http://schemas.openxmlformats.org/drawingml/2006/main" xmlns:r="http://schemas.openxmlformats.org/officeDocument/2006/relationships" xmlns:p="http://schemas.openxmlformats.org/presentationml/2006/main">
   <p:cSld>
     <p:spTree>
@@ -12737,7 +12843,125 @@
 </p:sld>
 </file>
 
-<file path=ppt/slides/slide49.xml><?xml version="1.0" encoding="utf-8"?>
+<file path=ppt/slides/slide5.xml><?xml version="1.0" encoding="utf-8"?>
+<p:sld xmlns:a="http://schemas.openxmlformats.org/drawingml/2006/main" xmlns:r="http://schemas.openxmlformats.org/officeDocument/2006/relationships" xmlns:p="http://schemas.openxmlformats.org/presentationml/2006/main">
+  <p:cSld>
+    <p:spTree>
+      <p:nvGrpSpPr>
+        <p:cNvPr id="1" name=""/>
+        <p:cNvGrpSpPr/>
+        <p:nvPr/>
+      </p:nvGrpSpPr>
+      <p:grpSpPr>
+        <a:xfrm>
+          <a:off x="0" y="0"/>
+          <a:ext cx="0" cy="0"/>
+          <a:chOff x="0" y="0"/>
+          <a:chExt cx="0" cy="0"/>
+        </a:xfrm>
+      </p:grpSpPr>
+      <p:sp>
+        <p:nvSpPr>
+          <p:cNvPr id="2" name="标题 1"/>
+          <p:cNvSpPr>
+            <a:spLocks noGrp="1"/>
+          </p:cNvSpPr>
+          <p:nvPr>
+            <p:ph type="title"/>
+          </p:nvPr>
+        </p:nvSpPr>
+        <p:spPr/>
+        <p:txBody>
+          <a:bodyPr/>
+          <a:lstStyle/>
+          <a:p>
+            <a:r>
+              <a:rPr lang="zh-CN" altLang="en-US" dirty="0" smtClean="0"/>
+              <a:t>一个例子</a:t>
+            </a:r>
+            <a:endParaRPr lang="zh-CN" altLang="en-US" dirty="0"/>
+          </a:p>
+        </p:txBody>
+      </p:sp>
+      <p:sp>
+        <p:nvSpPr>
+          <p:cNvPr id="3" name="内容占位符 2"/>
+          <p:cNvSpPr>
+            <a:spLocks noGrp="1"/>
+          </p:cNvSpPr>
+          <p:nvPr>
+            <p:ph idx="1"/>
+          </p:nvPr>
+        </p:nvSpPr>
+        <p:spPr/>
+        <p:txBody>
+          <a:bodyPr/>
+          <a:lstStyle/>
+          <a:p>
+            <a:r>
+              <a:rPr lang="zh-CN" altLang="en-US" dirty="0" smtClean="0"/>
+              <a:t>同一句话</a:t>
+            </a:r>
+            <a:endParaRPr lang="en-US" altLang="zh-CN" dirty="0"/>
+          </a:p>
+          <a:p>
+            <a:pPr lvl="1"/>
+            <a:r>
+              <a:rPr lang="zh-CN" altLang="en-US" i="0" dirty="0"/>
+              <a:t>下雨天留客天留人不</a:t>
+            </a:r>
+            <a:r>
+              <a:rPr lang="zh-CN" altLang="en-US" i="0" dirty="0" smtClean="0"/>
+              <a:t>留</a:t>
+            </a:r>
+            <a:endParaRPr lang="en-US" altLang="zh-CN" dirty="0" smtClean="0"/>
+          </a:p>
+          <a:p>
+            <a:r>
+              <a:rPr lang="zh-CN" altLang="en-US" dirty="0" smtClean="0"/>
+              <a:t>不同的分词</a:t>
+            </a:r>
+            <a:endParaRPr lang="en-US" altLang="zh-CN" dirty="0" smtClean="0"/>
+          </a:p>
+          <a:p>
+            <a:pPr lvl="1"/>
+            <a:r>
+              <a:rPr lang="zh-CN" altLang="en-US" i="0" dirty="0" smtClean="0"/>
+              <a:t>下雨，天留客，天留人不留</a:t>
+            </a:r>
+            <a:endParaRPr lang="en-US" altLang="zh-CN" i="0" dirty="0" smtClean="0"/>
+          </a:p>
+          <a:p>
+            <a:pPr lvl="1"/>
+            <a:r>
+              <a:rPr lang="zh-CN" altLang="en-US" i="0" dirty="0" smtClean="0"/>
+              <a:t>下雨天，留客天，留人不？留</a:t>
+            </a:r>
+            <a:endParaRPr lang="en-US" altLang="zh-CN" i="0" dirty="0" smtClean="0"/>
+          </a:p>
+        </p:txBody>
+      </p:sp>
+    </p:spTree>
+    <p:extLst>
+      <p:ext uri="{BB962C8B-B14F-4D97-AF65-F5344CB8AC3E}">
+        <p14:creationId xmlns:p14="http://schemas.microsoft.com/office/powerpoint/2010/main" val="160804544"/>
+      </p:ext>
+    </p:extLst>
+  </p:cSld>
+  <p:clrMapOvr>
+    <a:masterClrMapping/>
+  </p:clrMapOvr>
+  <p:timing>
+    <p:tnLst>
+      <p:par>
+        <p:cTn id="1" dur="indefinite" restart="never" nodeType="tmRoot"/>
+      </p:par>
+    </p:tnLst>
+  </p:timing>
+</p:sld>
+</file>
+
+<file path=ppt/slides/slide50.xml><?xml version="1.0" encoding="utf-8"?>
 <p:sld xmlns:a="http://schemas.openxmlformats.org/drawingml/2006/main" xmlns:r="http://schemas.openxmlformats.org/officeDocument/2006/relationships" xmlns:p="http://schemas.openxmlformats.org/presentationml/2006/main">
   <p:cSld>
     <p:spTree>
@@ -12857,192 +13081,6 @@
 </p:sld>
 </file>
 
-<file path=ppt/slides/slide5.xml><?xml version="1.0" encoding="utf-8"?>
-<p:sld xmlns:a="http://schemas.openxmlformats.org/drawingml/2006/main" xmlns:r="http://schemas.openxmlformats.org/officeDocument/2006/relationships" xmlns:p="http://schemas.openxmlformats.org/presentationml/2006/main">
-  <p:cSld>
-    <p:spTree>
-      <p:nvGrpSpPr>
-        <p:cNvPr id="1" name=""/>
-        <p:cNvGrpSpPr/>
-        <p:nvPr/>
-      </p:nvGrpSpPr>
-      <p:grpSpPr>
-        <a:xfrm>
-          <a:off x="0" y="0"/>
-          <a:ext cx="0" cy="0"/>
-          <a:chOff x="0" y="0"/>
-          <a:chExt cx="0" cy="0"/>
-        </a:xfrm>
-      </p:grpSpPr>
-      <p:sp>
-        <p:nvSpPr>
-          <p:cNvPr id="2" name="标题 1"/>
-          <p:cNvSpPr>
-            <a:spLocks noGrp="1"/>
-          </p:cNvSpPr>
-          <p:nvPr>
-            <p:ph type="title"/>
-          </p:nvPr>
-        </p:nvSpPr>
-        <p:spPr/>
-        <p:txBody>
-          <a:bodyPr/>
-          <a:lstStyle/>
-          <a:p>
-            <a:r>
-              <a:rPr lang="zh-CN" altLang="en-US" dirty="0" smtClean="0"/>
-              <a:t>一个例子</a:t>
-            </a:r>
-            <a:endParaRPr lang="zh-CN" altLang="en-US" dirty="0"/>
-          </a:p>
-        </p:txBody>
-      </p:sp>
-      <p:sp>
-        <p:nvSpPr>
-          <p:cNvPr id="3" name="内容占位符 2"/>
-          <p:cNvSpPr>
-            <a:spLocks noGrp="1"/>
-          </p:cNvSpPr>
-          <p:nvPr>
-            <p:ph idx="1"/>
-          </p:nvPr>
-        </p:nvSpPr>
-        <p:spPr/>
-        <p:txBody>
-          <a:bodyPr/>
-          <a:lstStyle/>
-          <a:p>
-            <a:r>
-              <a:rPr lang="zh-CN" altLang="en-US" dirty="0" smtClean="0"/>
-              <a:t>同一句话</a:t>
-            </a:r>
-            <a:endParaRPr lang="en-US" altLang="zh-CN" dirty="0"/>
-          </a:p>
-          <a:p>
-            <a:pPr lvl="1"/>
-            <a:r>
-              <a:rPr lang="zh-CN" altLang="en-US" i="0" dirty="0"/>
-              <a:t>下雨天留客天留人不</a:t>
-            </a:r>
-            <a:r>
-              <a:rPr lang="zh-CN" altLang="en-US" i="0" dirty="0" smtClean="0"/>
-              <a:t>留</a:t>
-            </a:r>
-            <a:endParaRPr lang="en-US" altLang="zh-CN" dirty="0" smtClean="0"/>
-          </a:p>
-          <a:p>
-            <a:r>
-              <a:rPr lang="zh-CN" altLang="en-US" dirty="0" smtClean="0"/>
-              <a:t>不同的分词</a:t>
-            </a:r>
-            <a:endParaRPr lang="en-US" altLang="zh-CN" dirty="0" smtClean="0"/>
-          </a:p>
-          <a:p>
-            <a:pPr lvl="1"/>
-            <a:r>
-              <a:rPr lang="zh-CN" altLang="en-US" i="0" dirty="0" smtClean="0"/>
-              <a:t>下雨，天留客，天留人不留</a:t>
-            </a:r>
-            <a:endParaRPr lang="en-US" altLang="zh-CN" i="0" dirty="0" smtClean="0"/>
-          </a:p>
-          <a:p>
-            <a:pPr lvl="1"/>
-            <a:r>
-              <a:rPr lang="zh-CN" altLang="en-US" i="0" dirty="0" smtClean="0"/>
-              <a:t>下雨天，留客天，留人不？留</a:t>
-            </a:r>
-            <a:endParaRPr lang="en-US" altLang="zh-CN" i="0" dirty="0" smtClean="0"/>
-          </a:p>
-        </p:txBody>
-      </p:sp>
-    </p:spTree>
-    <p:extLst>
-      <p:ext uri="{BB962C8B-B14F-4D97-AF65-F5344CB8AC3E}">
-        <p14:creationId xmlns:p14="http://schemas.microsoft.com/office/powerpoint/2010/main" val="160804544"/>
-      </p:ext>
-    </p:extLst>
-  </p:cSld>
-  <p:clrMapOvr>
-    <a:masterClrMapping/>
-  </p:clrMapOvr>
-  <p:timing>
-    <p:tnLst>
-      <p:par>
-        <p:cTn id="1" dur="indefinite" restart="never" nodeType="tmRoot"/>
-      </p:par>
-    </p:tnLst>
-  </p:timing>
-</p:sld>
-</file>
-
-<file path=ppt/slides/slide50.xml><?xml version="1.0" encoding="utf-8"?>
-<p:sld xmlns:a="http://schemas.openxmlformats.org/drawingml/2006/main" xmlns:r="http://schemas.openxmlformats.org/officeDocument/2006/relationships" xmlns:p="http://schemas.openxmlformats.org/presentationml/2006/main">
-  <p:cSld>
-    <p:spTree>
-      <p:nvGrpSpPr>
-        <p:cNvPr id="1" name=""/>
-        <p:cNvGrpSpPr/>
-        <p:nvPr/>
-      </p:nvGrpSpPr>
-      <p:grpSpPr>
-        <a:xfrm>
-          <a:off x="0" y="0"/>
-          <a:ext cx="0" cy="0"/>
-          <a:chOff x="0" y="0"/>
-          <a:chExt cx="0" cy="0"/>
-        </a:xfrm>
-      </p:grpSpPr>
-      <p:sp>
-        <p:nvSpPr>
-          <p:cNvPr id="2" name="标题 1"/>
-          <p:cNvSpPr>
-            <a:spLocks noGrp="1"/>
-          </p:cNvSpPr>
-          <p:nvPr>
-            <p:ph type="ctrTitle"/>
-          </p:nvPr>
-        </p:nvSpPr>
-        <p:spPr/>
-        <p:txBody>
-          <a:bodyPr/>
-          <a:lstStyle/>
-          <a:p>
-            <a:r>
-              <a:rPr lang="en-US" altLang="zh-CN" sz="4400" dirty="0"/>
-              <a:t>3.</a:t>
-            </a:r>
-            <a:r>
-              <a:rPr lang="zh-CN" altLang="en-US" sz="4400" dirty="0"/>
-              <a:t>同时输入公式和关键词、输入多个关键词自动分词等都</a:t>
-            </a:r>
-            <a:r>
-              <a:rPr lang="zh-CN" altLang="en-US" sz="4400" dirty="0" smtClean="0"/>
-              <a:t>支持</a:t>
-            </a:r>
-            <a:endParaRPr lang="zh-CN" altLang="en-US" sz="4400" dirty="0"/>
-          </a:p>
-        </p:txBody>
-      </p:sp>
-    </p:spTree>
-    <p:extLst>
-      <p:ext uri="{BB962C8B-B14F-4D97-AF65-F5344CB8AC3E}">
-        <p14:creationId xmlns:p14="http://schemas.microsoft.com/office/powerpoint/2010/main" val="889767006"/>
-      </p:ext>
-    </p:extLst>
-  </p:cSld>
-  <p:clrMapOvr>
-    <a:masterClrMapping/>
-  </p:clrMapOvr>
-  <p:timing>
-    <p:tnLst>
-      <p:par>
-        <p:cTn id="1" dur="indefinite" restart="never" nodeType="tmRoot"/>
-      </p:par>
-    </p:tnLst>
-  </p:timing>
-</p:sld>
-</file>
-
 <file path=ppt/slides/slide51.xml><?xml version="1.0" encoding="utf-8"?>
 <p:sld xmlns:a="http://schemas.openxmlformats.org/drawingml/2006/main" xmlns:r="http://schemas.openxmlformats.org/officeDocument/2006/relationships" xmlns:p="http://schemas.openxmlformats.org/presentationml/2006/main">
   <p:cSld>
@@ -13067,7 +13105,7 @@
             <a:spLocks noGrp="1"/>
           </p:cNvSpPr>
           <p:nvPr>
-            <p:ph type="title"/>
+            <p:ph type="ctrTitle"/>
           </p:nvPr>
         </p:nvSpPr>
         <p:spPr/>
@@ -13076,17 +13114,25 @@
           <a:lstStyle/>
           <a:p>
             <a:r>
-              <a:rPr lang="zh-CN" altLang="en-US" dirty="0" smtClean="0"/>
-              <a:t>摘要生成</a:t>
-            </a:r>
-            <a:endParaRPr lang="zh-CN" altLang="en-US" dirty="0"/>
+              <a:rPr lang="en-US" altLang="zh-CN" sz="4400" dirty="0"/>
+              <a:t>3.</a:t>
+            </a:r>
+            <a:r>
+              <a:rPr lang="zh-CN" altLang="en-US" sz="4400" dirty="0"/>
+              <a:t>同时输入公式和关键词、输入多个关键词自动分词等都</a:t>
+            </a:r>
+            <a:r>
+              <a:rPr lang="zh-CN" altLang="en-US" sz="4400" dirty="0" smtClean="0"/>
+              <a:t>支持</a:t>
+            </a:r>
+            <a:endParaRPr lang="zh-CN" altLang="en-US" sz="4400" dirty="0"/>
           </a:p>
         </p:txBody>
       </p:sp>
     </p:spTree>
     <p:extLst>
       <p:ext uri="{BB962C8B-B14F-4D97-AF65-F5344CB8AC3E}">
-        <p14:creationId xmlns:p14="http://schemas.microsoft.com/office/powerpoint/2010/main" val="713031764"/>
+        <p14:creationId xmlns:p14="http://schemas.microsoft.com/office/powerpoint/2010/main" val="889767006"/>
       </p:ext>
     </p:extLst>
   </p:cSld>
@@ -13137,6 +13183,66 @@
           <a:p>
             <a:r>
               <a:rPr lang="zh-CN" altLang="en-US" dirty="0" smtClean="0"/>
+              <a:t>摘要生成</a:t>
+            </a:r>
+            <a:endParaRPr lang="zh-CN" altLang="en-US" dirty="0"/>
+          </a:p>
+        </p:txBody>
+      </p:sp>
+    </p:spTree>
+    <p:extLst>
+      <p:ext uri="{BB962C8B-B14F-4D97-AF65-F5344CB8AC3E}">
+        <p14:creationId xmlns:p14="http://schemas.microsoft.com/office/powerpoint/2010/main" val="713031764"/>
+      </p:ext>
+    </p:extLst>
+  </p:cSld>
+  <p:clrMapOvr>
+    <a:masterClrMapping/>
+  </p:clrMapOvr>
+  <p:timing>
+    <p:tnLst>
+      <p:par>
+        <p:cTn id="1" dur="indefinite" restart="never" nodeType="tmRoot"/>
+      </p:par>
+    </p:tnLst>
+  </p:timing>
+</p:sld>
+</file>
+
+<file path=ppt/slides/slide53.xml><?xml version="1.0" encoding="utf-8"?>
+<p:sld xmlns:a="http://schemas.openxmlformats.org/drawingml/2006/main" xmlns:r="http://schemas.openxmlformats.org/officeDocument/2006/relationships" xmlns:p="http://schemas.openxmlformats.org/presentationml/2006/main">
+  <p:cSld>
+    <p:spTree>
+      <p:nvGrpSpPr>
+        <p:cNvPr id="1" name=""/>
+        <p:cNvGrpSpPr/>
+        <p:nvPr/>
+      </p:nvGrpSpPr>
+      <p:grpSpPr>
+        <a:xfrm>
+          <a:off x="0" y="0"/>
+          <a:ext cx="0" cy="0"/>
+          <a:chOff x="0" y="0"/>
+          <a:chExt cx="0" cy="0"/>
+        </a:xfrm>
+      </p:grpSpPr>
+      <p:sp>
+        <p:nvSpPr>
+          <p:cNvPr id="2" name="标题 1"/>
+          <p:cNvSpPr>
+            <a:spLocks noGrp="1"/>
+          </p:cNvSpPr>
+          <p:nvPr>
+            <p:ph type="title"/>
+          </p:nvPr>
+        </p:nvSpPr>
+        <p:spPr/>
+        <p:txBody>
+          <a:bodyPr/>
+          <a:lstStyle/>
+          <a:p>
+            <a:r>
+              <a:rPr lang="zh-CN" altLang="en-US" dirty="0" smtClean="0"/>
               <a:t>算法</a:t>
             </a:r>
             <a:endParaRPr lang="zh-CN" altLang="en-US" dirty="0"/>
@@ -13295,7 +13401,7 @@
           <a:graphicData uri="http://schemas.openxmlformats.org/presentationml/2006/ole">
             <mc:AlternateContent xmlns:mc="http://schemas.openxmlformats.org/markup-compatibility/2006">
               <mc:Choice xmlns:v="urn:schemas-microsoft-com:vml" Requires="v">
-                <p:oleObj spid="_x0000_s1030" r:id="rId3" imgW="4089400" imgH="889000" progId="Equation.KSEE3">
+                <p:oleObj spid="_x0000_s1032" r:id="rId3" imgW="4089400" imgH="889000" progId="Equation.KSEE3">
                   <p:embed/>
                 </p:oleObj>
               </mc:Choice>
@@ -13352,7 +13458,7 @@
 </p:sld>
 </file>
 
-<file path=ppt/slides/slide53.xml><?xml version="1.0" encoding="utf-8"?>
+<file path=ppt/slides/slide54.xml><?xml version="1.0" encoding="utf-8"?>
 <p:sld xmlns:a="http://schemas.openxmlformats.org/drawingml/2006/main" xmlns:r="http://schemas.openxmlformats.org/officeDocument/2006/relationships" xmlns:p="http://schemas.openxmlformats.org/presentationml/2006/main">
   <p:cSld>
     <p:spTree>
